--- a/기획/5_EARTH.pptx
+++ b/기획/5_EARTH.pptx
@@ -5,7 +5,7 @@
     <p:sldMasterId id="2147483648" r:id="rId1"/>
   </p:sldMasterIdLst>
   <p:notesMasterIdLst>
-    <p:notesMasterId r:id="rId18"/>
+    <p:notesMasterId r:id="rId17"/>
   </p:notesMasterIdLst>
   <p:sldIdLst>
     <p:sldId id="256" r:id="rId2"/>
@@ -14,39 +14,38 @@
     <p:sldId id="276" r:id="rId5"/>
     <p:sldId id="259" r:id="rId6"/>
     <p:sldId id="261" r:id="rId7"/>
-    <p:sldId id="260" r:id="rId8"/>
-    <p:sldId id="275" r:id="rId9"/>
-    <p:sldId id="263" r:id="rId10"/>
-    <p:sldId id="262" r:id="rId11"/>
-    <p:sldId id="278" r:id="rId12"/>
-    <p:sldId id="265" r:id="rId13"/>
-    <p:sldId id="277" r:id="rId14"/>
-    <p:sldId id="272" r:id="rId15"/>
-    <p:sldId id="273" r:id="rId16"/>
-    <p:sldId id="274" r:id="rId17"/>
+    <p:sldId id="275" r:id="rId8"/>
+    <p:sldId id="263" r:id="rId9"/>
+    <p:sldId id="262" r:id="rId10"/>
+    <p:sldId id="278" r:id="rId11"/>
+    <p:sldId id="279" r:id="rId12"/>
+    <p:sldId id="277" r:id="rId13"/>
+    <p:sldId id="272" r:id="rId14"/>
+    <p:sldId id="273" r:id="rId15"/>
+    <p:sldId id="274" r:id="rId16"/>
   </p:sldIdLst>
   <p:sldSz cx="18288000" cy="10287000"/>
   <p:notesSz cx="6858000" cy="9144000"/>
   <p:embeddedFontLst>
     <p:embeddedFont>
-      <p:font typeface="맑은 고딕" panose="020B0503020000020004" pitchFamily="50" charset="-127"/>
+      <p:font typeface="Arcade Normal" panose="00000400000000000000" pitchFamily="1" charset="0"/>
+      <p:regular r:id="rId18"/>
+    </p:embeddedFont>
+    <p:embeddedFont>
+      <p:font typeface="Calibri" panose="020F0502020204030204" pitchFamily="34" charset="0"/>
       <p:regular r:id="rId19"/>
       <p:bold r:id="rId20"/>
+      <p:italic r:id="rId21"/>
+      <p:boldItalic r:id="rId22"/>
     </p:embeddedFont>
     <p:embeddedFont>
       <p:font typeface="210 8비트 R" panose="020B0600000101010101" charset="-127"/>
-      <p:regular r:id="rId21"/>
+      <p:regular r:id="rId23"/>
     </p:embeddedFont>
     <p:embeddedFont>
-      <p:font typeface="Arcade Normal" panose="00000400000000000000" pitchFamily="1" charset="0"/>
-      <p:regular r:id="rId22"/>
-    </p:embeddedFont>
-    <p:embeddedFont>
-      <p:font typeface="Calibri" panose="020F0502020204030204" pitchFamily="34" charset="0"/>
-      <p:regular r:id="rId23"/>
-      <p:bold r:id="rId24"/>
-      <p:italic r:id="rId25"/>
-      <p:boldItalic r:id="rId26"/>
+      <p:font typeface="맑은 고딕" panose="020B0503020000020004" pitchFamily="50" charset="-127"/>
+      <p:regular r:id="rId24"/>
+      <p:bold r:id="rId25"/>
     </p:embeddedFont>
   </p:embeddedFontLst>
   <p:defaultTextStyle>
@@ -245,7 +244,7 @@
           <a:p>
             <a:fld id="{4E3F01DD-285A-4E24-9424-A2D616F85BDD}" type="datetimeFigureOut">
               <a:rPr lang="ko-KR" altLang="en-US" smtClean="0"/>
-              <a:t>2023-06-17</a:t>
+              <a:t>2023-06-19</a:t>
             </a:fld>
             <a:endParaRPr lang="ko-KR" altLang="en-US"/>
           </a:p>
@@ -662,7 +661,7 @@
           <a:p>
             <a:fld id="{9791B821-603C-4FE5-A08B-580A7464C26A}" type="slidenum">
               <a:rPr lang="ko-KR" altLang="en-US" smtClean="0"/>
-              <a:t>14</a:t>
+              <a:t>13</a:t>
             </a:fld>
             <a:endParaRPr lang="ko-KR" altLang="en-US"/>
           </a:p>
@@ -861,7 +860,7 @@
             <a:fld id="{1D8BD707-D9CF-40AE-B4C6-C98DA3205C09}" type="datetimeFigureOut">
               <a:rPr lang="en-US" smtClean="0"/>
               <a:pPr/>
-              <a:t>6/17/2023</a:t>
+              <a:t>6/19/2023</a:t>
             </a:fld>
             <a:endParaRPr lang="en-US"/>
           </a:p>
@@ -1026,7 +1025,7 @@
             <a:fld id="{1D8BD707-D9CF-40AE-B4C6-C98DA3205C09}" type="datetimeFigureOut">
               <a:rPr lang="en-US" smtClean="0"/>
               <a:pPr/>
-              <a:t>6/17/2023</a:t>
+              <a:t>6/19/2023</a:t>
             </a:fld>
             <a:endParaRPr lang="en-US"/>
           </a:p>
@@ -1201,7 +1200,7 @@
             <a:fld id="{1D8BD707-D9CF-40AE-B4C6-C98DA3205C09}" type="datetimeFigureOut">
               <a:rPr lang="en-US" smtClean="0"/>
               <a:pPr/>
-              <a:t>6/17/2023</a:t>
+              <a:t>6/19/2023</a:t>
             </a:fld>
             <a:endParaRPr lang="en-US"/>
           </a:p>
@@ -1366,7 +1365,7 @@
             <a:fld id="{1D8BD707-D9CF-40AE-B4C6-C98DA3205C09}" type="datetimeFigureOut">
               <a:rPr lang="en-US" smtClean="0"/>
               <a:pPr/>
-              <a:t>6/17/2023</a:t>
+              <a:t>6/19/2023</a:t>
             </a:fld>
             <a:endParaRPr lang="en-US"/>
           </a:p>
@@ -1608,7 +1607,7 @@
             <a:fld id="{1D8BD707-D9CF-40AE-B4C6-C98DA3205C09}" type="datetimeFigureOut">
               <a:rPr lang="en-US" smtClean="0"/>
               <a:pPr/>
-              <a:t>6/17/2023</a:t>
+              <a:t>6/19/2023</a:t>
             </a:fld>
             <a:endParaRPr lang="en-US"/>
           </a:p>
@@ -1890,7 +1889,7 @@
             <a:fld id="{1D8BD707-D9CF-40AE-B4C6-C98DA3205C09}" type="datetimeFigureOut">
               <a:rPr lang="en-US" smtClean="0"/>
               <a:pPr/>
-              <a:t>6/17/2023</a:t>
+              <a:t>6/19/2023</a:t>
             </a:fld>
             <a:endParaRPr lang="en-US"/>
           </a:p>
@@ -2306,7 +2305,7 @@
             <a:fld id="{1D8BD707-D9CF-40AE-B4C6-C98DA3205C09}" type="datetimeFigureOut">
               <a:rPr lang="en-US" smtClean="0"/>
               <a:pPr/>
-              <a:t>6/17/2023</a:t>
+              <a:t>6/19/2023</a:t>
             </a:fld>
             <a:endParaRPr lang="en-US"/>
           </a:p>
@@ -2420,7 +2419,7 @@
             <a:fld id="{1D8BD707-D9CF-40AE-B4C6-C98DA3205C09}" type="datetimeFigureOut">
               <a:rPr lang="en-US" smtClean="0"/>
               <a:pPr/>
-              <a:t>6/17/2023</a:t>
+              <a:t>6/19/2023</a:t>
             </a:fld>
             <a:endParaRPr lang="en-US"/>
           </a:p>
@@ -2512,7 +2511,7 @@
             <a:fld id="{1D8BD707-D9CF-40AE-B4C6-C98DA3205C09}" type="datetimeFigureOut">
               <a:rPr lang="en-US" smtClean="0"/>
               <a:pPr/>
-              <a:t>6/17/2023</a:t>
+              <a:t>6/19/2023</a:t>
             </a:fld>
             <a:endParaRPr lang="en-US"/>
           </a:p>
@@ -2784,7 +2783,7 @@
             <a:fld id="{1D8BD707-D9CF-40AE-B4C6-C98DA3205C09}" type="datetimeFigureOut">
               <a:rPr lang="en-US" smtClean="0"/>
               <a:pPr/>
-              <a:t>6/17/2023</a:t>
+              <a:t>6/19/2023</a:t>
             </a:fld>
             <a:endParaRPr lang="en-US"/>
           </a:p>
@@ -3033,7 +3032,7 @@
             <a:fld id="{1D8BD707-D9CF-40AE-B4C6-C98DA3205C09}" type="datetimeFigureOut">
               <a:rPr lang="en-US" smtClean="0"/>
               <a:pPr/>
-              <a:t>6/17/2023</a:t>
+              <a:t>6/19/2023</a:t>
             </a:fld>
             <a:endParaRPr lang="en-US"/>
           </a:p>
@@ -3241,7 +3240,7 @@
             <a:fld id="{1D8BD707-D9CF-40AE-B4C6-C98DA3205C09}" type="datetimeFigureOut">
               <a:rPr lang="en-US" smtClean="0"/>
               <a:pPr/>
-              <a:t>6/17/2023</a:t>
+              <a:t>6/19/2023</a:t>
             </a:fld>
             <a:endParaRPr lang="en-US"/>
           </a:p>
@@ -4012,7 +4011,7 @@
       </p:grpSpPr>
       <p:pic>
         <p:nvPicPr>
-          <p:cNvPr id="14" name="그림 13"/>
+          <p:cNvPr id="2" name="그림 1"/>
           <p:cNvPicPr>
             <a:picLocks noChangeAspect="1"/>
           </p:cNvPicPr>
@@ -4041,8 +4040,8 @@
         </p:nvSpPr>
         <p:spPr>
           <a:xfrm>
-            <a:off x="685800" y="4457700"/>
-            <a:ext cx="10972800" cy="3877985"/>
+            <a:off x="685800" y="2816058"/>
+            <a:ext cx="8686800" cy="4462760"/>
           </a:xfrm>
           <a:prstGeom prst="rect">
             <a:avLst/>
@@ -4056,38 +4055,55 @@
           <a:lstStyle/>
           <a:p>
             <a:r>
-              <a:rPr lang="en-US" altLang="ko-KR" sz="6600" smtClean="0">
-                <a:solidFill>
-                  <a:srgbClr val="92D050"/>
+              <a:rPr lang="en-US" altLang="ko-KR" sz="3600" smtClean="0">
+                <a:solidFill>
+                  <a:schemeClr val="accent3"/>
                 </a:solidFill>
                 <a:latin typeface="210 8비트 R" panose="020B0600000101010101" charset="-127"/>
                 <a:ea typeface="210 8비트 R" panose="020B0600000101010101" charset="-127"/>
               </a:rPr>
-              <a:t>&lt;</a:t>
-            </a:r>
-            <a:r>
-              <a:rPr lang="ko-KR" altLang="en-US" sz="6600" smtClean="0">
-                <a:solidFill>
-                  <a:srgbClr val="92D050"/>
+              <a:t>         </a:t>
+            </a:r>
+            <a:r>
+              <a:rPr lang="en-US" altLang="ko-KR" sz="8800" smtClean="0">
+                <a:solidFill>
+                  <a:srgbClr val="FFFF00"/>
                 </a:solidFill>
                 <a:latin typeface="210 8비트 R" panose="020B0600000101010101" charset="-127"/>
                 <a:ea typeface="210 8비트 R" panose="020B0600000101010101" charset="-127"/>
               </a:rPr>
-              <a:t>스토리 요소</a:t>
-            </a:r>
-            <a:r>
-              <a:rPr lang="en-US" altLang="ko-KR" sz="6600" smtClean="0">
-                <a:solidFill>
-                  <a:srgbClr val="92D050"/>
+              <a:t>&lt;</a:t>
+            </a:r>
+            <a:r>
+              <a:rPr lang="ko-KR" altLang="en-US" sz="8800" smtClean="0">
+                <a:solidFill>
+                  <a:srgbClr val="FFFF00"/>
                 </a:solidFill>
                 <a:latin typeface="210 8비트 R" panose="020B0600000101010101" charset="-127"/>
                 <a:ea typeface="210 8비트 R" panose="020B0600000101010101" charset="-127"/>
               </a:rPr>
+              <a:t>스토리 요약</a:t>
+            </a:r>
+            <a:r>
+              <a:rPr lang="en-US" altLang="ko-KR" sz="8800" smtClean="0">
+                <a:solidFill>
+                  <a:srgbClr val="FFFF00"/>
+                </a:solidFill>
+                <a:latin typeface="210 8비트 R" panose="020B0600000101010101" charset="-127"/>
+                <a:ea typeface="210 8비트 R" panose="020B0600000101010101" charset="-127"/>
+              </a:rPr>
               <a:t>&gt;</a:t>
             </a:r>
-          </a:p>
-          <a:p>
-            <a:endParaRPr lang="en-US" altLang="ko-KR" sz="3600" smtClean="0">
+            <a:endParaRPr lang="en-US" altLang="ko-KR" sz="8800">
+              <a:solidFill>
+                <a:srgbClr val="FFFF00"/>
+              </a:solidFill>
+              <a:latin typeface="210 8비트 R" panose="020B0600000101010101" charset="-127"/>
+              <a:ea typeface="210 8비트 R" panose="020B0600000101010101" charset="-127"/>
+            </a:endParaRPr>
+          </a:p>
+          <a:p>
+            <a:endParaRPr lang="en-US" altLang="ko-KR" sz="2800" smtClean="0">
               <a:solidFill>
                 <a:schemeClr val="bg1"/>
               </a:solidFill>
@@ -4096,168 +4112,124 @@
             </a:endParaRPr>
           </a:p>
           <a:p>
-            <a:r>
-              <a:rPr lang="ko-KR" altLang="en-US" sz="3600" smtClean="0">
-                <a:solidFill>
-                  <a:schemeClr val="bg1"/>
+            <a:pPr algn="r"/>
+            <a:r>
+              <a:rPr lang="en-US" altLang="ko-KR" sz="2800" smtClean="0">
+                <a:solidFill>
+                  <a:srgbClr val="FFC000"/>
                 </a:solidFill>
                 <a:latin typeface="210 8비트 R" panose="020B0600000101010101" charset="-127"/>
                 <a:ea typeface="210 8비트 R" panose="020B0600000101010101" charset="-127"/>
               </a:rPr>
-              <a:t>게임에 </a:t>
-            </a:r>
-            <a:r>
-              <a:rPr lang="ko-KR" altLang="en-US" sz="3600" smtClean="0">
-                <a:solidFill>
-                  <a:schemeClr val="accent6"/>
+              <a:t>2094</a:t>
+            </a:r>
+            <a:r>
+              <a:rPr lang="ko-KR" altLang="en-US" sz="2800" smtClean="0">
+                <a:solidFill>
+                  <a:srgbClr val="FFC000"/>
                 </a:solidFill>
                 <a:latin typeface="210 8비트 R" panose="020B0600000101010101" charset="-127"/>
                 <a:ea typeface="210 8비트 R" panose="020B0600000101010101" charset="-127"/>
               </a:rPr>
-              <a:t>컷씬</a:t>
-            </a:r>
-            <a:r>
-              <a:rPr lang="ko-KR" altLang="en-US" sz="3600" smtClean="0">
-                <a:solidFill>
-                  <a:schemeClr val="bg1"/>
-                </a:solidFill>
+              <a:t>년</a:t>
+            </a:r>
+            <a:r>
+              <a:rPr lang="en-US" altLang="ko-KR" sz="2800" smtClean="0">
                 <a:latin typeface="210 8비트 R" panose="020B0600000101010101" charset="-127"/>
                 <a:ea typeface="210 8비트 R" panose="020B0600000101010101" charset="-127"/>
               </a:rPr>
-              <a:t> 요소를 추가해 본 게임의 </a:t>
-            </a:r>
-            <a:r>
-              <a:rPr lang="ko-KR" altLang="en-US" sz="3600" smtClean="0">
-                <a:solidFill>
-                  <a:srgbClr val="92D050"/>
-                </a:solidFill>
+              <a:t>, </a:t>
+            </a:r>
+            <a:r>
+              <a:rPr lang="ko-KR" altLang="en-US" sz="2800" smtClean="0">
                 <a:latin typeface="210 8비트 R" panose="020B0600000101010101" charset="-127"/>
                 <a:ea typeface="210 8비트 R" panose="020B0600000101010101" charset="-127"/>
               </a:rPr>
-              <a:t>스토리</a:t>
-            </a:r>
-            <a:r>
-              <a:rPr lang="ko-KR" altLang="en-US" sz="3600" smtClean="0">
-                <a:solidFill>
-                  <a:schemeClr val="bg1"/>
-                </a:solidFill>
-                <a:latin typeface="210 8비트 R" panose="020B0600000101010101" charset="-127"/>
-                <a:ea typeface="210 8비트 R" panose="020B0600000101010101" charset="-127"/>
-              </a:rPr>
-              <a:t>를</a:t>
-            </a:r>
-            <a:endParaRPr lang="en-US" altLang="ko-KR" sz="3600" smtClean="0">
-              <a:solidFill>
-                <a:schemeClr val="bg1"/>
-              </a:solidFill>
+              <a:t>지구 온난화로 인해 죽어가는 지구에서</a:t>
+            </a:r>
+            <a:endParaRPr lang="en-US" altLang="ko-KR" sz="2800" smtClean="0">
               <a:latin typeface="210 8비트 R" panose="020B0600000101010101" charset="-127"/>
               <a:ea typeface="210 8비트 R" panose="020B0600000101010101" charset="-127"/>
             </a:endParaRPr>
           </a:p>
           <a:p>
-            <a:r>
-              <a:rPr lang="ko-KR" altLang="en-US" sz="3600" smtClean="0">
-                <a:solidFill>
-                  <a:schemeClr val="bg1"/>
-                </a:solidFill>
+            <a:pPr algn="r"/>
+            <a:r>
+              <a:rPr lang="ko-KR" altLang="en-US" sz="2800" smtClean="0">
                 <a:latin typeface="210 8비트 R" panose="020B0600000101010101" charset="-127"/>
                 <a:ea typeface="210 8비트 R" panose="020B0600000101010101" charset="-127"/>
               </a:rPr>
-              <a:t>조금이나마 보여주고자 했고</a:t>
-            </a:r>
-            <a:r>
-              <a:rPr lang="en-US" altLang="ko-KR" sz="3600" smtClean="0">
-                <a:solidFill>
-                  <a:schemeClr val="bg1"/>
-                </a:solidFill>
-                <a:latin typeface="210 8비트 R" panose="020B0600000101010101" charset="-127"/>
-                <a:ea typeface="210 8비트 R" panose="020B0600000101010101" charset="-127"/>
-              </a:rPr>
-              <a:t>,</a:t>
-            </a:r>
-          </a:p>
-          <a:p>
-            <a:r>
-              <a:rPr lang="ko-KR" altLang="en-US" sz="3600" smtClean="0">
-                <a:solidFill>
-                  <a:schemeClr val="accent6">
-                    <a:lumMod val="75000"/>
-                  </a:schemeClr>
-                </a:solidFill>
-                <a:latin typeface="210 8비트 R" panose="020B0600000101010101" charset="-127"/>
-                <a:ea typeface="210 8비트 R" panose="020B0600000101010101" charset="-127"/>
-              </a:rPr>
-              <a:t>게임의 배경이 변하는</a:t>
-            </a:r>
-            <a:r>
-              <a:rPr lang="ko-KR" altLang="en-US" sz="3600" smtClean="0">
-                <a:solidFill>
-                  <a:schemeClr val="bg1"/>
-                </a:solidFill>
-                <a:latin typeface="210 8비트 R" panose="020B0600000101010101" charset="-127"/>
-                <a:ea typeface="210 8비트 R" panose="020B0600000101010101" charset="-127"/>
-              </a:rPr>
-              <a:t> 등 </a:t>
-            </a:r>
-            <a:r>
-              <a:rPr lang="ko-KR" altLang="en-US" sz="3600" smtClean="0">
-                <a:solidFill>
-                  <a:srgbClr val="92D050"/>
-                </a:solidFill>
-                <a:latin typeface="210 8비트 R" panose="020B0600000101010101" charset="-127"/>
-                <a:ea typeface="210 8비트 R" panose="020B0600000101010101" charset="-127"/>
-              </a:rPr>
-              <a:t>스토리 요소</a:t>
-            </a:r>
-            <a:r>
-              <a:rPr lang="ko-KR" altLang="en-US" sz="3600" smtClean="0">
-                <a:solidFill>
-                  <a:schemeClr val="bg1"/>
-                </a:solidFill>
-                <a:latin typeface="210 8비트 R" panose="020B0600000101010101" charset="-127"/>
-                <a:ea typeface="210 8비트 R" panose="020B0600000101010101" charset="-127"/>
-              </a:rPr>
-              <a:t>를</a:t>
-            </a:r>
-            <a:endParaRPr lang="en-US" altLang="ko-KR" sz="3600" smtClean="0">
-              <a:solidFill>
-                <a:schemeClr val="bg1"/>
-              </a:solidFill>
+              <a:t>살아남은 한 소녀의 이야기</a:t>
+            </a:r>
+            <a:endParaRPr lang="en-US" altLang="ko-KR" sz="2800" smtClean="0">
               <a:latin typeface="210 8비트 R" panose="020B0600000101010101" charset="-127"/>
               <a:ea typeface="210 8비트 R" panose="020B0600000101010101" charset="-127"/>
             </a:endParaRPr>
           </a:p>
           <a:p>
-            <a:r>
-              <a:rPr lang="ko-KR" altLang="en-US" sz="3600" smtClean="0">
-                <a:solidFill>
-                  <a:schemeClr val="bg1"/>
-                </a:solidFill>
-                <a:latin typeface="210 8비트 R" panose="020B0600000101010101" charset="-127"/>
-                <a:ea typeface="210 8비트 R" panose="020B0600000101010101" charset="-127"/>
-              </a:rPr>
-              <a:t>게임에 조금씩 뭍혀놓았다</a:t>
-            </a:r>
-            <a:endParaRPr lang="en-US" altLang="ko-KR" sz="3600" smtClean="0">
-              <a:solidFill>
-                <a:schemeClr val="bg1"/>
-              </a:solidFill>
+            <a:pPr algn="r"/>
+            <a:endParaRPr lang="en-US" altLang="ko-KR" sz="2800" smtClean="0">
               <a:latin typeface="210 8비트 R" panose="020B0600000101010101" charset="-127"/>
               <a:ea typeface="210 8비트 R" panose="020B0600000101010101" charset="-127"/>
             </a:endParaRPr>
+          </a:p>
+          <a:p>
+            <a:pPr algn="r"/>
+            <a:r>
+              <a:rPr lang="ko-KR" altLang="en-US" sz="2800" smtClean="0">
+                <a:latin typeface="210 8비트 R" panose="020B0600000101010101" charset="-127"/>
+                <a:ea typeface="210 8비트 R" panose="020B0600000101010101" charset="-127"/>
+              </a:rPr>
+              <a:t>어린 시절 할머니에게서 푸른 지구의 이야기를 들으며</a:t>
+            </a:r>
+            <a:endParaRPr lang="en-US" altLang="ko-KR" sz="2800" smtClean="0">
+              <a:latin typeface="210 8비트 R" panose="020B0600000101010101" charset="-127"/>
+              <a:ea typeface="210 8비트 R" panose="020B0600000101010101" charset="-127"/>
+            </a:endParaRPr>
+          </a:p>
+          <a:p>
+            <a:pPr algn="r"/>
+            <a:r>
+              <a:rPr lang="ko-KR" altLang="en-US" sz="2800" smtClean="0">
+                <a:latin typeface="210 8비트 R" panose="020B0600000101010101" charset="-127"/>
+                <a:ea typeface="210 8비트 R" panose="020B0600000101010101" charset="-127"/>
+              </a:rPr>
+              <a:t>자랐던 소녀는 자신이 아끼는 로봇과 함께</a:t>
+            </a:r>
+            <a:endParaRPr lang="en-US" altLang="ko-KR" sz="2800" smtClean="0">
+              <a:latin typeface="210 8비트 R" panose="020B0600000101010101" charset="-127"/>
+              <a:ea typeface="210 8비트 R" panose="020B0600000101010101" charset="-127"/>
+            </a:endParaRPr>
+          </a:p>
+          <a:p>
+            <a:pPr algn="r"/>
+            <a:r>
+              <a:rPr lang="ko-KR" altLang="en-US" sz="2800" smtClean="0">
+                <a:latin typeface="210 8비트 R" panose="020B0600000101010101" charset="-127"/>
+                <a:ea typeface="210 8비트 R" panose="020B0600000101010101" charset="-127"/>
+              </a:rPr>
+              <a:t>푸른 지구를 만들기 위한 여정을 떠나게 된다</a:t>
+            </a:r>
+            <a:r>
+              <a:rPr lang="en-US" altLang="ko-KR" sz="2800" smtClean="0">
+                <a:latin typeface="210 8비트 R" panose="020B0600000101010101" charset="-127"/>
+                <a:ea typeface="210 8비트 R" panose="020B0600000101010101" charset="-127"/>
+              </a:rPr>
+              <a:t>.</a:t>
+            </a:r>
           </a:p>
         </p:txBody>
       </p:sp>
       <p:pic>
         <p:nvPicPr>
-          <p:cNvPr id="4098" name="Picture 2" descr="스테이지1-무너진-건물.jpg"/>
+          <p:cNvPr id="4" name="Picture 10" descr="게임메인화면 최종본.jpg"/>
           <p:cNvPicPr>
             <a:picLocks noChangeAspect="1" noChangeArrowheads="1"/>
           </p:cNvPicPr>
           <p:nvPr/>
         </p:nvPicPr>
         <p:blipFill>
-          <a:blip r:embed="rId3" cstate="print">
+          <a:blip r:embed="rId3">
             <a:extLst>
               <a:ext uri="{28A0092B-C50C-407E-A947-70E740481C1C}">
                 <a14:useLocalDpi xmlns:a14="http://schemas.microsoft.com/office/drawing/2010/main" val="0"/>
@@ -4271,8 +4243,8 @@
         </p:blipFill>
         <p:spPr bwMode="auto">
           <a:xfrm>
-            <a:off x="7124848" y="1485900"/>
-            <a:ext cx="8000703" cy="4154210"/>
+            <a:off x="9601200" y="2812835"/>
+            <a:ext cx="7815470" cy="4465983"/>
           </a:xfrm>
           <a:prstGeom prst="rect">
             <a:avLst/>
@@ -4302,61 +4274,12 @@
           </a:extLst>
         </p:spPr>
       </p:pic>
-      <p:pic>
-        <p:nvPicPr>
-          <p:cNvPr id="4100" name="Picture 4" descr="컷씬-스테이지3.jpg"/>
-          <p:cNvPicPr>
-            <a:picLocks noChangeAspect="1" noChangeArrowheads="1"/>
-          </p:cNvPicPr>
-          <p:nvPr/>
-        </p:nvPicPr>
-        <p:blipFill>
-          <a:blip r:embed="rId4" cstate="print">
-            <a:extLst>
-              <a:ext uri="{28A0092B-C50C-407E-A947-70E740481C1C}">
-                <a14:useLocalDpi xmlns:a14="http://schemas.microsoft.com/office/drawing/2010/main" val="0"/>
-              </a:ext>
-            </a:extLst>
-          </a:blip>
-          <a:srcRect/>
-          <a:stretch>
-            <a:fillRect/>
-          </a:stretch>
-        </p:blipFill>
-        <p:spPr bwMode="auto">
-          <a:xfrm>
-            <a:off x="11125200" y="5106710"/>
-            <a:ext cx="5740400" cy="3228975"/>
-          </a:xfrm>
-          <a:prstGeom prst="rect">
-            <a:avLst/>
-          </a:prstGeom>
-          <a:ln w="38100" cap="sq">
-            <a:solidFill>
-              <a:srgbClr val="000000"/>
-            </a:solidFill>
-            <a:prstDash val="solid"/>
-            <a:miter lim="800000"/>
-          </a:ln>
-          <a:effectLst>
-            <a:outerShdw blurRad="50800" dist="38100" dir="2700000" algn="tl" rotWithShape="0">
-              <a:srgbClr val="000000">
-                <a:alpha val="43000"/>
-              </a:srgbClr>
-            </a:outerShdw>
-          </a:effectLst>
-          <a:extLst>
-            <a:ext uri="{909E8E84-426E-40DD-AFC4-6F175D3DCCD1}">
-              <a14:hiddenFill xmlns:a14="http://schemas.microsoft.com/office/drawing/2010/main">
-                <a:solidFill>
-                  <a:srgbClr val="FFFFFF"/>
-                </a:solidFill>
-              </a14:hiddenFill>
-            </a:ext>
-          </a:extLst>
-        </p:spPr>
-      </p:pic>
     </p:spTree>
+    <p:extLst>
+      <p:ext uri="{BB962C8B-B14F-4D97-AF65-F5344CB8AC3E}">
+        <p14:creationId xmlns:p14="http://schemas.microsoft.com/office/powerpoint/2010/main" val="1889931959"/>
+      </p:ext>
+    </p:extLst>
   </p:cSld>
   <p:clrMapOvr>
     <a:masterClrMapping/>
@@ -4413,14 +4336,799 @@
       </p:pic>
       <p:sp>
         <p:nvSpPr>
-          <p:cNvPr id="3" name="TextBox 2"/>
+          <p:cNvPr id="5" name="직사각형 4"/>
+          <p:cNvSpPr/>
+          <p:nvPr/>
+        </p:nvSpPr>
+        <p:spPr>
+          <a:xfrm>
+            <a:off x="4019612" y="1721617"/>
+            <a:ext cx="10796545" cy="1569660"/>
+          </a:xfrm>
+          <a:prstGeom prst="rect">
+            <a:avLst/>
+          </a:prstGeom>
+          <a:noFill/>
+        </p:spPr>
+        <p:txBody>
+          <a:bodyPr wrap="none" lIns="91440" tIns="45720" rIns="91440" bIns="45720">
+            <a:spAutoFit/>
+          </a:bodyPr>
+          <a:lstStyle/>
+          <a:p>
+            <a:pPr algn="ctr"/>
+            <a:r>
+              <a:rPr lang="ko-KR" altLang="en-US" sz="9600" b="1" smtClean="0">
+                <a:ln w="12700">
+                  <a:solidFill>
+                    <a:schemeClr val="tx2">
+                      <a:lumMod val="75000"/>
+                    </a:schemeClr>
+                  </a:solidFill>
+                  <a:prstDash val="solid"/>
+                </a:ln>
+                <a:pattFill prst="dkUpDiag">
+                  <a:fgClr>
+                    <a:schemeClr val="tx2"/>
+                  </a:fgClr>
+                  <a:bgClr>
+                    <a:schemeClr val="tx2">
+                      <a:lumMod val="20000"/>
+                      <a:lumOff val="80000"/>
+                    </a:schemeClr>
+                  </a:bgClr>
+                </a:pattFill>
+                <a:effectLst>
+                  <a:outerShdw dist="38100" dir="2640000" algn="bl" rotWithShape="0">
+                    <a:schemeClr val="tx2">
+                      <a:lumMod val="75000"/>
+                    </a:schemeClr>
+                  </a:outerShdw>
+                </a:effectLst>
+                <a:latin typeface="210 8비트 R" panose="020B0600000101010101" charset="-127"/>
+                <a:ea typeface="210 8비트 R" panose="020B0600000101010101" charset="-127"/>
+              </a:rPr>
+              <a:t>재미 요소 </a:t>
+            </a:r>
+            <a:r>
+              <a:rPr lang="en-US" altLang="ko-KR" sz="9600" b="1" smtClean="0">
+                <a:ln w="12700">
+                  <a:solidFill>
+                    <a:schemeClr val="tx2">
+                      <a:lumMod val="75000"/>
+                    </a:schemeClr>
+                  </a:solidFill>
+                  <a:prstDash val="solid"/>
+                </a:ln>
+                <a:pattFill prst="dkUpDiag">
+                  <a:fgClr>
+                    <a:schemeClr val="tx2"/>
+                  </a:fgClr>
+                  <a:bgClr>
+                    <a:schemeClr val="tx2">
+                      <a:lumMod val="20000"/>
+                      <a:lumOff val="80000"/>
+                    </a:schemeClr>
+                  </a:bgClr>
+                </a:pattFill>
+                <a:effectLst>
+                  <a:outerShdw dist="38100" dir="2640000" algn="bl" rotWithShape="0">
+                    <a:schemeClr val="tx2">
+                      <a:lumMod val="75000"/>
+                    </a:schemeClr>
+                  </a:outerShdw>
+                </a:effectLst>
+                <a:latin typeface="210 8비트 R" panose="020B0600000101010101" charset="-127"/>
+                <a:ea typeface="210 8비트 R" panose="020B0600000101010101" charset="-127"/>
+              </a:rPr>
+              <a:t>– </a:t>
+            </a:r>
+            <a:r>
+              <a:rPr lang="ko-KR" altLang="en-US" sz="9600" b="1" smtClean="0">
+                <a:ln w="12700">
+                  <a:solidFill>
+                    <a:schemeClr val="tx2">
+                      <a:lumMod val="75000"/>
+                    </a:schemeClr>
+                  </a:solidFill>
+                  <a:prstDash val="solid"/>
+                </a:ln>
+                <a:pattFill prst="dkUpDiag">
+                  <a:fgClr>
+                    <a:schemeClr val="tx2"/>
+                  </a:fgClr>
+                  <a:bgClr>
+                    <a:schemeClr val="tx2">
+                      <a:lumMod val="20000"/>
+                      <a:lumOff val="80000"/>
+                    </a:schemeClr>
+                  </a:bgClr>
+                </a:pattFill>
+                <a:effectLst>
+                  <a:outerShdw dist="38100" dir="2640000" algn="bl" rotWithShape="0">
+                    <a:schemeClr val="tx2">
+                      <a:lumMod val="75000"/>
+                    </a:schemeClr>
+                  </a:outerShdw>
+                </a:effectLst>
+                <a:latin typeface="210 8비트 R" panose="020B0600000101010101" charset="-127"/>
+                <a:ea typeface="210 8비트 R" panose="020B0600000101010101" charset="-127"/>
+              </a:rPr>
+              <a:t>주 목표</a:t>
+            </a:r>
+            <a:endParaRPr lang="en-US" altLang="ko-KR" sz="9600" b="1" cap="none" spc="0">
+              <a:ln w="12700">
+                <a:solidFill>
+                  <a:schemeClr val="tx2">
+                    <a:lumMod val="75000"/>
+                  </a:schemeClr>
+                </a:solidFill>
+                <a:prstDash val="solid"/>
+              </a:ln>
+              <a:pattFill prst="dkUpDiag">
+                <a:fgClr>
+                  <a:schemeClr val="tx2"/>
+                </a:fgClr>
+                <a:bgClr>
+                  <a:schemeClr val="tx2">
+                    <a:lumMod val="20000"/>
+                    <a:lumOff val="80000"/>
+                  </a:schemeClr>
+                </a:bgClr>
+              </a:pattFill>
+              <a:effectLst>
+                <a:outerShdw dist="38100" dir="2640000" algn="bl" rotWithShape="0">
+                  <a:schemeClr val="tx2">
+                    <a:lumMod val="75000"/>
+                  </a:schemeClr>
+                </a:outerShdw>
+              </a:effectLst>
+              <a:latin typeface="210 8비트 R" panose="020B0600000101010101" charset="-127"/>
+              <a:ea typeface="210 8비트 R" panose="020B0600000101010101" charset="-127"/>
+            </a:endParaRPr>
+          </a:p>
+        </p:txBody>
+      </p:sp>
+      <p:pic>
+        <p:nvPicPr>
+          <p:cNvPr id="6" name="그림 5"/>
+          <p:cNvPicPr>
+            <a:picLocks noChangeAspect="1"/>
+          </p:cNvPicPr>
+          <p:nvPr/>
+        </p:nvPicPr>
+        <p:blipFill>
+          <a:blip r:embed="rId3">
+            <a:extLst>
+              <a:ext uri="{28A0092B-C50C-407E-A947-70E740481C1C}">
+                <a14:useLocalDpi xmlns:a14="http://schemas.microsoft.com/office/drawing/2010/main" val="0"/>
+              </a:ext>
+            </a:extLst>
+          </a:blip>
+          <a:stretch>
+            <a:fillRect/>
+          </a:stretch>
+        </p:blipFill>
+        <p:spPr>
+          <a:xfrm>
+            <a:off x="-2291385" y="6811691"/>
+            <a:ext cx="1136622" cy="2078396"/>
+          </a:xfrm>
+          <a:prstGeom prst="rect">
+            <a:avLst/>
+          </a:prstGeom>
+        </p:spPr>
+      </p:pic>
+      <p:grpSp>
+        <p:nvGrpSpPr>
+          <p:cNvPr id="27" name="그룹 26"/>
+          <p:cNvGrpSpPr/>
+          <p:nvPr/>
+        </p:nvGrpSpPr>
+        <p:grpSpPr>
+          <a:xfrm>
+            <a:off x="3815382" y="6097369"/>
+            <a:ext cx="1905000" cy="2475131"/>
+            <a:chOff x="3815382" y="6097369"/>
+            <a:chExt cx="1905000" cy="2475131"/>
+          </a:xfrm>
+        </p:grpSpPr>
+        <p:grpSp>
+          <p:nvGrpSpPr>
+            <p:cNvPr id="7" name="그룹 6"/>
+            <p:cNvGrpSpPr/>
+            <p:nvPr/>
+          </p:nvGrpSpPr>
+          <p:grpSpPr>
+            <a:xfrm>
+              <a:off x="3967782" y="6896100"/>
+              <a:ext cx="1672294" cy="1251363"/>
+              <a:chOff x="3966989" y="7429499"/>
+              <a:chExt cx="1672294" cy="1251363"/>
+            </a:xfrm>
+          </p:grpSpPr>
+          <p:pic>
+            <p:nvPicPr>
+              <p:cNvPr id="3" name="그림 2"/>
+              <p:cNvPicPr>
+                <a:picLocks noChangeAspect="1"/>
+              </p:cNvPicPr>
+              <p:nvPr/>
+            </p:nvPicPr>
+            <p:blipFill>
+              <a:blip r:embed="rId4" cstate="print">
+                <a:extLst>
+                  <a:ext uri="{28A0092B-C50C-407E-A947-70E740481C1C}">
+                    <a14:useLocalDpi xmlns:a14="http://schemas.microsoft.com/office/drawing/2010/main" val="0"/>
+                  </a:ext>
+                </a:extLst>
+              </a:blip>
+              <a:stretch>
+                <a:fillRect/>
+              </a:stretch>
+            </p:blipFill>
+            <p:spPr>
+              <a:xfrm>
+                <a:off x="3966989" y="8087714"/>
+                <a:ext cx="605011" cy="593148"/>
+              </a:xfrm>
+              <a:prstGeom prst="rect">
+                <a:avLst/>
+              </a:prstGeom>
+            </p:spPr>
+          </p:pic>
+          <p:pic>
+            <p:nvPicPr>
+              <p:cNvPr id="4" name="그림 3"/>
+              <p:cNvPicPr>
+                <a:picLocks noChangeAspect="1"/>
+              </p:cNvPicPr>
+              <p:nvPr/>
+            </p:nvPicPr>
+            <p:blipFill>
+              <a:blip r:embed="rId5" cstate="print">
+                <a:extLst>
+                  <a:ext uri="{28A0092B-C50C-407E-A947-70E740481C1C}">
+                    <a14:useLocalDpi xmlns:a14="http://schemas.microsoft.com/office/drawing/2010/main" val="0"/>
+                  </a:ext>
+                </a:extLst>
+              </a:blip>
+              <a:stretch>
+                <a:fillRect/>
+              </a:stretch>
+            </p:blipFill>
+            <p:spPr>
+              <a:xfrm>
+                <a:off x="4419600" y="7429499"/>
+                <a:ext cx="1219683" cy="1251363"/>
+              </a:xfrm>
+              <a:prstGeom prst="rect">
+                <a:avLst/>
+              </a:prstGeom>
+            </p:spPr>
+          </p:pic>
+        </p:grpSp>
+        <p:sp>
+          <p:nvSpPr>
+            <p:cNvPr id="8" name="타원 7"/>
+            <p:cNvSpPr/>
+            <p:nvPr/>
+          </p:nvSpPr>
+          <p:spPr>
+            <a:xfrm>
+              <a:off x="3815382" y="6743700"/>
+              <a:ext cx="1905000" cy="1828800"/>
+            </a:xfrm>
+            <a:prstGeom prst="ellipse">
+              <a:avLst/>
+            </a:prstGeom>
+            <a:noFill/>
+            <a:ln w="50800">
+              <a:solidFill>
+                <a:srgbClr val="FF0000"/>
+              </a:solidFill>
+            </a:ln>
+          </p:spPr>
+          <p:style>
+            <a:lnRef idx="2">
+              <a:schemeClr val="accent1">
+                <a:shade val="50000"/>
+              </a:schemeClr>
+            </a:lnRef>
+            <a:fillRef idx="1">
+              <a:schemeClr val="accent1"/>
+            </a:fillRef>
+            <a:effectRef idx="0">
+              <a:schemeClr val="accent1"/>
+            </a:effectRef>
+            <a:fontRef idx="minor">
+              <a:schemeClr val="lt1"/>
+            </a:fontRef>
+          </p:style>
+          <p:txBody>
+            <a:bodyPr rtlCol="0" anchor="ctr"/>
+            <a:lstStyle/>
+            <a:p>
+              <a:pPr algn="ctr"/>
+              <a:endParaRPr lang="ko-KR" altLang="en-US"/>
+            </a:p>
+          </p:txBody>
+        </p:sp>
+        <p:sp>
+          <p:nvSpPr>
+            <p:cNvPr id="9" name="TextBox 8"/>
+            <p:cNvSpPr txBox="1"/>
+            <p:nvPr/>
+          </p:nvSpPr>
+          <p:spPr>
+            <a:xfrm>
+              <a:off x="3967782" y="6097369"/>
+              <a:ext cx="1623391" cy="646331"/>
+            </a:xfrm>
+            <a:prstGeom prst="rect">
+              <a:avLst/>
+            </a:prstGeom>
+            <a:noFill/>
+          </p:spPr>
+          <p:txBody>
+            <a:bodyPr wrap="square" rtlCol="0">
+              <a:spAutoFit/>
+            </a:bodyPr>
+            <a:lstStyle/>
+            <a:p>
+              <a:pPr algn="ctr"/>
+              <a:r>
+                <a:rPr lang="ko-KR" altLang="en-US" smtClean="0">
+                  <a:latin typeface="210 8비트 R" panose="020B0600000101010101" charset="-127"/>
+                  <a:ea typeface="210 8비트 R" panose="020B0600000101010101" charset="-127"/>
+                </a:rPr>
+                <a:t>톱니바퀴 아이템 획득</a:t>
+              </a:r>
+              <a:r>
+                <a:rPr lang="en-US" altLang="ko-KR" smtClean="0">
+                  <a:latin typeface="210 8비트 R" panose="020B0600000101010101" charset="-127"/>
+                  <a:ea typeface="210 8비트 R" panose="020B0600000101010101" charset="-127"/>
+                </a:rPr>
+                <a:t>!</a:t>
+              </a:r>
+              <a:endParaRPr lang="ko-KR" altLang="en-US">
+                <a:latin typeface="210 8비트 R" panose="020B0600000101010101" charset="-127"/>
+                <a:ea typeface="210 8비트 R" panose="020B0600000101010101" charset="-127"/>
+              </a:endParaRPr>
+            </a:p>
+          </p:txBody>
+        </p:sp>
+      </p:grpSp>
+      <p:sp>
+        <p:nvSpPr>
+          <p:cNvPr id="10" name="오른쪽 화살표 9"/>
+          <p:cNvSpPr/>
+          <p:nvPr/>
+        </p:nvSpPr>
+        <p:spPr>
+          <a:xfrm>
+            <a:off x="6092687" y="7210614"/>
+            <a:ext cx="999295" cy="802389"/>
+          </a:xfrm>
+          <a:prstGeom prst="rightArrow">
+            <a:avLst>
+              <a:gd name="adj1" fmla="val 16968"/>
+              <a:gd name="adj2" fmla="val 26878"/>
+            </a:avLst>
+          </a:prstGeom>
+          <a:solidFill>
+            <a:srgbClr val="FF0000"/>
+          </a:solidFill>
+          <a:ln>
+            <a:noFill/>
+          </a:ln>
+        </p:spPr>
+        <p:style>
+          <a:lnRef idx="2">
+            <a:schemeClr val="accent1">
+              <a:shade val="50000"/>
+            </a:schemeClr>
+          </a:lnRef>
+          <a:fillRef idx="1">
+            <a:schemeClr val="accent1"/>
+          </a:fillRef>
+          <a:effectRef idx="0">
+            <a:schemeClr val="accent1"/>
+          </a:effectRef>
+          <a:fontRef idx="minor">
+            <a:schemeClr val="lt1"/>
+          </a:fontRef>
+        </p:style>
+        <p:txBody>
+          <a:bodyPr rtlCol="0" anchor="ctr"/>
+          <a:lstStyle/>
+          <a:p>
+            <a:pPr algn="ctr"/>
+            <a:endParaRPr lang="ko-KR" altLang="en-US"/>
+          </a:p>
+        </p:txBody>
+      </p:sp>
+      <p:grpSp>
+        <p:nvGrpSpPr>
+          <p:cNvPr id="28" name="그룹 27"/>
+          <p:cNvGrpSpPr/>
+          <p:nvPr/>
+        </p:nvGrpSpPr>
+        <p:grpSpPr>
+          <a:xfrm>
+            <a:off x="7112425" y="6121929"/>
+            <a:ext cx="2305460" cy="2482733"/>
+            <a:chOff x="7112425" y="6121929"/>
+            <a:chExt cx="2305460" cy="2482733"/>
+          </a:xfrm>
+        </p:grpSpPr>
+        <p:pic>
+          <p:nvPicPr>
+            <p:cNvPr id="11" name="그림 10"/>
+            <p:cNvPicPr>
+              <a:picLocks noChangeAspect="1"/>
+            </p:cNvPicPr>
+            <p:nvPr/>
+          </p:nvPicPr>
+          <p:blipFill>
+            <a:blip r:embed="rId6" cstate="print">
+              <a:extLst>
+                <a:ext uri="{28A0092B-C50C-407E-A947-70E740481C1C}">
+                  <a14:useLocalDpi xmlns:a14="http://schemas.microsoft.com/office/drawing/2010/main" val="0"/>
+                </a:ext>
+              </a:extLst>
+            </a:blip>
+            <a:stretch>
+              <a:fillRect/>
+            </a:stretch>
+          </p:blipFill>
+          <p:spPr>
+            <a:xfrm>
+              <a:off x="7467600" y="6743700"/>
+              <a:ext cx="1595110" cy="1860962"/>
+            </a:xfrm>
+            <a:prstGeom prst="rect">
+              <a:avLst/>
+            </a:prstGeom>
+          </p:spPr>
+        </p:pic>
+        <p:sp>
+          <p:nvSpPr>
+            <p:cNvPr id="12" name="TextBox 11"/>
+            <p:cNvSpPr txBox="1"/>
+            <p:nvPr/>
+          </p:nvSpPr>
+          <p:spPr>
+            <a:xfrm>
+              <a:off x="7112425" y="6121929"/>
+              <a:ext cx="2305460" cy="646331"/>
+            </a:xfrm>
+            <a:prstGeom prst="rect">
+              <a:avLst/>
+            </a:prstGeom>
+            <a:noFill/>
+          </p:spPr>
+          <p:txBody>
+            <a:bodyPr wrap="square" rtlCol="0">
+              <a:spAutoFit/>
+            </a:bodyPr>
+            <a:lstStyle/>
+            <a:p>
+              <a:pPr algn="ctr"/>
+              <a:r>
+                <a:rPr lang="en-US" altLang="ko-KR" smtClean="0">
+                  <a:latin typeface="210 8비트 R" panose="020B0600000101010101" charset="-127"/>
+                  <a:ea typeface="210 8비트 R" panose="020B0600000101010101" charset="-127"/>
+                </a:rPr>
+                <a:t>5</a:t>
+              </a:r>
+              <a:r>
+                <a:rPr lang="ko-KR" altLang="en-US" smtClean="0">
+                  <a:latin typeface="210 8비트 R" panose="020B0600000101010101" charset="-127"/>
+                  <a:ea typeface="210 8비트 R" panose="020B0600000101010101" charset="-127"/>
+                </a:rPr>
+                <a:t>개 이상 획득 후 포탈 통과</a:t>
+              </a:r>
+              <a:r>
+                <a:rPr lang="en-US" altLang="ko-KR" smtClean="0">
+                  <a:latin typeface="210 8비트 R" panose="020B0600000101010101" charset="-127"/>
+                  <a:ea typeface="210 8비트 R" panose="020B0600000101010101" charset="-127"/>
+                </a:rPr>
+                <a:t>!</a:t>
+              </a:r>
+              <a:endParaRPr lang="ko-KR" altLang="en-US">
+                <a:latin typeface="210 8비트 R" panose="020B0600000101010101" charset="-127"/>
+                <a:ea typeface="210 8비트 R" panose="020B0600000101010101" charset="-127"/>
+              </a:endParaRPr>
+            </a:p>
+          </p:txBody>
+        </p:sp>
+      </p:grpSp>
+      <p:sp>
+        <p:nvSpPr>
+          <p:cNvPr id="13" name="오른쪽 화살표 12"/>
+          <p:cNvSpPr/>
+          <p:nvPr/>
+        </p:nvSpPr>
+        <p:spPr>
+          <a:xfrm>
+            <a:off x="9275206" y="7210614"/>
+            <a:ext cx="999295" cy="802389"/>
+          </a:xfrm>
+          <a:prstGeom prst="rightArrow">
+            <a:avLst>
+              <a:gd name="adj1" fmla="val 16968"/>
+              <a:gd name="adj2" fmla="val 26878"/>
+            </a:avLst>
+          </a:prstGeom>
+          <a:solidFill>
+            <a:srgbClr val="FF0000"/>
+          </a:solidFill>
+          <a:ln>
+            <a:noFill/>
+          </a:ln>
+        </p:spPr>
+        <p:style>
+          <a:lnRef idx="2">
+            <a:schemeClr val="accent1">
+              <a:shade val="50000"/>
+            </a:schemeClr>
+          </a:lnRef>
+          <a:fillRef idx="1">
+            <a:schemeClr val="accent1"/>
+          </a:fillRef>
+          <a:effectRef idx="0">
+            <a:schemeClr val="accent1"/>
+          </a:effectRef>
+          <a:fontRef idx="minor">
+            <a:schemeClr val="lt1"/>
+          </a:fontRef>
+        </p:style>
+        <p:txBody>
+          <a:bodyPr rtlCol="0" anchor="ctr"/>
+          <a:lstStyle/>
+          <a:p>
+            <a:pPr algn="ctr"/>
+            <a:endParaRPr lang="ko-KR" altLang="en-US"/>
+          </a:p>
+        </p:txBody>
+      </p:sp>
+      <p:grpSp>
+        <p:nvGrpSpPr>
+          <p:cNvPr id="29" name="그룹 28"/>
+          <p:cNvGrpSpPr/>
+          <p:nvPr/>
+        </p:nvGrpSpPr>
+        <p:grpSpPr>
+          <a:xfrm>
+            <a:off x="10437442" y="6095425"/>
+            <a:ext cx="2521939" cy="2712692"/>
+            <a:chOff x="10437442" y="6095425"/>
+            <a:chExt cx="2521939" cy="2712692"/>
+          </a:xfrm>
+        </p:grpSpPr>
+        <p:sp>
+          <p:nvSpPr>
+            <p:cNvPr id="17" name="TextBox 16"/>
+            <p:cNvSpPr txBox="1"/>
+            <p:nvPr/>
+          </p:nvSpPr>
+          <p:spPr>
+            <a:xfrm>
+              <a:off x="10437442" y="6095425"/>
+              <a:ext cx="2521939" cy="923330"/>
+            </a:xfrm>
+            <a:prstGeom prst="rect">
+              <a:avLst/>
+            </a:prstGeom>
+            <a:noFill/>
+          </p:spPr>
+          <p:txBody>
+            <a:bodyPr wrap="square" rtlCol="0">
+              <a:spAutoFit/>
+            </a:bodyPr>
+            <a:lstStyle/>
+            <a:p>
+              <a:pPr algn="ctr"/>
+              <a:r>
+                <a:rPr lang="ko-KR" altLang="en-US" smtClean="0">
+                  <a:latin typeface="210 8비트 R" panose="020B0600000101010101" charset="-127"/>
+                  <a:ea typeface="210 8비트 R" panose="020B0600000101010101" charset="-127"/>
+                </a:rPr>
+                <a:t>다음 스테이지 진입 및 획득한 톱니바퀴 수만큼 에너지 회복</a:t>
+              </a:r>
+              <a:r>
+                <a:rPr lang="en-US" altLang="ko-KR" smtClean="0">
+                  <a:latin typeface="210 8비트 R" panose="020B0600000101010101" charset="-127"/>
+                  <a:ea typeface="210 8비트 R" panose="020B0600000101010101" charset="-127"/>
+                </a:rPr>
+                <a:t>!</a:t>
+              </a:r>
+            </a:p>
+          </p:txBody>
+        </p:sp>
+        <p:pic>
+          <p:nvPicPr>
+            <p:cNvPr id="18" name="그림 17"/>
+            <p:cNvPicPr>
+              <a:picLocks noChangeAspect="1"/>
+            </p:cNvPicPr>
+            <p:nvPr/>
+          </p:nvPicPr>
+          <p:blipFill>
+            <a:blip r:embed="rId7">
+              <a:extLst>
+                <a:ext uri="{28A0092B-C50C-407E-A947-70E740481C1C}">
+                  <a14:useLocalDpi xmlns:a14="http://schemas.microsoft.com/office/drawing/2010/main" val="0"/>
+                </a:ext>
+              </a:extLst>
+            </a:blip>
+            <a:stretch>
+              <a:fillRect/>
+            </a:stretch>
+          </p:blipFill>
+          <p:spPr>
+            <a:xfrm>
+              <a:off x="11150312" y="7210614"/>
+              <a:ext cx="1102503" cy="1597503"/>
+            </a:xfrm>
+            <a:prstGeom prst="rect">
+              <a:avLst/>
+            </a:prstGeom>
+          </p:spPr>
+        </p:pic>
+        <p:sp>
+          <p:nvSpPr>
+            <p:cNvPr id="19" name="덧셈 기호 18"/>
+            <p:cNvSpPr/>
+            <p:nvPr/>
+          </p:nvSpPr>
+          <p:spPr>
+            <a:xfrm>
+              <a:off x="12207110" y="7143194"/>
+              <a:ext cx="540000" cy="540000"/>
+            </a:xfrm>
+            <a:prstGeom prst="mathPlus">
+              <a:avLst/>
+            </a:prstGeom>
+            <a:solidFill>
+              <a:srgbClr val="00B050"/>
+            </a:solidFill>
+            <a:ln>
+              <a:noFill/>
+            </a:ln>
+          </p:spPr>
+          <p:style>
+            <a:lnRef idx="2">
+              <a:schemeClr val="accent1">
+                <a:shade val="50000"/>
+              </a:schemeClr>
+            </a:lnRef>
+            <a:fillRef idx="1">
+              <a:schemeClr val="accent1"/>
+            </a:fillRef>
+            <a:effectRef idx="0">
+              <a:schemeClr val="accent1"/>
+            </a:effectRef>
+            <a:fontRef idx="minor">
+              <a:schemeClr val="lt1"/>
+            </a:fontRef>
+          </p:style>
+          <p:txBody>
+            <a:bodyPr rtlCol="0" anchor="ctr"/>
+            <a:lstStyle/>
+            <a:p>
+              <a:pPr algn="ctr"/>
+              <a:endParaRPr lang="ko-KR" altLang="en-US"/>
+            </a:p>
+          </p:txBody>
+        </p:sp>
+        <p:sp>
+          <p:nvSpPr>
+            <p:cNvPr id="20" name="덧셈 기호 19"/>
+            <p:cNvSpPr/>
+            <p:nvPr/>
+          </p:nvSpPr>
+          <p:spPr>
+            <a:xfrm>
+              <a:off x="12477110" y="7554315"/>
+              <a:ext cx="383913" cy="389866"/>
+            </a:xfrm>
+            <a:prstGeom prst="mathPlus">
+              <a:avLst/>
+            </a:prstGeom>
+            <a:solidFill>
+              <a:srgbClr val="00B050"/>
+            </a:solidFill>
+            <a:ln>
+              <a:noFill/>
+            </a:ln>
+          </p:spPr>
+          <p:style>
+            <a:lnRef idx="2">
+              <a:schemeClr val="accent1">
+                <a:shade val="50000"/>
+              </a:schemeClr>
+            </a:lnRef>
+            <a:fillRef idx="1">
+              <a:schemeClr val="accent1"/>
+            </a:fillRef>
+            <a:effectRef idx="0">
+              <a:schemeClr val="accent1"/>
+            </a:effectRef>
+            <a:fontRef idx="minor">
+              <a:schemeClr val="lt1"/>
+            </a:fontRef>
+          </p:style>
+          <p:txBody>
+            <a:bodyPr rtlCol="0" anchor="ctr"/>
+            <a:lstStyle/>
+            <a:p>
+              <a:pPr algn="ctr"/>
+              <a:endParaRPr lang="ko-KR" altLang="en-US"/>
+            </a:p>
+          </p:txBody>
+        </p:sp>
+      </p:grpSp>
+      <p:sp>
+        <p:nvSpPr>
+          <p:cNvPr id="23" name="오른쪽 화살표 22"/>
+          <p:cNvSpPr/>
+          <p:nvPr/>
+        </p:nvSpPr>
+        <p:spPr>
+          <a:xfrm>
+            <a:off x="13236460" y="7210614"/>
+            <a:ext cx="999295" cy="802389"/>
+          </a:xfrm>
+          <a:prstGeom prst="rightArrow">
+            <a:avLst>
+              <a:gd name="adj1" fmla="val 16968"/>
+              <a:gd name="adj2" fmla="val 26878"/>
+            </a:avLst>
+          </a:prstGeom>
+          <a:solidFill>
+            <a:srgbClr val="FF0000"/>
+          </a:solidFill>
+          <a:ln>
+            <a:noFill/>
+          </a:ln>
+        </p:spPr>
+        <p:style>
+          <a:lnRef idx="2">
+            <a:schemeClr val="accent1">
+              <a:shade val="50000"/>
+            </a:schemeClr>
+          </a:lnRef>
+          <a:fillRef idx="1">
+            <a:schemeClr val="accent1"/>
+          </a:fillRef>
+          <a:effectRef idx="0">
+            <a:schemeClr val="accent1"/>
+          </a:effectRef>
+          <a:fontRef idx="minor">
+            <a:schemeClr val="lt1"/>
+          </a:fontRef>
+        </p:style>
+        <p:txBody>
+          <a:bodyPr rtlCol="0" anchor="ctr"/>
+          <a:lstStyle/>
+          <a:p>
+            <a:pPr algn="ctr"/>
+            <a:endParaRPr lang="ko-KR" altLang="en-US"/>
+          </a:p>
+        </p:txBody>
+      </p:sp>
+      <p:sp>
+        <p:nvSpPr>
+          <p:cNvPr id="26" name="TextBox 25"/>
           <p:cNvSpPr txBox="1"/>
           <p:nvPr/>
         </p:nvSpPr>
         <p:spPr>
           <a:xfrm>
-            <a:off x="487017" y="3619500"/>
-            <a:ext cx="8686800" cy="3785652"/>
+            <a:off x="14623892" y="7196435"/>
+            <a:ext cx="3136090" cy="646331"/>
           </a:xfrm>
           <a:prstGeom prst="rect">
             <a:avLst/>
@@ -4433,280 +5141,44 @@
           </a:bodyPr>
           <a:lstStyle/>
           <a:p>
-            <a:r>
-              <a:rPr lang="en-US" altLang="ko-KR" sz="3600" smtClean="0">
-                <a:solidFill>
-                  <a:schemeClr val="accent3"/>
-                </a:solidFill>
+            <a:pPr algn="ctr"/>
+            <a:r>
+              <a:rPr lang="ko-KR" altLang="en-US" smtClean="0">
                 <a:latin typeface="210 8비트 R" panose="020B0600000101010101" charset="-127"/>
                 <a:ea typeface="210 8비트 R" panose="020B0600000101010101" charset="-127"/>
               </a:rPr>
-              <a:t>                                     </a:t>
-            </a:r>
-            <a:r>
-              <a:rPr lang="en-US" altLang="ko-KR" sz="4400" smtClean="0">
-                <a:solidFill>
-                  <a:srgbClr val="FFFF00"/>
-                </a:solidFill>
-                <a:latin typeface="210 8비트 R" panose="020B0600000101010101" charset="-127"/>
-                <a:ea typeface="210 8비트 R" panose="020B0600000101010101" charset="-127"/>
-              </a:rPr>
-              <a:t>&lt;</a:t>
-            </a:r>
-            <a:r>
-              <a:rPr lang="ko-KR" altLang="en-US" sz="4400" smtClean="0">
-                <a:solidFill>
-                  <a:srgbClr val="FFFF00"/>
-                </a:solidFill>
-                <a:latin typeface="210 8비트 R" panose="020B0600000101010101" charset="-127"/>
-                <a:ea typeface="210 8비트 R" panose="020B0600000101010101" charset="-127"/>
-              </a:rPr>
-              <a:t>스토리 요약</a:t>
-            </a:r>
-            <a:r>
-              <a:rPr lang="en-US" altLang="ko-KR" sz="4400" smtClean="0">
-                <a:solidFill>
-                  <a:srgbClr val="FFFF00"/>
-                </a:solidFill>
-                <a:latin typeface="210 8비트 R" panose="020B0600000101010101" charset="-127"/>
-                <a:ea typeface="210 8비트 R" panose="020B0600000101010101" charset="-127"/>
-              </a:rPr>
-              <a:t>&gt;</a:t>
-            </a:r>
-            <a:endParaRPr lang="en-US" altLang="ko-KR" sz="4400">
-              <a:solidFill>
-                <a:srgbClr val="FFFF00"/>
-              </a:solidFill>
+              <a:t>회복한 에너지를 사용해</a:t>
+            </a:r>
+            <a:endParaRPr lang="en-US" altLang="ko-KR" smtClean="0">
               <a:latin typeface="210 8비트 R" panose="020B0600000101010101" charset="-127"/>
               <a:ea typeface="210 8비트 R" panose="020B0600000101010101" charset="-127"/>
             </a:endParaRPr>
           </a:p>
           <a:p>
-            <a:endParaRPr lang="en-US" altLang="ko-KR" sz="2800" smtClean="0">
-              <a:solidFill>
-                <a:schemeClr val="bg1"/>
-              </a:solidFill>
-              <a:latin typeface="210 8비트 R" panose="020B0600000101010101" charset="-127"/>
-              <a:ea typeface="210 8비트 R" panose="020B0600000101010101" charset="-127"/>
-            </a:endParaRPr>
-          </a:p>
-          <a:p>
-            <a:pPr algn="r"/>
-            <a:r>
-              <a:rPr lang="en-US" altLang="ko-KR" sz="2800" smtClean="0">
-                <a:solidFill>
-                  <a:srgbClr val="FFC000"/>
-                </a:solidFill>
+            <a:pPr algn="ctr"/>
+            <a:r>
+              <a:rPr lang="ko-KR" altLang="en-US" smtClean="0">
                 <a:latin typeface="210 8비트 R" panose="020B0600000101010101" charset="-127"/>
                 <a:ea typeface="210 8비트 R" panose="020B0600000101010101" charset="-127"/>
               </a:rPr>
-              <a:t>2094</a:t>
-            </a:r>
-            <a:r>
-              <a:rPr lang="ko-KR" altLang="en-US" sz="2800" smtClean="0">
-                <a:solidFill>
-                  <a:srgbClr val="FFC000"/>
-                </a:solidFill>
+              <a:t>다음 스테이지 클리어</a:t>
+            </a:r>
+            <a:r>
+              <a:rPr lang="en-US" altLang="ko-KR" smtClean="0">
                 <a:latin typeface="210 8비트 R" panose="020B0600000101010101" charset="-127"/>
                 <a:ea typeface="210 8비트 R" panose="020B0600000101010101" charset="-127"/>
               </a:rPr>
-              <a:t>년</a:t>
-            </a:r>
-            <a:r>
-              <a:rPr lang="en-US" altLang="ko-KR" sz="2800" smtClean="0">
-                <a:latin typeface="210 8비트 R" panose="020B0600000101010101" charset="-127"/>
-                <a:ea typeface="210 8비트 R" panose="020B0600000101010101" charset="-127"/>
-              </a:rPr>
-              <a:t>, </a:t>
-            </a:r>
-            <a:r>
-              <a:rPr lang="ko-KR" altLang="en-US" sz="2800" smtClean="0">
-                <a:latin typeface="210 8비트 R" panose="020B0600000101010101" charset="-127"/>
-                <a:ea typeface="210 8비트 R" panose="020B0600000101010101" charset="-127"/>
-              </a:rPr>
-              <a:t>지구 온난화로 인해 죽어가는 지구에서</a:t>
-            </a:r>
-            <a:endParaRPr lang="en-US" altLang="ko-KR" sz="2800" smtClean="0">
-              <a:latin typeface="210 8비트 R" panose="020B0600000101010101" charset="-127"/>
-              <a:ea typeface="210 8비트 R" panose="020B0600000101010101" charset="-127"/>
-            </a:endParaRPr>
-          </a:p>
-          <a:p>
-            <a:pPr algn="r"/>
-            <a:r>
-              <a:rPr lang="ko-KR" altLang="en-US" sz="2800" smtClean="0">
-                <a:latin typeface="210 8비트 R" panose="020B0600000101010101" charset="-127"/>
-                <a:ea typeface="210 8비트 R" panose="020B0600000101010101" charset="-127"/>
-              </a:rPr>
-              <a:t>살아남은 한 소녀의 이야기</a:t>
-            </a:r>
-            <a:endParaRPr lang="en-US" altLang="ko-KR" sz="2800" smtClean="0">
-              <a:latin typeface="210 8비트 R" panose="020B0600000101010101" charset="-127"/>
-              <a:ea typeface="210 8비트 R" panose="020B0600000101010101" charset="-127"/>
-            </a:endParaRPr>
-          </a:p>
-          <a:p>
-            <a:pPr algn="r"/>
-            <a:endParaRPr lang="en-US" altLang="ko-KR" sz="2800" smtClean="0">
-              <a:latin typeface="210 8비트 R" panose="020B0600000101010101" charset="-127"/>
-              <a:ea typeface="210 8비트 R" panose="020B0600000101010101" charset="-127"/>
-            </a:endParaRPr>
-          </a:p>
-          <a:p>
-            <a:pPr algn="r"/>
-            <a:r>
-              <a:rPr lang="ko-KR" altLang="en-US" sz="2800" smtClean="0">
-                <a:latin typeface="210 8비트 R" panose="020B0600000101010101" charset="-127"/>
-                <a:ea typeface="210 8비트 R" panose="020B0600000101010101" charset="-127"/>
-              </a:rPr>
-              <a:t>어린 시절 할머니에게서 푸른 지구의 이야기를 들으며</a:t>
-            </a:r>
-            <a:endParaRPr lang="en-US" altLang="ko-KR" sz="2800" smtClean="0">
-              <a:latin typeface="210 8비트 R" panose="020B0600000101010101" charset="-127"/>
-              <a:ea typeface="210 8비트 R" panose="020B0600000101010101" charset="-127"/>
-            </a:endParaRPr>
-          </a:p>
-          <a:p>
-            <a:pPr algn="r"/>
-            <a:r>
-              <a:rPr lang="ko-KR" altLang="en-US" sz="2800" smtClean="0">
-                <a:latin typeface="210 8비트 R" panose="020B0600000101010101" charset="-127"/>
-                <a:ea typeface="210 8비트 R" panose="020B0600000101010101" charset="-127"/>
-              </a:rPr>
-              <a:t>자랐던 소녀는 자신이 아끼는 로봇과 함께</a:t>
-            </a:r>
-            <a:endParaRPr lang="en-US" altLang="ko-KR" sz="2800" smtClean="0">
-              <a:latin typeface="210 8비트 R" panose="020B0600000101010101" charset="-127"/>
-              <a:ea typeface="210 8비트 R" panose="020B0600000101010101" charset="-127"/>
-            </a:endParaRPr>
-          </a:p>
-          <a:p>
-            <a:pPr algn="r"/>
-            <a:r>
-              <a:rPr lang="ko-KR" altLang="en-US" sz="2800" smtClean="0">
-                <a:latin typeface="210 8비트 R" panose="020B0600000101010101" charset="-127"/>
-                <a:ea typeface="210 8비트 R" panose="020B0600000101010101" charset="-127"/>
-              </a:rPr>
-              <a:t>푸른 지구를 만들기 위한 여정을 떠나게 된다</a:t>
-            </a:r>
-            <a:r>
-              <a:rPr lang="en-US" altLang="ko-KR" sz="2800" smtClean="0">
-                <a:latin typeface="210 8비트 R" panose="020B0600000101010101" charset="-127"/>
-                <a:ea typeface="210 8비트 R" panose="020B0600000101010101" charset="-127"/>
-              </a:rPr>
-              <a:t>.</a:t>
+              <a:t>!</a:t>
             </a:r>
           </a:p>
         </p:txBody>
       </p:sp>
-      <p:pic>
-        <p:nvPicPr>
-          <p:cNvPr id="4" name="Picture 10" descr="게임메인화면 최종본.jpg"/>
-          <p:cNvPicPr>
-            <a:picLocks noChangeAspect="1" noChangeArrowheads="1"/>
-          </p:cNvPicPr>
-          <p:nvPr/>
-        </p:nvPicPr>
-        <p:blipFill>
-          <a:blip r:embed="rId3">
-            <a:extLst>
-              <a:ext uri="{28A0092B-C50C-407E-A947-70E740481C1C}">
-                <a14:useLocalDpi xmlns:a14="http://schemas.microsoft.com/office/drawing/2010/main" val="0"/>
-              </a:ext>
-            </a:extLst>
-          </a:blip>
-          <a:srcRect/>
-          <a:stretch>
-            <a:fillRect/>
-          </a:stretch>
-        </p:blipFill>
-        <p:spPr bwMode="auto">
-          <a:xfrm>
-            <a:off x="9525000" y="2816058"/>
-            <a:ext cx="7815470" cy="4465983"/>
-          </a:xfrm>
-          <a:prstGeom prst="rect">
-            <a:avLst/>
-          </a:prstGeom>
-          <a:ln w="38100" cap="sq">
-            <a:solidFill>
-              <a:srgbClr val="000000"/>
-            </a:solidFill>
-            <a:prstDash val="solid"/>
-            <a:miter lim="800000"/>
-          </a:ln>
-          <a:effectLst>
-            <a:outerShdw blurRad="50800" dist="38100" dir="2700000" algn="tl" rotWithShape="0">
-              <a:srgbClr val="000000">
-                <a:alpha val="43000"/>
-              </a:srgbClr>
-            </a:outerShdw>
-          </a:effectLst>
-          <a:extLst>
-            <a:ext uri="{909E8E84-426E-40DD-AFC4-6F175D3DCCD1}">
-              <a14:hiddenFill xmlns:a14="http://schemas.microsoft.com/office/drawing/2010/main">
-                <a:solidFill>
-                  <a:srgbClr val="FFFFFF"/>
-                </a:solidFill>
-              </a14:hiddenFill>
-            </a:ext>
-          </a:extLst>
-        </p:spPr>
-      </p:pic>
     </p:spTree>
     <p:extLst>
       <p:ext uri="{BB962C8B-B14F-4D97-AF65-F5344CB8AC3E}">
-        <p14:creationId xmlns:p14="http://schemas.microsoft.com/office/powerpoint/2010/main" val="1889931959"/>
+        <p14:creationId xmlns:p14="http://schemas.microsoft.com/office/powerpoint/2010/main" val="2607951722"/>
       </p:ext>
     </p:extLst>
-  </p:cSld>
-  <p:clrMapOvr>
-    <a:masterClrMapping/>
-  </p:clrMapOvr>
-</p:sld>
-</file>
-
-<file path=ppt/slides/slide12.xml><?xml version="1.0" encoding="utf-8"?>
-<p:sld xmlns:a="http://schemas.openxmlformats.org/drawingml/2006/main" xmlns:r="http://schemas.openxmlformats.org/officeDocument/2006/relationships" xmlns:p="http://schemas.openxmlformats.org/presentationml/2006/main">
-  <p:cSld>
-    <p:spTree>
-      <p:nvGrpSpPr>
-        <p:cNvPr id="1" name=""/>
-        <p:cNvGrpSpPr/>
-        <p:nvPr/>
-      </p:nvGrpSpPr>
-      <p:grpSpPr>
-        <a:xfrm>
-          <a:off x="0" y="0"/>
-          <a:ext cx="0" cy="0"/>
-          <a:chOff x="0" y="0"/>
-          <a:chExt cx="0" cy="0"/>
-        </a:xfrm>
-      </p:grpSpPr>
-      <p:pic>
-        <p:nvPicPr>
-          <p:cNvPr id="9" name="그림 8"/>
-          <p:cNvPicPr>
-            <a:picLocks noChangeAspect="1"/>
-          </p:cNvPicPr>
-          <p:nvPr/>
-        </p:nvPicPr>
-        <p:blipFill rotWithShape="1">
-          <a:blip r:embed="rId2"/>
-          <a:srcRect l="527" t="579" b="579"/>
-          <a:stretch/>
-        </p:blipFill>
-        <p:spPr>
-          <a:xfrm>
-            <a:off x="0" y="0"/>
-            <a:ext cx="18321764" cy="10287000"/>
-          </a:xfrm>
-          <a:prstGeom prst="rect">
-            <a:avLst/>
-          </a:prstGeom>
-        </p:spPr>
-      </p:pic>
-    </p:spTree>
   </p:cSld>
   <p:clrMapOvr>
     <a:masterClrMapping/>
@@ -4714,14 +5186,358 @@
   <p:timing>
     <p:tnLst>
       <p:par>
-        <p:cTn id="1" dur="indefinite" restart="never" nodeType="tmRoot"/>
+        <p:cTn id="1" dur="indefinite" restart="never" nodeType="tmRoot">
+          <p:childTnLst>
+            <p:seq concurrent="1" nextAc="seek">
+              <p:cTn id="2" dur="indefinite" nodeType="mainSeq">
+                <p:childTnLst>
+                  <p:par>
+                    <p:cTn id="3" fill="hold">
+                      <p:stCondLst>
+                        <p:cond delay="indefinite"/>
+                        <p:cond evt="onBegin" delay="0">
+                          <p:tn val="2"/>
+                        </p:cond>
+                      </p:stCondLst>
+                      <p:childTnLst>
+                        <p:par>
+                          <p:cTn id="4" fill="hold">
+                            <p:stCondLst>
+                              <p:cond delay="0"/>
+                            </p:stCondLst>
+                            <p:childTnLst>
+                              <p:par>
+                                <p:cTn id="5" presetID="0" presetClass="path" presetSubtype="0" accel="50000" decel="50000" fill="hold" nodeType="withEffect">
+                                  <p:stCondLst>
+                                    <p:cond delay="0"/>
+                                  </p:stCondLst>
+                                  <p:childTnLst>
+                                    <p:animMotion origin="layout" path="M 4.02778E-6 2.71605E-6 L 4.02778E-6 0.00015 L 0.11145 -0.0017 C 0.12986 -0.0017 0.1697 -0.00016 0.1927 0.00185 C 0.19722 0.00231 0.20165 0.00355 0.20625 0.0037 C 0.24435 0.00602 0.25277 0.00555 0.28637 0.00555 " pathEditMode="relative" rAng="0" ptsTypes="AAAAAA">
+                                      <p:cBhvr>
+                                        <p:cTn id="6" dur="2000" fill="hold"/>
+                                        <p:tgtEl>
+                                          <p:spTgt spid="6"/>
+                                        </p:tgtEl>
+                                        <p:attrNameLst>
+                                          <p:attrName>ppt_x</p:attrName>
+                                          <p:attrName>ppt_y</p:attrName>
+                                        </p:attrNameLst>
+                                      </p:cBhvr>
+                                      <p:rCtr x="14314" y="185"/>
+                                    </p:animMotion>
+                                  </p:childTnLst>
+                                </p:cTn>
+                              </p:par>
+                              <p:par>
+                                <p:cTn id="7" presetID="10" presetClass="entr" presetSubtype="0" fill="hold" nodeType="withEffect">
+                                  <p:stCondLst>
+                                    <p:cond delay="1000"/>
+                                  </p:stCondLst>
+                                  <p:childTnLst>
+                                    <p:set>
+                                      <p:cBhvr>
+                                        <p:cTn id="8" dur="1" fill="hold">
+                                          <p:stCondLst>
+                                            <p:cond delay="0"/>
+                                          </p:stCondLst>
+                                        </p:cTn>
+                                        <p:tgtEl>
+                                          <p:spTgt spid="27"/>
+                                        </p:tgtEl>
+                                        <p:attrNameLst>
+                                          <p:attrName>style.visibility</p:attrName>
+                                        </p:attrNameLst>
+                                      </p:cBhvr>
+                                      <p:to>
+                                        <p:strVal val="visible"/>
+                                      </p:to>
+                                    </p:set>
+                                    <p:animEffect transition="in" filter="fade">
+                                      <p:cBhvr>
+                                        <p:cTn id="9" dur="2000"/>
+                                        <p:tgtEl>
+                                          <p:spTgt spid="27"/>
+                                        </p:tgtEl>
+                                      </p:cBhvr>
+                                    </p:animEffect>
+                                  </p:childTnLst>
+                                </p:cTn>
+                              </p:par>
+                              <p:par>
+                                <p:cTn id="10" presetID="10" presetClass="entr" presetSubtype="0" fill="hold" grpId="0" nodeType="withEffect">
+                                  <p:stCondLst>
+                                    <p:cond delay="1000"/>
+                                  </p:stCondLst>
+                                  <p:childTnLst>
+                                    <p:set>
+                                      <p:cBhvr>
+                                        <p:cTn id="11" dur="1" fill="hold">
+                                          <p:stCondLst>
+                                            <p:cond delay="0"/>
+                                          </p:stCondLst>
+                                        </p:cTn>
+                                        <p:tgtEl>
+                                          <p:spTgt spid="10"/>
+                                        </p:tgtEl>
+                                        <p:attrNameLst>
+                                          <p:attrName>style.visibility</p:attrName>
+                                        </p:attrNameLst>
+                                      </p:cBhvr>
+                                      <p:to>
+                                        <p:strVal val="visible"/>
+                                      </p:to>
+                                    </p:set>
+                                    <p:animEffect transition="in" filter="fade">
+                                      <p:cBhvr>
+                                        <p:cTn id="12" dur="2000"/>
+                                        <p:tgtEl>
+                                          <p:spTgt spid="10"/>
+                                        </p:tgtEl>
+                                      </p:cBhvr>
+                                    </p:animEffect>
+                                  </p:childTnLst>
+                                </p:cTn>
+                              </p:par>
+                            </p:childTnLst>
+                          </p:cTn>
+                        </p:par>
+                        <p:par>
+                          <p:cTn id="13" fill="hold">
+                            <p:stCondLst>
+                              <p:cond delay="3000"/>
+                            </p:stCondLst>
+                            <p:childTnLst>
+                              <p:par>
+                                <p:cTn id="14" presetID="10" presetClass="entr" presetSubtype="0" fill="hold" nodeType="afterEffect">
+                                  <p:stCondLst>
+                                    <p:cond delay="0"/>
+                                  </p:stCondLst>
+                                  <p:childTnLst>
+                                    <p:set>
+                                      <p:cBhvr>
+                                        <p:cTn id="15" dur="1" fill="hold">
+                                          <p:stCondLst>
+                                            <p:cond delay="0"/>
+                                          </p:stCondLst>
+                                        </p:cTn>
+                                        <p:tgtEl>
+                                          <p:spTgt spid="28"/>
+                                        </p:tgtEl>
+                                        <p:attrNameLst>
+                                          <p:attrName>style.visibility</p:attrName>
+                                        </p:attrNameLst>
+                                      </p:cBhvr>
+                                      <p:to>
+                                        <p:strVal val="visible"/>
+                                      </p:to>
+                                    </p:set>
+                                    <p:animEffect transition="in" filter="fade">
+                                      <p:cBhvr>
+                                        <p:cTn id="16" dur="2000"/>
+                                        <p:tgtEl>
+                                          <p:spTgt spid="28"/>
+                                        </p:tgtEl>
+                                      </p:cBhvr>
+                                    </p:animEffect>
+                                  </p:childTnLst>
+                                </p:cTn>
+                              </p:par>
+                              <p:par>
+                                <p:cTn id="17" presetID="10" presetClass="entr" presetSubtype="0" fill="hold" grpId="0" nodeType="withEffect">
+                                  <p:stCondLst>
+                                    <p:cond delay="0"/>
+                                  </p:stCondLst>
+                                  <p:childTnLst>
+                                    <p:set>
+                                      <p:cBhvr>
+                                        <p:cTn id="18" dur="1" fill="hold">
+                                          <p:stCondLst>
+                                            <p:cond delay="0"/>
+                                          </p:stCondLst>
+                                        </p:cTn>
+                                        <p:tgtEl>
+                                          <p:spTgt spid="13"/>
+                                        </p:tgtEl>
+                                        <p:attrNameLst>
+                                          <p:attrName>style.visibility</p:attrName>
+                                        </p:attrNameLst>
+                                      </p:cBhvr>
+                                      <p:to>
+                                        <p:strVal val="visible"/>
+                                      </p:to>
+                                    </p:set>
+                                    <p:animEffect transition="in" filter="fade">
+                                      <p:cBhvr>
+                                        <p:cTn id="19" dur="2000"/>
+                                        <p:tgtEl>
+                                          <p:spTgt spid="13"/>
+                                        </p:tgtEl>
+                                      </p:cBhvr>
+                                    </p:animEffect>
+                                  </p:childTnLst>
+                                </p:cTn>
+                              </p:par>
+                            </p:childTnLst>
+                          </p:cTn>
+                        </p:par>
+                        <p:par>
+                          <p:cTn id="20" fill="hold">
+                            <p:stCondLst>
+                              <p:cond delay="5000"/>
+                            </p:stCondLst>
+                            <p:childTnLst>
+                              <p:par>
+                                <p:cTn id="21" presetID="10" presetClass="entr" presetSubtype="0" fill="hold" nodeType="afterEffect">
+                                  <p:stCondLst>
+                                    <p:cond delay="0"/>
+                                  </p:stCondLst>
+                                  <p:childTnLst>
+                                    <p:set>
+                                      <p:cBhvr>
+                                        <p:cTn id="22" dur="1" fill="hold">
+                                          <p:stCondLst>
+                                            <p:cond delay="0"/>
+                                          </p:stCondLst>
+                                        </p:cTn>
+                                        <p:tgtEl>
+                                          <p:spTgt spid="29"/>
+                                        </p:tgtEl>
+                                        <p:attrNameLst>
+                                          <p:attrName>style.visibility</p:attrName>
+                                        </p:attrNameLst>
+                                      </p:cBhvr>
+                                      <p:to>
+                                        <p:strVal val="visible"/>
+                                      </p:to>
+                                    </p:set>
+                                    <p:animEffect transition="in" filter="fade">
+                                      <p:cBhvr>
+                                        <p:cTn id="23" dur="2000"/>
+                                        <p:tgtEl>
+                                          <p:spTgt spid="29"/>
+                                        </p:tgtEl>
+                                      </p:cBhvr>
+                                    </p:animEffect>
+                                  </p:childTnLst>
+                                </p:cTn>
+                              </p:par>
+                              <p:par>
+                                <p:cTn id="24" presetID="10" presetClass="entr" presetSubtype="0" fill="hold" grpId="0" nodeType="withEffect">
+                                  <p:stCondLst>
+                                    <p:cond delay="0"/>
+                                  </p:stCondLst>
+                                  <p:childTnLst>
+                                    <p:set>
+                                      <p:cBhvr>
+                                        <p:cTn id="25" dur="1" fill="hold">
+                                          <p:stCondLst>
+                                            <p:cond delay="0"/>
+                                          </p:stCondLst>
+                                        </p:cTn>
+                                        <p:tgtEl>
+                                          <p:spTgt spid="23"/>
+                                        </p:tgtEl>
+                                        <p:attrNameLst>
+                                          <p:attrName>style.visibility</p:attrName>
+                                        </p:attrNameLst>
+                                      </p:cBhvr>
+                                      <p:to>
+                                        <p:strVal val="visible"/>
+                                      </p:to>
+                                    </p:set>
+                                    <p:animEffect transition="in" filter="fade">
+                                      <p:cBhvr>
+                                        <p:cTn id="26" dur="2000"/>
+                                        <p:tgtEl>
+                                          <p:spTgt spid="23"/>
+                                        </p:tgtEl>
+                                      </p:cBhvr>
+                                    </p:animEffect>
+                                  </p:childTnLst>
+                                </p:cTn>
+                              </p:par>
+                            </p:childTnLst>
+                          </p:cTn>
+                        </p:par>
+                        <p:par>
+                          <p:cTn id="27" fill="hold">
+                            <p:stCondLst>
+                              <p:cond delay="7000"/>
+                            </p:stCondLst>
+                            <p:childTnLst>
+                              <p:par>
+                                <p:cTn id="28" presetID="10" presetClass="entr" presetSubtype="0" fill="hold" grpId="0" nodeType="afterEffect">
+                                  <p:stCondLst>
+                                    <p:cond delay="0"/>
+                                  </p:stCondLst>
+                                  <p:childTnLst>
+                                    <p:set>
+                                      <p:cBhvr>
+                                        <p:cTn id="29" dur="1" fill="hold">
+                                          <p:stCondLst>
+                                            <p:cond delay="0"/>
+                                          </p:stCondLst>
+                                        </p:cTn>
+                                        <p:tgtEl>
+                                          <p:spTgt spid="26"/>
+                                        </p:tgtEl>
+                                        <p:attrNameLst>
+                                          <p:attrName>style.visibility</p:attrName>
+                                        </p:attrNameLst>
+                                      </p:cBhvr>
+                                      <p:to>
+                                        <p:strVal val="visible"/>
+                                      </p:to>
+                                    </p:set>
+                                    <p:animEffect transition="in" filter="fade">
+                                      <p:cBhvr>
+                                        <p:cTn id="30" dur="2000"/>
+                                        <p:tgtEl>
+                                          <p:spTgt spid="26"/>
+                                        </p:tgtEl>
+                                      </p:cBhvr>
+                                    </p:animEffect>
+                                  </p:childTnLst>
+                                </p:cTn>
+                              </p:par>
+                            </p:childTnLst>
+                          </p:cTn>
+                        </p:par>
+                      </p:childTnLst>
+                    </p:cTn>
+                  </p:par>
+                </p:childTnLst>
+              </p:cTn>
+              <p:prevCondLst>
+                <p:cond evt="onPrev" delay="0">
+                  <p:tgtEl>
+                    <p:sldTgt/>
+                  </p:tgtEl>
+                </p:cond>
+              </p:prevCondLst>
+              <p:nextCondLst>
+                <p:cond evt="onNext" delay="0">
+                  <p:tgtEl>
+                    <p:sldTgt/>
+                  </p:tgtEl>
+                </p:cond>
+              </p:nextCondLst>
+            </p:seq>
+          </p:childTnLst>
+        </p:cTn>
       </p:par>
     </p:tnLst>
+    <p:bldLst>
+      <p:bldP spid="10" grpId="0" animBg="1"/>
+      <p:bldP spid="13" grpId="0" animBg="1"/>
+      <p:bldP spid="23" grpId="0" animBg="1"/>
+      <p:bldP spid="26" grpId="0"/>
+    </p:bldLst>
   </p:timing>
 </p:sld>
 </file>
 
-<file path=ppt/slides/slide13.xml><?xml version="1.0" encoding="utf-8"?>
+<file path=ppt/slides/slide12.xml><?xml version="1.0" encoding="utf-8"?>
 <p:sld xmlns:a="http://schemas.openxmlformats.org/drawingml/2006/main" xmlns:r="http://schemas.openxmlformats.org/officeDocument/2006/relationships" xmlns:p="http://schemas.openxmlformats.org/presentationml/2006/main">
   <p:cSld>
     <p:spTree>
@@ -4865,16 +5681,488 @@
           </a:blipFill>
         </p:spPr>
       </p:sp>
+      <p:grpSp>
+        <p:nvGrpSpPr>
+          <p:cNvPr id="17" name="그룹 16"/>
+          <p:cNvGrpSpPr/>
+          <p:nvPr/>
+        </p:nvGrpSpPr>
+        <p:grpSpPr>
+          <a:xfrm>
+            <a:off x="2040127" y="4276272"/>
+            <a:ext cx="2514600" cy="2433320"/>
+            <a:chOff x="7886700" y="3238500"/>
+            <a:chExt cx="2514600" cy="2433320"/>
+          </a:xfrm>
+        </p:grpSpPr>
+        <p:pic>
+          <p:nvPicPr>
+            <p:cNvPr id="7170" name="Picture 2" descr="https://o.remove.bg/downloads/99e81f79-410b-439f-8fb2-46d4d51cb2f3/image-removebg-preview.png"/>
+            <p:cNvPicPr>
+              <a:picLocks noChangeAspect="1" noChangeArrowheads="1"/>
+            </p:cNvPicPr>
+            <p:nvPr/>
+          </p:nvPicPr>
+          <p:blipFill rotWithShape="1">
+            <a:blip r:embed="rId5">
+              <a:extLst>
+                <a:ext uri="{28A0092B-C50C-407E-A947-70E740481C1C}">
+                  <a14:useLocalDpi xmlns:a14="http://schemas.microsoft.com/office/drawing/2010/main" val="0"/>
+                </a:ext>
+              </a:extLst>
+            </a:blip>
+            <a:srcRect l="19632" t="18650" r="19632" b="22576"/>
+            <a:stretch/>
+          </p:blipFill>
+          <p:spPr bwMode="auto">
+            <a:xfrm>
+              <a:off x="7886700" y="3238500"/>
+              <a:ext cx="2514600" cy="2433320"/>
+            </a:xfrm>
+            <a:prstGeom prst="rect">
+              <a:avLst/>
+            </a:prstGeom>
+            <a:noFill/>
+            <a:extLst>
+              <a:ext uri="{909E8E84-426E-40DD-AFC4-6F175D3DCCD1}">
+                <a14:hiddenFill xmlns:a14="http://schemas.microsoft.com/office/drawing/2010/main">
+                  <a:solidFill>
+                    <a:srgbClr val="FFFFFF"/>
+                  </a:solidFill>
+                </a14:hiddenFill>
+              </a:ext>
+            </a:extLst>
+          </p:spPr>
+        </p:pic>
+        <p:sp>
+          <p:nvSpPr>
+            <p:cNvPr id="8" name="TextBox 7"/>
+            <p:cNvSpPr txBox="1"/>
+            <p:nvPr/>
+          </p:nvSpPr>
+          <p:spPr>
+            <a:xfrm>
+              <a:off x="8191500" y="3916551"/>
+              <a:ext cx="1905000" cy="1077218"/>
+            </a:xfrm>
+            <a:prstGeom prst="rect">
+              <a:avLst/>
+            </a:prstGeom>
+            <a:noFill/>
+          </p:spPr>
+          <p:txBody>
+            <a:bodyPr wrap="square" rtlCol="0">
+              <a:spAutoFit/>
+            </a:bodyPr>
+            <a:lstStyle/>
+            <a:p>
+              <a:pPr algn="ctr"/>
+              <a:r>
+                <a:rPr lang="ko-KR" altLang="en-US" sz="3200" smtClean="0">
+                  <a:latin typeface="210 8비트 R" panose="020B0600000101010101" charset="-127"/>
+                  <a:ea typeface="210 8비트 R" panose="020B0600000101010101" charset="-127"/>
+                </a:rPr>
+                <a:t>스테이지</a:t>
+              </a:r>
+              <a:endParaRPr lang="en-US" altLang="ko-KR" sz="3200" smtClean="0">
+                <a:latin typeface="210 8비트 R" panose="020B0600000101010101" charset="-127"/>
+                <a:ea typeface="210 8비트 R" panose="020B0600000101010101" charset="-127"/>
+              </a:endParaRPr>
+            </a:p>
+            <a:p>
+              <a:pPr algn="ctr"/>
+              <a:r>
+                <a:rPr lang="ko-KR" altLang="en-US" sz="3200" smtClean="0">
+                  <a:latin typeface="210 8비트 R" panose="020B0600000101010101" charset="-127"/>
+                  <a:ea typeface="210 8비트 R" panose="020B0600000101010101" charset="-127"/>
+                </a:rPr>
+                <a:t>선택</a:t>
+              </a:r>
+              <a:endParaRPr lang="ko-KR" altLang="en-US" sz="3200">
+                <a:latin typeface="210 8비트 R" panose="020B0600000101010101" charset="-127"/>
+                <a:ea typeface="210 8비트 R" panose="020B0600000101010101" charset="-127"/>
+              </a:endParaRPr>
+            </a:p>
+          </p:txBody>
+        </p:sp>
+      </p:grpSp>
       <p:sp>
         <p:nvSpPr>
-          <p:cNvPr id="5" name="TextBox 4"/>
+          <p:cNvPr id="19" name="모서리가 둥근 직사각형 18"/>
+          <p:cNvSpPr/>
+          <p:nvPr/>
+        </p:nvSpPr>
+        <p:spPr>
+          <a:xfrm>
+            <a:off x="5237046" y="4136674"/>
+            <a:ext cx="10688753" cy="2759426"/>
+          </a:xfrm>
+          <a:prstGeom prst="roundRect">
+            <a:avLst/>
+          </a:prstGeom>
+          <a:solidFill>
+            <a:schemeClr val="accent6">
+              <a:lumMod val="40000"/>
+              <a:lumOff val="60000"/>
+              <a:alpha val="50000"/>
+            </a:schemeClr>
+          </a:solidFill>
+          <a:ln w="38100">
+            <a:solidFill>
+              <a:schemeClr val="tx1"/>
+            </a:solidFill>
+          </a:ln>
+        </p:spPr>
+        <p:style>
+          <a:lnRef idx="2">
+            <a:schemeClr val="accent1">
+              <a:shade val="50000"/>
+            </a:schemeClr>
+          </a:lnRef>
+          <a:fillRef idx="1">
+            <a:schemeClr val="accent1"/>
+          </a:fillRef>
+          <a:effectRef idx="0">
+            <a:schemeClr val="accent1"/>
+          </a:effectRef>
+          <a:fontRef idx="minor">
+            <a:schemeClr val="lt1"/>
+          </a:fontRef>
+        </p:style>
+        <p:txBody>
+          <a:bodyPr rtlCol="0" anchor="ctr"/>
+          <a:lstStyle/>
+          <a:p>
+            <a:pPr algn="ctr"/>
+            <a:endParaRPr lang="ko-KR" altLang="en-US"/>
+          </a:p>
+        </p:txBody>
+      </p:sp>
+      <p:grpSp>
+        <p:nvGrpSpPr>
+          <p:cNvPr id="9" name="그룹 8"/>
+          <p:cNvGrpSpPr/>
+          <p:nvPr/>
+        </p:nvGrpSpPr>
+        <p:grpSpPr>
+          <a:xfrm>
+            <a:off x="5721219" y="4276272"/>
+            <a:ext cx="2514600" cy="2433320"/>
+            <a:chOff x="4762500" y="4305300"/>
+            <a:chExt cx="2514600" cy="2433320"/>
+          </a:xfrm>
+        </p:grpSpPr>
+        <p:pic>
+          <p:nvPicPr>
+            <p:cNvPr id="10" name="Picture 2" descr="https://o.remove.bg/downloads/99e81f79-410b-439f-8fb2-46d4d51cb2f3/image-removebg-preview.png"/>
+            <p:cNvPicPr>
+              <a:picLocks noChangeAspect="1" noChangeArrowheads="1"/>
+            </p:cNvPicPr>
+            <p:nvPr/>
+          </p:nvPicPr>
+          <p:blipFill rotWithShape="1">
+            <a:blip r:embed="rId5">
+              <a:extLst>
+                <a:ext uri="{28A0092B-C50C-407E-A947-70E740481C1C}">
+                  <a14:useLocalDpi xmlns:a14="http://schemas.microsoft.com/office/drawing/2010/main" val="0"/>
+                </a:ext>
+              </a:extLst>
+            </a:blip>
+            <a:srcRect l="19632" t="18650" r="19632" b="22576"/>
+            <a:stretch/>
+          </p:blipFill>
+          <p:spPr bwMode="auto">
+            <a:xfrm>
+              <a:off x="4762500" y="4305300"/>
+              <a:ext cx="2514600" cy="2433320"/>
+            </a:xfrm>
+            <a:prstGeom prst="rect">
+              <a:avLst/>
+            </a:prstGeom>
+            <a:noFill/>
+            <a:extLst>
+              <a:ext uri="{909E8E84-426E-40DD-AFC4-6F175D3DCCD1}">
+                <a14:hiddenFill xmlns:a14="http://schemas.microsoft.com/office/drawing/2010/main">
+                  <a:solidFill>
+                    <a:srgbClr val="FFFFFF"/>
+                  </a:solidFill>
+                </a14:hiddenFill>
+              </a:ext>
+            </a:extLst>
+          </p:spPr>
+        </p:pic>
+        <p:sp>
+          <p:nvSpPr>
+            <p:cNvPr id="11" name="TextBox 10"/>
+            <p:cNvSpPr txBox="1"/>
+            <p:nvPr/>
+          </p:nvSpPr>
+          <p:spPr>
+            <a:xfrm>
+              <a:off x="5067300" y="4983351"/>
+              <a:ext cx="1905000" cy="1077218"/>
+            </a:xfrm>
+            <a:prstGeom prst="rect">
+              <a:avLst/>
+            </a:prstGeom>
+            <a:noFill/>
+          </p:spPr>
+          <p:txBody>
+            <a:bodyPr wrap="square" rtlCol="0">
+              <a:spAutoFit/>
+            </a:bodyPr>
+            <a:lstStyle/>
+            <a:p>
+              <a:pPr algn="ctr"/>
+              <a:r>
+                <a:rPr lang="ko-KR" altLang="en-US" sz="3200" smtClean="0">
+                  <a:latin typeface="210 8비트 R" panose="020B0600000101010101" charset="-127"/>
+                  <a:ea typeface="210 8비트 R" panose="020B0600000101010101" charset="-127"/>
+                </a:rPr>
+                <a:t>스테이지</a:t>
+              </a:r>
+              <a:endParaRPr lang="en-US" altLang="ko-KR" sz="3200" smtClean="0">
+                <a:latin typeface="210 8비트 R" panose="020B0600000101010101" charset="-127"/>
+                <a:ea typeface="210 8비트 R" panose="020B0600000101010101" charset="-127"/>
+              </a:endParaRPr>
+            </a:p>
+            <a:p>
+              <a:pPr algn="ctr"/>
+              <a:r>
+                <a:rPr lang="ko-KR" altLang="en-US" sz="3200" smtClean="0">
+                  <a:latin typeface="210 8비트 R" panose="020B0600000101010101" charset="-127"/>
+                  <a:ea typeface="210 8비트 R" panose="020B0600000101010101" charset="-127"/>
+                </a:rPr>
+                <a:t>클리어</a:t>
+              </a:r>
+              <a:endParaRPr lang="ko-KR" altLang="en-US" sz="3200">
+                <a:latin typeface="210 8비트 R" panose="020B0600000101010101" charset="-127"/>
+                <a:ea typeface="210 8비트 R" panose="020B0600000101010101" charset="-127"/>
+              </a:endParaRPr>
+            </a:p>
+          </p:txBody>
+        </p:sp>
+      </p:grpSp>
+      <p:grpSp>
+        <p:nvGrpSpPr>
+          <p:cNvPr id="18" name="그룹 17"/>
+          <p:cNvGrpSpPr/>
+          <p:nvPr/>
+        </p:nvGrpSpPr>
+        <p:grpSpPr>
+          <a:xfrm>
+            <a:off x="13083403" y="4276272"/>
+            <a:ext cx="2514600" cy="2433320"/>
+            <a:chOff x="12039600" y="4303486"/>
+            <a:chExt cx="2514600" cy="2433320"/>
+          </a:xfrm>
+        </p:grpSpPr>
+        <p:pic>
+          <p:nvPicPr>
+            <p:cNvPr id="12" name="Picture 2" descr="https://o.remove.bg/downloads/99e81f79-410b-439f-8fb2-46d4d51cb2f3/image-removebg-preview.png"/>
+            <p:cNvPicPr>
+              <a:picLocks noChangeAspect="1" noChangeArrowheads="1"/>
+            </p:cNvPicPr>
+            <p:nvPr/>
+          </p:nvPicPr>
+          <p:blipFill rotWithShape="1">
+            <a:blip r:embed="rId5">
+              <a:extLst>
+                <a:ext uri="{28A0092B-C50C-407E-A947-70E740481C1C}">
+                  <a14:useLocalDpi xmlns:a14="http://schemas.microsoft.com/office/drawing/2010/main" val="0"/>
+                </a:ext>
+              </a:extLst>
+            </a:blip>
+            <a:srcRect l="19632" t="18650" r="19632" b="22576"/>
+            <a:stretch/>
+          </p:blipFill>
+          <p:spPr bwMode="auto">
+            <a:xfrm>
+              <a:off x="12039600" y="4303486"/>
+              <a:ext cx="2514600" cy="2433320"/>
+            </a:xfrm>
+            <a:prstGeom prst="rect">
+              <a:avLst/>
+            </a:prstGeom>
+            <a:noFill/>
+            <a:extLst>
+              <a:ext uri="{909E8E84-426E-40DD-AFC4-6F175D3DCCD1}">
+                <a14:hiddenFill xmlns:a14="http://schemas.microsoft.com/office/drawing/2010/main">
+                  <a:solidFill>
+                    <a:srgbClr val="FFFFFF"/>
+                  </a:solidFill>
+                </a14:hiddenFill>
+              </a:ext>
+            </a:extLst>
+          </p:spPr>
+        </p:pic>
+        <p:sp>
+          <p:nvSpPr>
+            <p:cNvPr id="13" name="TextBox 12"/>
+            <p:cNvSpPr txBox="1"/>
+            <p:nvPr/>
+          </p:nvSpPr>
+          <p:spPr>
+            <a:xfrm>
+              <a:off x="12344400" y="4981537"/>
+              <a:ext cx="1905000" cy="1323439"/>
+            </a:xfrm>
+            <a:prstGeom prst="rect">
+              <a:avLst/>
+            </a:prstGeom>
+            <a:noFill/>
+          </p:spPr>
+          <p:txBody>
+            <a:bodyPr wrap="square" rtlCol="0">
+              <a:spAutoFit/>
+            </a:bodyPr>
+            <a:lstStyle/>
+            <a:p>
+              <a:pPr algn="ctr"/>
+              <a:r>
+                <a:rPr lang="ko-KR" altLang="en-US" sz="2000" smtClean="0">
+                  <a:latin typeface="210 8비트 R" panose="020B0600000101010101" charset="-127"/>
+                  <a:ea typeface="210 8비트 R" panose="020B0600000101010101" charset="-127"/>
+                </a:rPr>
+                <a:t>획득한 톱니바퀴 수만큼 에너지 회복</a:t>
+              </a:r>
+              <a:endParaRPr lang="ko-KR" altLang="en-US" sz="2000">
+                <a:latin typeface="210 8비트 R" panose="020B0600000101010101" charset="-127"/>
+                <a:ea typeface="210 8비트 R" panose="020B0600000101010101" charset="-127"/>
+              </a:endParaRPr>
+            </a:p>
+          </p:txBody>
+        </p:sp>
+      </p:grpSp>
+      <p:grpSp>
+        <p:nvGrpSpPr>
+          <p:cNvPr id="16" name="그룹 15"/>
+          <p:cNvGrpSpPr/>
+          <p:nvPr/>
+        </p:nvGrpSpPr>
+        <p:grpSpPr>
+          <a:xfrm>
+            <a:off x="9402311" y="4276272"/>
+            <a:ext cx="2514600" cy="2433320"/>
+            <a:chOff x="6096000" y="7280255"/>
+            <a:chExt cx="2514600" cy="2433320"/>
+          </a:xfrm>
+        </p:grpSpPr>
+        <p:pic>
+          <p:nvPicPr>
+            <p:cNvPr id="14" name="Picture 2" descr="https://o.remove.bg/downloads/99e81f79-410b-439f-8fb2-46d4d51cb2f3/image-removebg-preview.png"/>
+            <p:cNvPicPr>
+              <a:picLocks noChangeAspect="1" noChangeArrowheads="1"/>
+            </p:cNvPicPr>
+            <p:nvPr/>
+          </p:nvPicPr>
+          <p:blipFill rotWithShape="1">
+            <a:blip r:embed="rId5">
+              <a:extLst>
+                <a:ext uri="{28A0092B-C50C-407E-A947-70E740481C1C}">
+                  <a14:useLocalDpi xmlns:a14="http://schemas.microsoft.com/office/drawing/2010/main" val="0"/>
+                </a:ext>
+              </a:extLst>
+            </a:blip>
+            <a:srcRect l="19632" t="18650" r="19632" b="22576"/>
+            <a:stretch/>
+          </p:blipFill>
+          <p:spPr bwMode="auto">
+            <a:xfrm>
+              <a:off x="6096000" y="7280255"/>
+              <a:ext cx="2514600" cy="2433320"/>
+            </a:xfrm>
+            <a:prstGeom prst="rect">
+              <a:avLst/>
+            </a:prstGeom>
+            <a:noFill/>
+            <a:extLst>
+              <a:ext uri="{909E8E84-426E-40DD-AFC4-6F175D3DCCD1}">
+                <a14:hiddenFill xmlns:a14="http://schemas.microsoft.com/office/drawing/2010/main">
+                  <a:solidFill>
+                    <a:srgbClr val="FFFFFF"/>
+                  </a:solidFill>
+                </a14:hiddenFill>
+              </a:ext>
+            </a:extLst>
+          </p:spPr>
+        </p:pic>
+        <p:sp>
+          <p:nvSpPr>
+            <p:cNvPr id="15" name="TextBox 14"/>
+            <p:cNvSpPr txBox="1"/>
+            <p:nvPr/>
+          </p:nvSpPr>
+          <p:spPr>
+            <a:xfrm>
+              <a:off x="6400800" y="7958306"/>
+              <a:ext cx="1905000" cy="1200329"/>
+            </a:xfrm>
+            <a:prstGeom prst="rect">
+              <a:avLst/>
+            </a:prstGeom>
+            <a:noFill/>
+          </p:spPr>
+          <p:txBody>
+            <a:bodyPr wrap="square" rtlCol="0">
+              <a:spAutoFit/>
+            </a:bodyPr>
+            <a:lstStyle/>
+            <a:p>
+              <a:pPr algn="ctr"/>
+              <a:r>
+                <a:rPr lang="ko-KR" altLang="en-US" sz="2400" smtClean="0">
+                  <a:latin typeface="210 8비트 R" panose="020B0600000101010101" charset="-127"/>
+                  <a:ea typeface="210 8비트 R" panose="020B0600000101010101" charset="-127"/>
+                </a:rPr>
+                <a:t>포탈을 통해</a:t>
+              </a:r>
+              <a:endParaRPr lang="en-US" altLang="ko-KR" sz="2400" smtClean="0">
+                <a:latin typeface="210 8비트 R" panose="020B0600000101010101" charset="-127"/>
+                <a:ea typeface="210 8비트 R" panose="020B0600000101010101" charset="-127"/>
+              </a:endParaRPr>
+            </a:p>
+            <a:p>
+              <a:pPr algn="ctr"/>
+              <a:r>
+                <a:rPr lang="ko-KR" altLang="en-US" sz="2400" smtClean="0">
+                  <a:latin typeface="210 8비트 R" panose="020B0600000101010101" charset="-127"/>
+                  <a:ea typeface="210 8비트 R" panose="020B0600000101010101" charset="-127"/>
+                </a:rPr>
+                <a:t>다음 단계로</a:t>
+              </a:r>
+              <a:endParaRPr lang="en-US" altLang="ko-KR" sz="2400" smtClean="0">
+                <a:latin typeface="210 8비트 R" panose="020B0600000101010101" charset="-127"/>
+                <a:ea typeface="210 8비트 R" panose="020B0600000101010101" charset="-127"/>
+              </a:endParaRPr>
+            </a:p>
+            <a:p>
+              <a:pPr algn="ctr"/>
+              <a:r>
+                <a:rPr lang="ko-KR" altLang="en-US" sz="2400" smtClean="0">
+                  <a:latin typeface="210 8비트 R" panose="020B0600000101010101" charset="-127"/>
+                  <a:ea typeface="210 8비트 R" panose="020B0600000101010101" charset="-127"/>
+                </a:rPr>
+                <a:t>진입</a:t>
+              </a:r>
+              <a:endParaRPr lang="ko-KR" altLang="en-US" sz="2400">
+                <a:latin typeface="210 8비트 R" panose="020B0600000101010101" charset="-127"/>
+                <a:ea typeface="210 8비트 R" panose="020B0600000101010101" charset="-127"/>
+              </a:endParaRPr>
+            </a:p>
+          </p:txBody>
+        </p:sp>
+      </p:grpSp>
+      <p:sp>
+        <p:nvSpPr>
+          <p:cNvPr id="20" name="TextBox 19"/>
           <p:cNvSpPr txBox="1"/>
           <p:nvPr/>
         </p:nvSpPr>
         <p:spPr>
           <a:xfrm>
-            <a:off x="6019800" y="1028700"/>
-            <a:ext cx="6248400" cy="923330"/>
+            <a:off x="9935711" y="6933263"/>
+            <a:ext cx="1447800" cy="646331"/>
           </a:xfrm>
           <a:prstGeom prst="rect">
             <a:avLst/>
@@ -4888,35 +6176,112 @@
           <a:lstStyle/>
           <a:p>
             <a:r>
-              <a:rPr lang="en-US" altLang="ko-KR" sz="5400" smtClean="0">
-                <a:solidFill>
-                  <a:schemeClr val="accent6"/>
-                </a:solidFill>
+              <a:rPr lang="ko-KR" altLang="en-US" sz="3600" smtClean="0">
                 <a:latin typeface="210 8비트 R" panose="020B0600000101010101" charset="-127"/>
                 <a:ea typeface="210 8비트 R" panose="020B0600000101010101" charset="-127"/>
               </a:rPr>
-              <a:t>&lt;</a:t>
-            </a:r>
-            <a:r>
-              <a:rPr lang="ko-KR" altLang="en-US" sz="5400" smtClean="0">
-                <a:solidFill>
-                  <a:schemeClr val="accent6"/>
-                </a:solidFill>
+              <a:t>반복</a:t>
+            </a:r>
+            <a:r>
+              <a:rPr lang="en-US" altLang="ko-KR" sz="3600" smtClean="0">
                 <a:latin typeface="210 8비트 R" panose="020B0600000101010101" charset="-127"/>
                 <a:ea typeface="210 8비트 R" panose="020B0600000101010101" charset="-127"/>
               </a:rPr>
-              <a:t>핵심 게임 플레이</a:t>
-            </a:r>
-            <a:r>
-              <a:rPr lang="en-US" altLang="ko-KR" sz="5400" smtClean="0">
-                <a:solidFill>
-                  <a:schemeClr val="accent6"/>
-                </a:solidFill>
+              <a:t>!</a:t>
+            </a:r>
+            <a:endParaRPr lang="ko-KR" altLang="en-US">
+              <a:latin typeface="210 8비트 R" panose="020B0600000101010101" charset="-127"/>
+              <a:ea typeface="210 8비트 R" panose="020B0600000101010101" charset="-127"/>
+            </a:endParaRPr>
+          </a:p>
+        </p:txBody>
+      </p:sp>
+      <p:sp>
+        <p:nvSpPr>
+          <p:cNvPr id="21" name="직사각형 20"/>
+          <p:cNvSpPr/>
+          <p:nvPr/>
+        </p:nvSpPr>
+        <p:spPr>
+          <a:xfrm>
+            <a:off x="4619408" y="197628"/>
+            <a:ext cx="9491702" cy="1569660"/>
+          </a:xfrm>
+          <a:prstGeom prst="rect">
+            <a:avLst/>
+          </a:prstGeom>
+          <a:noFill/>
+        </p:spPr>
+        <p:txBody>
+          <a:bodyPr wrap="none" lIns="91440" tIns="45720" rIns="91440" bIns="45720">
+            <a:spAutoFit/>
+          </a:bodyPr>
+          <a:lstStyle/>
+          <a:p>
+            <a:pPr algn="ctr"/>
+            <a:r>
+              <a:rPr lang="ko-KR" altLang="en-US" sz="9600" b="1" cap="none" spc="0" smtClean="0">
+                <a:ln w="12700">
+                  <a:solidFill>
+                    <a:schemeClr val="tx2">
+                      <a:lumMod val="75000"/>
+                    </a:schemeClr>
+                  </a:solidFill>
+                  <a:prstDash val="solid"/>
+                </a:ln>
+                <a:pattFill prst="dkUpDiag">
+                  <a:fgClr>
+                    <a:schemeClr val="tx2"/>
+                  </a:fgClr>
+                  <a:bgClr>
+                    <a:schemeClr val="tx2">
+                      <a:lumMod val="20000"/>
+                      <a:lumOff val="80000"/>
+                    </a:schemeClr>
+                  </a:bgClr>
+                </a:pattFill>
+                <a:effectLst>
+                  <a:outerShdw dist="38100" dir="2640000" algn="bl" rotWithShape="0">
+                    <a:schemeClr val="tx2">
+                      <a:lumMod val="75000"/>
+                    </a:schemeClr>
+                  </a:outerShdw>
+                </a:effectLst>
                 <a:latin typeface="210 8비트 R" panose="020B0600000101010101" charset="-127"/>
                 <a:ea typeface="210 8비트 R" panose="020B0600000101010101" charset="-127"/>
               </a:rPr>
-              <a:t>&gt;</a:t>
-            </a:r>
+              <a:t>핵심 게임 플레이</a:t>
+            </a:r>
+            <a:endParaRPr lang="en-US" altLang="ko-KR" sz="9600" b="1" cap="none" spc="0">
+              <a:ln w="12700">
+                <a:solidFill>
+                  <a:schemeClr val="tx2">
+                    <a:lumMod val="75000"/>
+                  </a:schemeClr>
+                </a:solidFill>
+                <a:prstDash val="solid"/>
+              </a:ln>
+              <a:pattFill prst="dkUpDiag">
+                <a:fgClr>
+                  <a:schemeClr val="tx2"/>
+                </a:fgClr>
+                <a:bgClr>
+                  <a:schemeClr val="tx2">
+                    <a:lumMod val="20000"/>
+                    <a:lumOff val="80000"/>
+                  </a:schemeClr>
+                </a:bgClr>
+              </a:pattFill>
+              <a:effectLst>
+                <a:outerShdw dist="38100" dir="2640000" algn="bl" rotWithShape="0">
+                  <a:schemeClr val="tx2">
+                    <a:lumMod val="75000"/>
+                  </a:schemeClr>
+                </a:outerShdw>
+              </a:effectLst>
+              <a:latin typeface="210 8비트 R" panose="020B0600000101010101" charset="-127"/>
+              <a:ea typeface="210 8비트 R" panose="020B0600000101010101" charset="-127"/>
+            </a:endParaRPr>
           </a:p>
         </p:txBody>
       </p:sp>
@@ -4933,14 +6298,132 @@
   <p:timing>
     <p:tnLst>
       <p:par>
-        <p:cTn id="1" dur="indefinite" restart="never" nodeType="tmRoot"/>
+        <p:cTn id="1" dur="indefinite" restart="never" nodeType="tmRoot">
+          <p:childTnLst>
+            <p:seq concurrent="1" nextAc="seek">
+              <p:cTn id="2" dur="indefinite" nodeType="mainSeq">
+                <p:childTnLst>
+                  <p:par>
+                    <p:cTn id="3" fill="hold">
+                      <p:stCondLst>
+                        <p:cond delay="indefinite"/>
+                        <p:cond evt="onBegin" delay="0">
+                          <p:tn val="2"/>
+                        </p:cond>
+                      </p:stCondLst>
+                      <p:childTnLst>
+                        <p:par>
+                          <p:cTn id="4" fill="hold">
+                            <p:stCondLst>
+                              <p:cond delay="0"/>
+                            </p:stCondLst>
+                            <p:childTnLst>
+                              <p:par>
+                                <p:cTn id="5" presetID="9" presetClass="entr" presetSubtype="0" fill="hold" grpId="0" nodeType="withEffect">
+                                  <p:stCondLst>
+                                    <p:cond delay="5000"/>
+                                  </p:stCondLst>
+                                  <p:childTnLst>
+                                    <p:set>
+                                      <p:cBhvr>
+                                        <p:cTn id="6" dur="1" fill="hold">
+                                          <p:stCondLst>
+                                            <p:cond delay="0"/>
+                                          </p:stCondLst>
+                                        </p:cTn>
+                                        <p:tgtEl>
+                                          <p:spTgt spid="19"/>
+                                        </p:tgtEl>
+                                        <p:attrNameLst>
+                                          <p:attrName>style.visibility</p:attrName>
+                                        </p:attrNameLst>
+                                      </p:cBhvr>
+                                      <p:to>
+                                        <p:strVal val="visible"/>
+                                      </p:to>
+                                    </p:set>
+                                    <p:animEffect transition="in" filter="dissolve">
+                                      <p:cBhvr>
+                                        <p:cTn id="7" dur="3000"/>
+                                        <p:tgtEl>
+                                          <p:spTgt spid="19"/>
+                                        </p:tgtEl>
+                                      </p:cBhvr>
+                                    </p:animEffect>
+                                  </p:childTnLst>
+                                </p:cTn>
+                              </p:par>
+                              <p:par>
+                                <p:cTn id="8" presetID="9" presetClass="entr" presetSubtype="0" fill="hold" grpId="0" nodeType="withEffect">
+                                  <p:stCondLst>
+                                    <p:cond delay="5000"/>
+                                  </p:stCondLst>
+                                  <p:childTnLst>
+                                    <p:set>
+                                      <p:cBhvr>
+                                        <p:cTn id="9" dur="1" fill="hold">
+                                          <p:stCondLst>
+                                            <p:cond delay="0"/>
+                                          </p:stCondLst>
+                                        </p:cTn>
+                                        <p:tgtEl>
+                                          <p:spTgt spid="20"/>
+                                        </p:tgtEl>
+                                        <p:attrNameLst>
+                                          <p:attrName>style.visibility</p:attrName>
+                                        </p:attrNameLst>
+                                      </p:cBhvr>
+                                      <p:to>
+                                        <p:strVal val="visible"/>
+                                      </p:to>
+                                    </p:set>
+                                    <p:animEffect transition="in" filter="dissolve">
+                                      <p:cBhvr>
+                                        <p:cTn id="10" dur="3000"/>
+                                        <p:tgtEl>
+                                          <p:spTgt spid="20"/>
+                                        </p:tgtEl>
+                                      </p:cBhvr>
+                                    </p:animEffect>
+                                  </p:childTnLst>
+                                </p:cTn>
+                              </p:par>
+                            </p:childTnLst>
+                          </p:cTn>
+                        </p:par>
+                      </p:childTnLst>
+                    </p:cTn>
+                  </p:par>
+                </p:childTnLst>
+              </p:cTn>
+              <p:prevCondLst>
+                <p:cond evt="onPrev" delay="0">
+                  <p:tgtEl>
+                    <p:sldTgt/>
+                  </p:tgtEl>
+                </p:cond>
+              </p:prevCondLst>
+              <p:nextCondLst>
+                <p:cond evt="onNext" delay="0">
+                  <p:tgtEl>
+                    <p:sldTgt/>
+                  </p:tgtEl>
+                </p:cond>
+              </p:nextCondLst>
+            </p:seq>
+          </p:childTnLst>
+        </p:cTn>
       </p:par>
     </p:tnLst>
+    <p:bldLst>
+      <p:bldP spid="19" grpId="0" animBg="1"/>
+      <p:bldP spid="20" grpId="0"/>
+    </p:bldLst>
   </p:timing>
 </p:sld>
 </file>
 
-<file path=ppt/slides/slide14.xml><?xml version="1.0" encoding="utf-8"?>
+<file path=ppt/slides/slide13.xml><?xml version="1.0" encoding="utf-8"?>
 <p:sld xmlns:a="http://schemas.openxmlformats.org/drawingml/2006/main" xmlns:r="http://schemas.openxmlformats.org/officeDocument/2006/relationships" xmlns:p="http://schemas.openxmlformats.org/presentationml/2006/main">
   <p:cSld>
     <p:spTree>
@@ -5544,7 +7027,7 @@
 </p:sld>
 </file>
 
-<file path=ppt/slides/slide15.xml><?xml version="1.0" encoding="utf-8"?>
+<file path=ppt/slides/slide14.xml><?xml version="1.0" encoding="utf-8"?>
 <p:sld xmlns:a="http://schemas.openxmlformats.org/drawingml/2006/main" xmlns:r="http://schemas.openxmlformats.org/officeDocument/2006/relationships" xmlns:p="http://schemas.openxmlformats.org/presentationml/2006/main">
   <p:cSld>
     <p:spTree>
@@ -6226,7 +7709,7 @@
 </p:sld>
 </file>
 
-<file path=ppt/slides/slide16.xml><?xml version="1.0" encoding="utf-8"?>
+<file path=ppt/slides/slide15.xml><?xml version="1.0" encoding="utf-8"?>
 <p:sld xmlns:a="http://schemas.openxmlformats.org/drawingml/2006/main" xmlns:r="http://schemas.openxmlformats.org/officeDocument/2006/relationships" xmlns:p="http://schemas.openxmlformats.org/presentationml/2006/main">
   <p:cSld>
     <p:spTree>
@@ -6318,6 +7801,630 @@
           </a:blipFill>
         </p:spPr>
       </p:sp>
+      <p:sp>
+        <p:nvSpPr>
+          <p:cNvPr id="2" name="직사각형 1"/>
+          <p:cNvSpPr/>
+          <p:nvPr/>
+        </p:nvSpPr>
+        <p:spPr>
+          <a:xfrm>
+            <a:off x="499244" y="-91381"/>
+            <a:ext cx="3791423" cy="4508927"/>
+          </a:xfrm>
+          <a:prstGeom prst="rect">
+            <a:avLst/>
+          </a:prstGeom>
+          <a:noFill/>
+        </p:spPr>
+        <p:txBody>
+          <a:bodyPr wrap="none" lIns="91440" tIns="45720" rIns="91440" bIns="45720">
+            <a:spAutoFit/>
+          </a:bodyPr>
+          <a:lstStyle/>
+          <a:p>
+            <a:pPr algn="ctr"/>
+            <a:r>
+              <a:rPr lang="en-US" altLang="ko-KR" sz="28700" b="1" cap="none" spc="0" smtClean="0">
+                <a:ln w="12700">
+                  <a:solidFill>
+                    <a:schemeClr val="accent1"/>
+                  </a:solidFill>
+                  <a:prstDash val="solid"/>
+                </a:ln>
+                <a:pattFill prst="pct50">
+                  <a:fgClr>
+                    <a:schemeClr val="accent1"/>
+                  </a:fgClr>
+                  <a:bgClr>
+                    <a:schemeClr val="accent1">
+                      <a:lumMod val="20000"/>
+                      <a:lumOff val="80000"/>
+                    </a:schemeClr>
+                  </a:bgClr>
+                </a:pattFill>
+                <a:effectLst>
+                  <a:outerShdw dist="38100" dir="2640000" algn="bl" rotWithShape="0">
+                    <a:schemeClr val="accent1"/>
+                  </a:outerShdw>
+                </a:effectLst>
+                <a:latin typeface="Arcade Normal" panose="00000400000000000000" pitchFamily="1" charset="0"/>
+              </a:rPr>
+              <a:t>T</a:t>
+            </a:r>
+            <a:endParaRPr lang="en-US" altLang="ko-KR" sz="5400" b="1" cap="none" spc="0">
+              <a:ln w="12700">
+                <a:solidFill>
+                  <a:schemeClr val="accent1"/>
+                </a:solidFill>
+                <a:prstDash val="solid"/>
+              </a:ln>
+              <a:pattFill prst="pct50">
+                <a:fgClr>
+                  <a:schemeClr val="accent1"/>
+                </a:fgClr>
+                <a:bgClr>
+                  <a:schemeClr val="accent1">
+                    <a:lumMod val="20000"/>
+                    <a:lumOff val="80000"/>
+                  </a:schemeClr>
+                </a:bgClr>
+              </a:pattFill>
+              <a:effectLst>
+                <a:outerShdw dist="38100" dir="2640000" algn="bl" rotWithShape="0">
+                  <a:schemeClr val="accent1"/>
+                </a:outerShdw>
+              </a:effectLst>
+              <a:latin typeface="Arcade Normal" panose="00000400000000000000" pitchFamily="1" charset="0"/>
+            </a:endParaRPr>
+          </a:p>
+        </p:txBody>
+      </p:sp>
+      <p:sp>
+        <p:nvSpPr>
+          <p:cNvPr id="6" name="직사각형 5"/>
+          <p:cNvSpPr/>
+          <p:nvPr/>
+        </p:nvSpPr>
+        <p:spPr>
+          <a:xfrm>
+            <a:off x="3960049" y="-81849"/>
+            <a:ext cx="3791424" cy="4508927"/>
+          </a:xfrm>
+          <a:prstGeom prst="rect">
+            <a:avLst/>
+          </a:prstGeom>
+          <a:noFill/>
+        </p:spPr>
+        <p:txBody>
+          <a:bodyPr wrap="none" lIns="91440" tIns="45720" rIns="91440" bIns="45720">
+            <a:spAutoFit/>
+          </a:bodyPr>
+          <a:lstStyle/>
+          <a:p>
+            <a:pPr algn="ctr"/>
+            <a:r>
+              <a:rPr lang="en-US" altLang="ko-KR" sz="28700" b="1" cap="none" spc="0" smtClean="0">
+                <a:ln w="12700">
+                  <a:solidFill>
+                    <a:schemeClr val="tx2">
+                      <a:lumMod val="75000"/>
+                    </a:schemeClr>
+                  </a:solidFill>
+                  <a:prstDash val="solid"/>
+                </a:ln>
+                <a:pattFill prst="dkUpDiag">
+                  <a:fgClr>
+                    <a:schemeClr val="tx2"/>
+                  </a:fgClr>
+                  <a:bgClr>
+                    <a:schemeClr val="tx2">
+                      <a:lumMod val="20000"/>
+                      <a:lumOff val="80000"/>
+                    </a:schemeClr>
+                  </a:bgClr>
+                </a:pattFill>
+                <a:effectLst>
+                  <a:outerShdw dist="38100" dir="2640000" algn="bl" rotWithShape="0">
+                    <a:schemeClr val="tx2">
+                      <a:lumMod val="75000"/>
+                    </a:schemeClr>
+                  </a:outerShdw>
+                </a:effectLst>
+                <a:latin typeface="Arcade Normal" panose="00000400000000000000" pitchFamily="1" charset="0"/>
+              </a:rPr>
+              <a:t>H</a:t>
+            </a:r>
+            <a:endParaRPr lang="en-US" altLang="ko-KR" sz="4800" b="1" cap="none" spc="0">
+              <a:ln w="12700">
+                <a:solidFill>
+                  <a:schemeClr val="tx2">
+                    <a:lumMod val="75000"/>
+                  </a:schemeClr>
+                </a:solidFill>
+                <a:prstDash val="solid"/>
+              </a:ln>
+              <a:pattFill prst="dkUpDiag">
+                <a:fgClr>
+                  <a:schemeClr val="tx2"/>
+                </a:fgClr>
+                <a:bgClr>
+                  <a:schemeClr val="tx2">
+                    <a:lumMod val="20000"/>
+                    <a:lumOff val="80000"/>
+                  </a:schemeClr>
+                </a:bgClr>
+              </a:pattFill>
+              <a:effectLst>
+                <a:outerShdw dist="38100" dir="2640000" algn="bl" rotWithShape="0">
+                  <a:schemeClr val="tx2">
+                    <a:lumMod val="75000"/>
+                  </a:schemeClr>
+                </a:outerShdw>
+              </a:effectLst>
+              <a:latin typeface="Arcade Normal" panose="00000400000000000000" pitchFamily="1" charset="0"/>
+            </a:endParaRPr>
+          </a:p>
+        </p:txBody>
+      </p:sp>
+      <p:sp>
+        <p:nvSpPr>
+          <p:cNvPr id="7" name="직사각형 6"/>
+          <p:cNvSpPr/>
+          <p:nvPr/>
+        </p:nvSpPr>
+        <p:spPr>
+          <a:xfrm>
+            <a:off x="7482975" y="-72317"/>
+            <a:ext cx="3791423" cy="4508927"/>
+          </a:xfrm>
+          <a:prstGeom prst="rect">
+            <a:avLst/>
+          </a:prstGeom>
+          <a:noFill/>
+        </p:spPr>
+        <p:txBody>
+          <a:bodyPr wrap="none" lIns="91440" tIns="45720" rIns="91440" bIns="45720">
+            <a:spAutoFit/>
+          </a:bodyPr>
+          <a:lstStyle/>
+          <a:p>
+            <a:pPr algn="ctr"/>
+            <a:r>
+              <a:rPr lang="en-US" altLang="ko-KR" sz="28700" b="1" cap="none" spc="0" smtClean="0">
+                <a:ln w="12700">
+                  <a:solidFill>
+                    <a:schemeClr val="accent5"/>
+                  </a:solidFill>
+                  <a:prstDash val="solid"/>
+                </a:ln>
+                <a:pattFill prst="ltDnDiag">
+                  <a:fgClr>
+                    <a:schemeClr val="accent5">
+                      <a:lumMod val="60000"/>
+                      <a:lumOff val="40000"/>
+                    </a:schemeClr>
+                  </a:fgClr>
+                  <a:bgClr>
+                    <a:schemeClr val="bg1"/>
+                  </a:bgClr>
+                </a:pattFill>
+                <a:effectLst/>
+                <a:latin typeface="Arcade Normal" panose="00000400000000000000" pitchFamily="1" charset="0"/>
+              </a:rPr>
+              <a:t>A</a:t>
+            </a:r>
+            <a:endParaRPr lang="en-US" altLang="ko-KR" sz="5400" b="1" cap="none" spc="0">
+              <a:ln w="12700">
+                <a:solidFill>
+                  <a:schemeClr val="accent5"/>
+                </a:solidFill>
+                <a:prstDash val="solid"/>
+              </a:ln>
+              <a:pattFill prst="ltDnDiag">
+                <a:fgClr>
+                  <a:schemeClr val="accent5">
+                    <a:lumMod val="60000"/>
+                    <a:lumOff val="40000"/>
+                  </a:schemeClr>
+                </a:fgClr>
+                <a:bgClr>
+                  <a:schemeClr val="bg1"/>
+                </a:bgClr>
+              </a:pattFill>
+              <a:effectLst/>
+              <a:latin typeface="Arcade Normal" panose="00000400000000000000" pitchFamily="1" charset="0"/>
+            </a:endParaRPr>
+          </a:p>
+        </p:txBody>
+      </p:sp>
+      <p:sp>
+        <p:nvSpPr>
+          <p:cNvPr id="8" name="직사각형 7"/>
+          <p:cNvSpPr/>
+          <p:nvPr/>
+        </p:nvSpPr>
+        <p:spPr>
+          <a:xfrm>
+            <a:off x="10943781" y="-78672"/>
+            <a:ext cx="3791424" cy="4508927"/>
+          </a:xfrm>
+          <a:prstGeom prst="rect">
+            <a:avLst/>
+          </a:prstGeom>
+          <a:noFill/>
+        </p:spPr>
+        <p:txBody>
+          <a:bodyPr wrap="none" lIns="91440" tIns="45720" rIns="91440" bIns="45720">
+            <a:spAutoFit/>
+          </a:bodyPr>
+          <a:lstStyle/>
+          <a:p>
+            <a:pPr algn="ctr"/>
+            <a:r>
+              <a:rPr lang="en-US" altLang="ko-KR" sz="28700" b="1">
+                <a:ln w="12700">
+                  <a:solidFill>
+                    <a:schemeClr val="accent1"/>
+                  </a:solidFill>
+                  <a:prstDash val="solid"/>
+                </a:ln>
+                <a:pattFill prst="pct50">
+                  <a:fgClr>
+                    <a:schemeClr val="accent1"/>
+                  </a:fgClr>
+                  <a:bgClr>
+                    <a:schemeClr val="accent1">
+                      <a:lumMod val="20000"/>
+                      <a:lumOff val="80000"/>
+                    </a:schemeClr>
+                  </a:bgClr>
+                </a:pattFill>
+                <a:effectLst>
+                  <a:outerShdw dist="38100" dir="2640000" algn="bl" rotWithShape="0">
+                    <a:schemeClr val="accent1"/>
+                  </a:outerShdw>
+                </a:effectLst>
+                <a:latin typeface="Arcade Normal" panose="00000400000000000000" pitchFamily="1" charset="0"/>
+              </a:rPr>
+              <a:t>N</a:t>
+            </a:r>
+            <a:endParaRPr lang="en-US" altLang="ko-KR" sz="5400" b="1" cap="none" spc="0">
+              <a:ln w="12700">
+                <a:solidFill>
+                  <a:schemeClr val="accent1"/>
+                </a:solidFill>
+                <a:prstDash val="solid"/>
+              </a:ln>
+              <a:pattFill prst="pct50">
+                <a:fgClr>
+                  <a:schemeClr val="accent1"/>
+                </a:fgClr>
+                <a:bgClr>
+                  <a:schemeClr val="accent1">
+                    <a:lumMod val="20000"/>
+                    <a:lumOff val="80000"/>
+                  </a:schemeClr>
+                </a:bgClr>
+              </a:pattFill>
+              <a:effectLst>
+                <a:outerShdw dist="38100" dir="2640000" algn="bl" rotWithShape="0">
+                  <a:schemeClr val="accent1"/>
+                </a:outerShdw>
+              </a:effectLst>
+              <a:latin typeface="Arcade Normal" panose="00000400000000000000" pitchFamily="1" charset="0"/>
+            </a:endParaRPr>
+          </a:p>
+        </p:txBody>
+      </p:sp>
+      <p:sp>
+        <p:nvSpPr>
+          <p:cNvPr id="9" name="직사각형 8"/>
+          <p:cNvSpPr/>
+          <p:nvPr/>
+        </p:nvSpPr>
+        <p:spPr>
+          <a:xfrm>
+            <a:off x="14513783" y="-72317"/>
+            <a:ext cx="3791423" cy="4508927"/>
+          </a:xfrm>
+          <a:prstGeom prst="rect">
+            <a:avLst/>
+          </a:prstGeom>
+          <a:noFill/>
+        </p:spPr>
+        <p:txBody>
+          <a:bodyPr wrap="none" lIns="91440" tIns="45720" rIns="91440" bIns="45720">
+            <a:spAutoFit/>
+          </a:bodyPr>
+          <a:lstStyle/>
+          <a:p>
+            <a:pPr algn="ctr"/>
+            <a:r>
+              <a:rPr lang="en-US" altLang="ko-KR" sz="28700" b="1" cap="none" spc="0" smtClean="0">
+                <a:ln w="12700">
+                  <a:solidFill>
+                    <a:schemeClr val="accent5"/>
+                  </a:solidFill>
+                  <a:prstDash val="solid"/>
+                </a:ln>
+                <a:pattFill prst="ltDnDiag">
+                  <a:fgClr>
+                    <a:schemeClr val="accent5">
+                      <a:lumMod val="60000"/>
+                      <a:lumOff val="40000"/>
+                    </a:schemeClr>
+                  </a:fgClr>
+                  <a:bgClr>
+                    <a:schemeClr val="bg1"/>
+                  </a:bgClr>
+                </a:pattFill>
+                <a:effectLst/>
+                <a:latin typeface="Arcade Normal" panose="00000400000000000000" pitchFamily="1" charset="0"/>
+              </a:rPr>
+              <a:t>K</a:t>
+            </a:r>
+            <a:endParaRPr lang="en-US" altLang="ko-KR" sz="5400" b="1" cap="none" spc="0">
+              <a:ln w="12700">
+                <a:solidFill>
+                  <a:schemeClr val="accent5"/>
+                </a:solidFill>
+                <a:prstDash val="solid"/>
+              </a:ln>
+              <a:pattFill prst="ltDnDiag">
+                <a:fgClr>
+                  <a:schemeClr val="accent5">
+                    <a:lumMod val="60000"/>
+                    <a:lumOff val="40000"/>
+                  </a:schemeClr>
+                </a:fgClr>
+                <a:bgClr>
+                  <a:schemeClr val="bg1"/>
+                </a:bgClr>
+              </a:pattFill>
+              <a:effectLst/>
+              <a:latin typeface="Arcade Normal" panose="00000400000000000000" pitchFamily="1" charset="0"/>
+            </a:endParaRPr>
+          </a:p>
+        </p:txBody>
+      </p:sp>
+      <p:sp>
+        <p:nvSpPr>
+          <p:cNvPr id="10" name="직사각형 9"/>
+          <p:cNvSpPr/>
+          <p:nvPr/>
+        </p:nvSpPr>
+        <p:spPr>
+          <a:xfrm>
+            <a:off x="3834114" y="3668258"/>
+            <a:ext cx="3791423" cy="4508927"/>
+          </a:xfrm>
+          <a:prstGeom prst="rect">
+            <a:avLst/>
+          </a:prstGeom>
+          <a:noFill/>
+        </p:spPr>
+        <p:txBody>
+          <a:bodyPr wrap="none" lIns="91440" tIns="45720" rIns="91440" bIns="45720">
+            <a:spAutoFit/>
+          </a:bodyPr>
+          <a:lstStyle/>
+          <a:p>
+            <a:pPr algn="ctr"/>
+            <a:r>
+              <a:rPr lang="en-US" altLang="ko-KR" sz="28700" b="1">
+                <a:ln w="12700">
+                  <a:solidFill>
+                    <a:schemeClr val="tx2">
+                      <a:lumMod val="75000"/>
+                    </a:schemeClr>
+                  </a:solidFill>
+                  <a:prstDash val="solid"/>
+                </a:ln>
+                <a:pattFill prst="dkUpDiag">
+                  <a:fgClr>
+                    <a:schemeClr val="tx2"/>
+                  </a:fgClr>
+                  <a:bgClr>
+                    <a:schemeClr val="tx2">
+                      <a:lumMod val="20000"/>
+                      <a:lumOff val="80000"/>
+                    </a:schemeClr>
+                  </a:bgClr>
+                </a:pattFill>
+                <a:effectLst>
+                  <a:outerShdw dist="38100" dir="2640000" algn="bl" rotWithShape="0">
+                    <a:schemeClr val="tx2">
+                      <a:lumMod val="75000"/>
+                    </a:schemeClr>
+                  </a:outerShdw>
+                </a:effectLst>
+                <a:latin typeface="Arcade Normal" panose="00000400000000000000" pitchFamily="1" charset="0"/>
+              </a:rPr>
+              <a:t>Y</a:t>
+            </a:r>
+            <a:endParaRPr lang="en-US" altLang="ko-KR" sz="4800" b="1" cap="none" spc="0">
+              <a:ln w="12700">
+                <a:solidFill>
+                  <a:schemeClr val="tx2">
+                    <a:lumMod val="75000"/>
+                  </a:schemeClr>
+                </a:solidFill>
+                <a:prstDash val="solid"/>
+              </a:ln>
+              <a:pattFill prst="dkUpDiag">
+                <a:fgClr>
+                  <a:schemeClr val="tx2"/>
+                </a:fgClr>
+                <a:bgClr>
+                  <a:schemeClr val="tx2">
+                    <a:lumMod val="20000"/>
+                    <a:lumOff val="80000"/>
+                  </a:schemeClr>
+                </a:bgClr>
+              </a:pattFill>
+              <a:effectLst>
+                <a:outerShdw dist="38100" dir="2640000" algn="bl" rotWithShape="0">
+                  <a:schemeClr val="tx2">
+                    <a:lumMod val="75000"/>
+                  </a:schemeClr>
+                </a:outerShdw>
+              </a:effectLst>
+              <a:latin typeface="Arcade Normal" panose="00000400000000000000" pitchFamily="1" charset="0"/>
+            </a:endParaRPr>
+          </a:p>
+        </p:txBody>
+      </p:sp>
+      <p:sp>
+        <p:nvSpPr>
+          <p:cNvPr id="11" name="직사각형 10"/>
+          <p:cNvSpPr/>
+          <p:nvPr/>
+        </p:nvSpPr>
+        <p:spPr>
+          <a:xfrm>
+            <a:off x="7369898" y="3630157"/>
+            <a:ext cx="3791423" cy="4508927"/>
+          </a:xfrm>
+          <a:prstGeom prst="rect">
+            <a:avLst/>
+          </a:prstGeom>
+          <a:noFill/>
+        </p:spPr>
+        <p:txBody>
+          <a:bodyPr wrap="none" lIns="91440" tIns="45720" rIns="91440" bIns="45720">
+            <a:spAutoFit/>
+          </a:bodyPr>
+          <a:lstStyle/>
+          <a:p>
+            <a:pPr algn="ctr"/>
+            <a:r>
+              <a:rPr lang="en-US" altLang="ko-KR" sz="28700" b="1" cap="none" spc="0" smtClean="0">
+                <a:ln w="12700">
+                  <a:solidFill>
+                    <a:schemeClr val="accent1"/>
+                  </a:solidFill>
+                  <a:prstDash val="solid"/>
+                </a:ln>
+                <a:pattFill prst="pct50">
+                  <a:fgClr>
+                    <a:schemeClr val="accent1"/>
+                  </a:fgClr>
+                  <a:bgClr>
+                    <a:schemeClr val="accent1">
+                      <a:lumMod val="20000"/>
+                      <a:lumOff val="80000"/>
+                    </a:schemeClr>
+                  </a:bgClr>
+                </a:pattFill>
+                <a:effectLst>
+                  <a:outerShdw dist="38100" dir="2640000" algn="bl" rotWithShape="0">
+                    <a:schemeClr val="accent1"/>
+                  </a:outerShdw>
+                </a:effectLst>
+                <a:latin typeface="Arcade Normal" panose="00000400000000000000" pitchFamily="1" charset="0"/>
+              </a:rPr>
+              <a:t>O</a:t>
+            </a:r>
+            <a:endParaRPr lang="en-US" altLang="ko-KR" sz="5400" b="1" cap="none" spc="0">
+              <a:ln w="12700">
+                <a:solidFill>
+                  <a:schemeClr val="accent1"/>
+                </a:solidFill>
+                <a:prstDash val="solid"/>
+              </a:ln>
+              <a:pattFill prst="pct50">
+                <a:fgClr>
+                  <a:schemeClr val="accent1"/>
+                </a:fgClr>
+                <a:bgClr>
+                  <a:schemeClr val="accent1">
+                    <a:lumMod val="20000"/>
+                    <a:lumOff val="80000"/>
+                  </a:schemeClr>
+                </a:bgClr>
+              </a:pattFill>
+              <a:effectLst>
+                <a:outerShdw dist="38100" dir="2640000" algn="bl" rotWithShape="0">
+                  <a:schemeClr val="accent1"/>
+                </a:outerShdw>
+              </a:effectLst>
+              <a:latin typeface="Arcade Normal" panose="00000400000000000000" pitchFamily="1" charset="0"/>
+            </a:endParaRPr>
+          </a:p>
+        </p:txBody>
+      </p:sp>
+      <p:sp>
+        <p:nvSpPr>
+          <p:cNvPr id="12" name="직사각형 11"/>
+          <p:cNvSpPr/>
+          <p:nvPr/>
+        </p:nvSpPr>
+        <p:spPr>
+          <a:xfrm>
+            <a:off x="10905682" y="3592056"/>
+            <a:ext cx="3791423" cy="4508927"/>
+          </a:xfrm>
+          <a:prstGeom prst="rect">
+            <a:avLst/>
+          </a:prstGeom>
+          <a:noFill/>
+        </p:spPr>
+        <p:txBody>
+          <a:bodyPr wrap="none" lIns="91440" tIns="45720" rIns="91440" bIns="45720">
+            <a:spAutoFit/>
+          </a:bodyPr>
+          <a:lstStyle/>
+          <a:p>
+            <a:pPr algn="ctr"/>
+            <a:r>
+              <a:rPr lang="en-US" altLang="ko-KR" sz="28700" b="1" cap="none" spc="0" smtClean="0">
+                <a:ln w="12700">
+                  <a:solidFill>
+                    <a:schemeClr val="accent5"/>
+                  </a:solidFill>
+                  <a:prstDash val="solid"/>
+                </a:ln>
+                <a:pattFill prst="ltDnDiag">
+                  <a:fgClr>
+                    <a:schemeClr val="accent5">
+                      <a:lumMod val="60000"/>
+                      <a:lumOff val="40000"/>
+                    </a:schemeClr>
+                  </a:fgClr>
+                  <a:bgClr>
+                    <a:schemeClr val="bg1"/>
+                  </a:bgClr>
+                </a:pattFill>
+                <a:effectLst/>
+                <a:latin typeface="Arcade Normal" panose="00000400000000000000" pitchFamily="1" charset="0"/>
+              </a:rPr>
+              <a:t>U</a:t>
+            </a:r>
+            <a:endParaRPr lang="en-US" altLang="ko-KR" sz="5400" b="1" cap="none" spc="0">
+              <a:ln w="12700">
+                <a:solidFill>
+                  <a:schemeClr val="accent5"/>
+                </a:solidFill>
+                <a:prstDash val="solid"/>
+              </a:ln>
+              <a:pattFill prst="ltDnDiag">
+                <a:fgClr>
+                  <a:schemeClr val="accent5">
+                    <a:lumMod val="60000"/>
+                    <a:lumOff val="40000"/>
+                  </a:schemeClr>
+                </a:fgClr>
+                <a:bgClr>
+                  <a:schemeClr val="bg1"/>
+                </a:bgClr>
+              </a:pattFill>
+              <a:effectLst/>
+              <a:latin typeface="Arcade Normal" panose="00000400000000000000" pitchFamily="1" charset="0"/>
+            </a:endParaRPr>
+          </a:p>
+        </p:txBody>
+      </p:sp>
     </p:spTree>
   </p:cSld>
   <p:clrMapOvr>
@@ -6326,9 +8433,2287 @@
   <p:timing>
     <p:tnLst>
       <p:par>
-        <p:cTn id="1" dur="indefinite" restart="never" nodeType="tmRoot"/>
+        <p:cTn id="1" dur="indefinite" restart="never" nodeType="tmRoot">
+          <p:childTnLst>
+            <p:seq concurrent="1" nextAc="seek">
+              <p:cTn id="2" dur="indefinite" nodeType="mainSeq">
+                <p:childTnLst>
+                  <p:par>
+                    <p:cTn id="3" fill="hold">
+                      <p:stCondLst>
+                        <p:cond delay="indefinite"/>
+                        <p:cond evt="onBegin" delay="0">
+                          <p:tn val="2"/>
+                        </p:cond>
+                      </p:stCondLst>
+                      <p:childTnLst>
+                        <p:par>
+                          <p:cTn id="4" fill="hold">
+                            <p:stCondLst>
+                              <p:cond delay="0"/>
+                            </p:stCondLst>
+                            <p:childTnLst>
+                              <p:par>
+                                <p:cTn id="5" presetID="26" presetClass="entr" presetSubtype="0" fill="hold" grpId="0" nodeType="withEffect">
+                                  <p:stCondLst>
+                                    <p:cond delay="0"/>
+                                  </p:stCondLst>
+                                  <p:childTnLst>
+                                    <p:set>
+                                      <p:cBhvr>
+                                        <p:cTn id="6" dur="1" fill="hold">
+                                          <p:stCondLst>
+                                            <p:cond delay="0"/>
+                                          </p:stCondLst>
+                                        </p:cTn>
+                                        <p:tgtEl>
+                                          <p:spTgt spid="2"/>
+                                        </p:tgtEl>
+                                        <p:attrNameLst>
+                                          <p:attrName>style.visibility</p:attrName>
+                                        </p:attrNameLst>
+                                      </p:cBhvr>
+                                      <p:to>
+                                        <p:strVal val="visible"/>
+                                      </p:to>
+                                    </p:set>
+                                    <p:animEffect transition="in" filter="wipe(down)">
+                                      <p:cBhvr>
+                                        <p:cTn id="7" dur="580">
+                                          <p:stCondLst>
+                                            <p:cond delay="0"/>
+                                          </p:stCondLst>
+                                        </p:cTn>
+                                        <p:tgtEl>
+                                          <p:spTgt spid="2"/>
+                                        </p:tgtEl>
+                                      </p:cBhvr>
+                                    </p:animEffect>
+                                    <p:anim calcmode="lin" valueType="num">
+                                      <p:cBhvr>
+                                        <p:cTn id="8" dur="1822" tmFilter="0,0; 0.14,0.36; 0.43,0.73; 0.71,0.91; 1.0,1.0">
+                                          <p:stCondLst>
+                                            <p:cond delay="0"/>
+                                          </p:stCondLst>
+                                        </p:cTn>
+                                        <p:tgtEl>
+                                          <p:spTgt spid="2"/>
+                                        </p:tgtEl>
+                                        <p:attrNameLst>
+                                          <p:attrName>ppt_x</p:attrName>
+                                        </p:attrNameLst>
+                                      </p:cBhvr>
+                                      <p:tavLst>
+                                        <p:tav tm="0">
+                                          <p:val>
+                                            <p:strVal val="#ppt_x-0.25"/>
+                                          </p:val>
+                                        </p:tav>
+                                        <p:tav tm="100000">
+                                          <p:val>
+                                            <p:strVal val="#ppt_x"/>
+                                          </p:val>
+                                        </p:tav>
+                                      </p:tavLst>
+                                    </p:anim>
+                                    <p:anim calcmode="lin" valueType="num">
+                                      <p:cBhvr>
+                                        <p:cTn id="9" dur="664" tmFilter="0.0,0.0; 0.25,0.07; 0.50,0.2; 0.75,0.467; 1.0,1.0">
+                                          <p:stCondLst>
+                                            <p:cond delay="0"/>
+                                          </p:stCondLst>
+                                        </p:cTn>
+                                        <p:tgtEl>
+                                          <p:spTgt spid="2"/>
+                                        </p:tgtEl>
+                                        <p:attrNameLst>
+                                          <p:attrName>ppt_y</p:attrName>
+                                        </p:attrNameLst>
+                                      </p:cBhvr>
+                                      <p:tavLst>
+                                        <p:tav tm="0" fmla="#ppt_y-sin(pi*$)/3">
+                                          <p:val>
+                                            <p:fltVal val="0.5"/>
+                                          </p:val>
+                                        </p:tav>
+                                        <p:tav tm="100000">
+                                          <p:val>
+                                            <p:fltVal val="1"/>
+                                          </p:val>
+                                        </p:tav>
+                                      </p:tavLst>
+                                    </p:anim>
+                                    <p:anim calcmode="lin" valueType="num">
+                                      <p:cBhvr>
+                                        <p:cTn id="10" dur="664" tmFilter="0, 0; 0.125,0.2665; 0.25,0.4; 0.375,0.465; 0.5,0.5;  0.625,0.535; 0.75,0.6; 0.875,0.7335; 1,1">
+                                          <p:stCondLst>
+                                            <p:cond delay="664"/>
+                                          </p:stCondLst>
+                                        </p:cTn>
+                                        <p:tgtEl>
+                                          <p:spTgt spid="2"/>
+                                        </p:tgtEl>
+                                        <p:attrNameLst>
+                                          <p:attrName>ppt_y</p:attrName>
+                                        </p:attrNameLst>
+                                      </p:cBhvr>
+                                      <p:tavLst>
+                                        <p:tav tm="0" fmla="#ppt_y-sin(pi*$)/9">
+                                          <p:val>
+                                            <p:fltVal val="0"/>
+                                          </p:val>
+                                        </p:tav>
+                                        <p:tav tm="100000">
+                                          <p:val>
+                                            <p:fltVal val="1"/>
+                                          </p:val>
+                                        </p:tav>
+                                      </p:tavLst>
+                                    </p:anim>
+                                    <p:anim calcmode="lin" valueType="num">
+                                      <p:cBhvr>
+                                        <p:cTn id="11" dur="332" tmFilter="0, 0; 0.125,0.2665; 0.25,0.4; 0.375,0.465; 0.5,0.5;  0.625,0.535; 0.75,0.6; 0.875,0.7335; 1,1">
+                                          <p:stCondLst>
+                                            <p:cond delay="1324"/>
+                                          </p:stCondLst>
+                                        </p:cTn>
+                                        <p:tgtEl>
+                                          <p:spTgt spid="2"/>
+                                        </p:tgtEl>
+                                        <p:attrNameLst>
+                                          <p:attrName>ppt_y</p:attrName>
+                                        </p:attrNameLst>
+                                      </p:cBhvr>
+                                      <p:tavLst>
+                                        <p:tav tm="0" fmla="#ppt_y-sin(pi*$)/27">
+                                          <p:val>
+                                            <p:fltVal val="0"/>
+                                          </p:val>
+                                        </p:tav>
+                                        <p:tav tm="100000">
+                                          <p:val>
+                                            <p:fltVal val="1"/>
+                                          </p:val>
+                                        </p:tav>
+                                      </p:tavLst>
+                                    </p:anim>
+                                    <p:anim calcmode="lin" valueType="num">
+                                      <p:cBhvr>
+                                        <p:cTn id="12" dur="164" tmFilter="0, 0; 0.125,0.2665; 0.25,0.4; 0.375,0.465; 0.5,0.5;  0.625,0.535; 0.75,0.6; 0.875,0.7335; 1,1">
+                                          <p:stCondLst>
+                                            <p:cond delay="1656"/>
+                                          </p:stCondLst>
+                                        </p:cTn>
+                                        <p:tgtEl>
+                                          <p:spTgt spid="2"/>
+                                        </p:tgtEl>
+                                        <p:attrNameLst>
+                                          <p:attrName>ppt_y</p:attrName>
+                                        </p:attrNameLst>
+                                      </p:cBhvr>
+                                      <p:tavLst>
+                                        <p:tav tm="0" fmla="#ppt_y-sin(pi*$)/81">
+                                          <p:val>
+                                            <p:fltVal val="0"/>
+                                          </p:val>
+                                        </p:tav>
+                                        <p:tav tm="100000">
+                                          <p:val>
+                                            <p:fltVal val="1"/>
+                                          </p:val>
+                                        </p:tav>
+                                      </p:tavLst>
+                                    </p:anim>
+                                    <p:animScale>
+                                      <p:cBhvr>
+                                        <p:cTn id="13" dur="26">
+                                          <p:stCondLst>
+                                            <p:cond delay="650"/>
+                                          </p:stCondLst>
+                                        </p:cTn>
+                                        <p:tgtEl>
+                                          <p:spTgt spid="2"/>
+                                        </p:tgtEl>
+                                      </p:cBhvr>
+                                      <p:to x="100000" y="60000"/>
+                                    </p:animScale>
+                                    <p:animScale>
+                                      <p:cBhvr>
+                                        <p:cTn id="14" dur="166" decel="50000">
+                                          <p:stCondLst>
+                                            <p:cond delay="676"/>
+                                          </p:stCondLst>
+                                        </p:cTn>
+                                        <p:tgtEl>
+                                          <p:spTgt spid="2"/>
+                                        </p:tgtEl>
+                                      </p:cBhvr>
+                                      <p:to x="100000" y="100000"/>
+                                    </p:animScale>
+                                    <p:animScale>
+                                      <p:cBhvr>
+                                        <p:cTn id="15" dur="26">
+                                          <p:stCondLst>
+                                            <p:cond delay="1312"/>
+                                          </p:stCondLst>
+                                        </p:cTn>
+                                        <p:tgtEl>
+                                          <p:spTgt spid="2"/>
+                                        </p:tgtEl>
+                                      </p:cBhvr>
+                                      <p:to x="100000" y="80000"/>
+                                    </p:animScale>
+                                    <p:animScale>
+                                      <p:cBhvr>
+                                        <p:cTn id="16" dur="166" decel="50000">
+                                          <p:stCondLst>
+                                            <p:cond delay="1338"/>
+                                          </p:stCondLst>
+                                        </p:cTn>
+                                        <p:tgtEl>
+                                          <p:spTgt spid="2"/>
+                                        </p:tgtEl>
+                                      </p:cBhvr>
+                                      <p:to x="100000" y="100000"/>
+                                    </p:animScale>
+                                    <p:animScale>
+                                      <p:cBhvr>
+                                        <p:cTn id="17" dur="26">
+                                          <p:stCondLst>
+                                            <p:cond delay="1642"/>
+                                          </p:stCondLst>
+                                        </p:cTn>
+                                        <p:tgtEl>
+                                          <p:spTgt spid="2"/>
+                                        </p:tgtEl>
+                                      </p:cBhvr>
+                                      <p:to x="100000" y="90000"/>
+                                    </p:animScale>
+                                    <p:animScale>
+                                      <p:cBhvr>
+                                        <p:cTn id="18" dur="166" decel="50000">
+                                          <p:stCondLst>
+                                            <p:cond delay="1668"/>
+                                          </p:stCondLst>
+                                        </p:cTn>
+                                        <p:tgtEl>
+                                          <p:spTgt spid="2"/>
+                                        </p:tgtEl>
+                                      </p:cBhvr>
+                                      <p:to x="100000" y="100000"/>
+                                    </p:animScale>
+                                    <p:animScale>
+                                      <p:cBhvr>
+                                        <p:cTn id="19" dur="26">
+                                          <p:stCondLst>
+                                            <p:cond delay="1808"/>
+                                          </p:stCondLst>
+                                        </p:cTn>
+                                        <p:tgtEl>
+                                          <p:spTgt spid="2"/>
+                                        </p:tgtEl>
+                                      </p:cBhvr>
+                                      <p:to x="100000" y="95000"/>
+                                    </p:animScale>
+                                    <p:animScale>
+                                      <p:cBhvr>
+                                        <p:cTn id="20" dur="166" decel="50000">
+                                          <p:stCondLst>
+                                            <p:cond delay="1834"/>
+                                          </p:stCondLst>
+                                        </p:cTn>
+                                        <p:tgtEl>
+                                          <p:spTgt spid="2"/>
+                                        </p:tgtEl>
+                                      </p:cBhvr>
+                                      <p:to x="100000" y="100000"/>
+                                    </p:animScale>
+                                  </p:childTnLst>
+                                </p:cTn>
+                              </p:par>
+                              <p:par>
+                                <p:cTn id="21" presetID="26" presetClass="entr" presetSubtype="0" fill="hold" grpId="0" nodeType="withEffect">
+                                  <p:stCondLst>
+                                    <p:cond delay="500"/>
+                                  </p:stCondLst>
+                                  <p:childTnLst>
+                                    <p:set>
+                                      <p:cBhvr>
+                                        <p:cTn id="22" dur="1" fill="hold">
+                                          <p:stCondLst>
+                                            <p:cond delay="0"/>
+                                          </p:stCondLst>
+                                        </p:cTn>
+                                        <p:tgtEl>
+                                          <p:spTgt spid="6"/>
+                                        </p:tgtEl>
+                                        <p:attrNameLst>
+                                          <p:attrName>style.visibility</p:attrName>
+                                        </p:attrNameLst>
+                                      </p:cBhvr>
+                                      <p:to>
+                                        <p:strVal val="visible"/>
+                                      </p:to>
+                                    </p:set>
+                                    <p:animEffect transition="in" filter="wipe(down)">
+                                      <p:cBhvr>
+                                        <p:cTn id="23" dur="580">
+                                          <p:stCondLst>
+                                            <p:cond delay="0"/>
+                                          </p:stCondLst>
+                                        </p:cTn>
+                                        <p:tgtEl>
+                                          <p:spTgt spid="6"/>
+                                        </p:tgtEl>
+                                      </p:cBhvr>
+                                    </p:animEffect>
+                                    <p:anim calcmode="lin" valueType="num">
+                                      <p:cBhvr>
+                                        <p:cTn id="24" dur="1822" tmFilter="0,0; 0.14,0.36; 0.43,0.73; 0.71,0.91; 1.0,1.0">
+                                          <p:stCondLst>
+                                            <p:cond delay="0"/>
+                                          </p:stCondLst>
+                                        </p:cTn>
+                                        <p:tgtEl>
+                                          <p:spTgt spid="6"/>
+                                        </p:tgtEl>
+                                        <p:attrNameLst>
+                                          <p:attrName>ppt_x</p:attrName>
+                                        </p:attrNameLst>
+                                      </p:cBhvr>
+                                      <p:tavLst>
+                                        <p:tav tm="0">
+                                          <p:val>
+                                            <p:strVal val="#ppt_x-0.25"/>
+                                          </p:val>
+                                        </p:tav>
+                                        <p:tav tm="100000">
+                                          <p:val>
+                                            <p:strVal val="#ppt_x"/>
+                                          </p:val>
+                                        </p:tav>
+                                      </p:tavLst>
+                                    </p:anim>
+                                    <p:anim calcmode="lin" valueType="num">
+                                      <p:cBhvr>
+                                        <p:cTn id="25" dur="664" tmFilter="0.0,0.0; 0.25,0.07; 0.50,0.2; 0.75,0.467; 1.0,1.0">
+                                          <p:stCondLst>
+                                            <p:cond delay="0"/>
+                                          </p:stCondLst>
+                                        </p:cTn>
+                                        <p:tgtEl>
+                                          <p:spTgt spid="6"/>
+                                        </p:tgtEl>
+                                        <p:attrNameLst>
+                                          <p:attrName>ppt_y</p:attrName>
+                                        </p:attrNameLst>
+                                      </p:cBhvr>
+                                      <p:tavLst>
+                                        <p:tav tm="0" fmla="#ppt_y-sin(pi*$)/3">
+                                          <p:val>
+                                            <p:fltVal val="0.5"/>
+                                          </p:val>
+                                        </p:tav>
+                                        <p:tav tm="100000">
+                                          <p:val>
+                                            <p:fltVal val="1"/>
+                                          </p:val>
+                                        </p:tav>
+                                      </p:tavLst>
+                                    </p:anim>
+                                    <p:anim calcmode="lin" valueType="num">
+                                      <p:cBhvr>
+                                        <p:cTn id="26" dur="664" tmFilter="0, 0; 0.125,0.2665; 0.25,0.4; 0.375,0.465; 0.5,0.5;  0.625,0.535; 0.75,0.6; 0.875,0.7335; 1,1">
+                                          <p:stCondLst>
+                                            <p:cond delay="664"/>
+                                          </p:stCondLst>
+                                        </p:cTn>
+                                        <p:tgtEl>
+                                          <p:spTgt spid="6"/>
+                                        </p:tgtEl>
+                                        <p:attrNameLst>
+                                          <p:attrName>ppt_y</p:attrName>
+                                        </p:attrNameLst>
+                                      </p:cBhvr>
+                                      <p:tavLst>
+                                        <p:tav tm="0" fmla="#ppt_y-sin(pi*$)/9">
+                                          <p:val>
+                                            <p:fltVal val="0"/>
+                                          </p:val>
+                                        </p:tav>
+                                        <p:tav tm="100000">
+                                          <p:val>
+                                            <p:fltVal val="1"/>
+                                          </p:val>
+                                        </p:tav>
+                                      </p:tavLst>
+                                    </p:anim>
+                                    <p:anim calcmode="lin" valueType="num">
+                                      <p:cBhvr>
+                                        <p:cTn id="27" dur="332" tmFilter="0, 0; 0.125,0.2665; 0.25,0.4; 0.375,0.465; 0.5,0.5;  0.625,0.535; 0.75,0.6; 0.875,0.7335; 1,1">
+                                          <p:stCondLst>
+                                            <p:cond delay="1324"/>
+                                          </p:stCondLst>
+                                        </p:cTn>
+                                        <p:tgtEl>
+                                          <p:spTgt spid="6"/>
+                                        </p:tgtEl>
+                                        <p:attrNameLst>
+                                          <p:attrName>ppt_y</p:attrName>
+                                        </p:attrNameLst>
+                                      </p:cBhvr>
+                                      <p:tavLst>
+                                        <p:tav tm="0" fmla="#ppt_y-sin(pi*$)/27">
+                                          <p:val>
+                                            <p:fltVal val="0"/>
+                                          </p:val>
+                                        </p:tav>
+                                        <p:tav tm="100000">
+                                          <p:val>
+                                            <p:fltVal val="1"/>
+                                          </p:val>
+                                        </p:tav>
+                                      </p:tavLst>
+                                    </p:anim>
+                                    <p:anim calcmode="lin" valueType="num">
+                                      <p:cBhvr>
+                                        <p:cTn id="28" dur="164" tmFilter="0, 0; 0.125,0.2665; 0.25,0.4; 0.375,0.465; 0.5,0.5;  0.625,0.535; 0.75,0.6; 0.875,0.7335; 1,1">
+                                          <p:stCondLst>
+                                            <p:cond delay="1656"/>
+                                          </p:stCondLst>
+                                        </p:cTn>
+                                        <p:tgtEl>
+                                          <p:spTgt spid="6"/>
+                                        </p:tgtEl>
+                                        <p:attrNameLst>
+                                          <p:attrName>ppt_y</p:attrName>
+                                        </p:attrNameLst>
+                                      </p:cBhvr>
+                                      <p:tavLst>
+                                        <p:tav tm="0" fmla="#ppt_y-sin(pi*$)/81">
+                                          <p:val>
+                                            <p:fltVal val="0"/>
+                                          </p:val>
+                                        </p:tav>
+                                        <p:tav tm="100000">
+                                          <p:val>
+                                            <p:fltVal val="1"/>
+                                          </p:val>
+                                        </p:tav>
+                                      </p:tavLst>
+                                    </p:anim>
+                                    <p:animScale>
+                                      <p:cBhvr>
+                                        <p:cTn id="29" dur="26">
+                                          <p:stCondLst>
+                                            <p:cond delay="650"/>
+                                          </p:stCondLst>
+                                        </p:cTn>
+                                        <p:tgtEl>
+                                          <p:spTgt spid="6"/>
+                                        </p:tgtEl>
+                                      </p:cBhvr>
+                                      <p:to x="100000" y="60000"/>
+                                    </p:animScale>
+                                    <p:animScale>
+                                      <p:cBhvr>
+                                        <p:cTn id="30" dur="166" decel="50000">
+                                          <p:stCondLst>
+                                            <p:cond delay="676"/>
+                                          </p:stCondLst>
+                                        </p:cTn>
+                                        <p:tgtEl>
+                                          <p:spTgt spid="6"/>
+                                        </p:tgtEl>
+                                      </p:cBhvr>
+                                      <p:to x="100000" y="100000"/>
+                                    </p:animScale>
+                                    <p:animScale>
+                                      <p:cBhvr>
+                                        <p:cTn id="31" dur="26">
+                                          <p:stCondLst>
+                                            <p:cond delay="1312"/>
+                                          </p:stCondLst>
+                                        </p:cTn>
+                                        <p:tgtEl>
+                                          <p:spTgt spid="6"/>
+                                        </p:tgtEl>
+                                      </p:cBhvr>
+                                      <p:to x="100000" y="80000"/>
+                                    </p:animScale>
+                                    <p:animScale>
+                                      <p:cBhvr>
+                                        <p:cTn id="32" dur="166" decel="50000">
+                                          <p:stCondLst>
+                                            <p:cond delay="1338"/>
+                                          </p:stCondLst>
+                                        </p:cTn>
+                                        <p:tgtEl>
+                                          <p:spTgt spid="6"/>
+                                        </p:tgtEl>
+                                      </p:cBhvr>
+                                      <p:to x="100000" y="100000"/>
+                                    </p:animScale>
+                                    <p:animScale>
+                                      <p:cBhvr>
+                                        <p:cTn id="33" dur="26">
+                                          <p:stCondLst>
+                                            <p:cond delay="1642"/>
+                                          </p:stCondLst>
+                                        </p:cTn>
+                                        <p:tgtEl>
+                                          <p:spTgt spid="6"/>
+                                        </p:tgtEl>
+                                      </p:cBhvr>
+                                      <p:to x="100000" y="90000"/>
+                                    </p:animScale>
+                                    <p:animScale>
+                                      <p:cBhvr>
+                                        <p:cTn id="34" dur="166" decel="50000">
+                                          <p:stCondLst>
+                                            <p:cond delay="1668"/>
+                                          </p:stCondLst>
+                                        </p:cTn>
+                                        <p:tgtEl>
+                                          <p:spTgt spid="6"/>
+                                        </p:tgtEl>
+                                      </p:cBhvr>
+                                      <p:to x="100000" y="100000"/>
+                                    </p:animScale>
+                                    <p:animScale>
+                                      <p:cBhvr>
+                                        <p:cTn id="35" dur="26">
+                                          <p:stCondLst>
+                                            <p:cond delay="1808"/>
+                                          </p:stCondLst>
+                                        </p:cTn>
+                                        <p:tgtEl>
+                                          <p:spTgt spid="6"/>
+                                        </p:tgtEl>
+                                      </p:cBhvr>
+                                      <p:to x="100000" y="95000"/>
+                                    </p:animScale>
+                                    <p:animScale>
+                                      <p:cBhvr>
+                                        <p:cTn id="36" dur="166" decel="50000">
+                                          <p:stCondLst>
+                                            <p:cond delay="1834"/>
+                                          </p:stCondLst>
+                                        </p:cTn>
+                                        <p:tgtEl>
+                                          <p:spTgt spid="6"/>
+                                        </p:tgtEl>
+                                      </p:cBhvr>
+                                      <p:to x="100000" y="100000"/>
+                                    </p:animScale>
+                                  </p:childTnLst>
+                                </p:cTn>
+                              </p:par>
+                              <p:par>
+                                <p:cTn id="37" presetID="26" presetClass="entr" presetSubtype="0" fill="hold" grpId="0" nodeType="withEffect">
+                                  <p:stCondLst>
+                                    <p:cond delay="1000"/>
+                                  </p:stCondLst>
+                                  <p:childTnLst>
+                                    <p:set>
+                                      <p:cBhvr>
+                                        <p:cTn id="38" dur="1" fill="hold">
+                                          <p:stCondLst>
+                                            <p:cond delay="0"/>
+                                          </p:stCondLst>
+                                        </p:cTn>
+                                        <p:tgtEl>
+                                          <p:spTgt spid="7"/>
+                                        </p:tgtEl>
+                                        <p:attrNameLst>
+                                          <p:attrName>style.visibility</p:attrName>
+                                        </p:attrNameLst>
+                                      </p:cBhvr>
+                                      <p:to>
+                                        <p:strVal val="visible"/>
+                                      </p:to>
+                                    </p:set>
+                                    <p:animEffect transition="in" filter="wipe(down)">
+                                      <p:cBhvr>
+                                        <p:cTn id="39" dur="580">
+                                          <p:stCondLst>
+                                            <p:cond delay="0"/>
+                                          </p:stCondLst>
+                                        </p:cTn>
+                                        <p:tgtEl>
+                                          <p:spTgt spid="7"/>
+                                        </p:tgtEl>
+                                      </p:cBhvr>
+                                    </p:animEffect>
+                                    <p:anim calcmode="lin" valueType="num">
+                                      <p:cBhvr>
+                                        <p:cTn id="40" dur="1822" tmFilter="0,0; 0.14,0.36; 0.43,0.73; 0.71,0.91; 1.0,1.0">
+                                          <p:stCondLst>
+                                            <p:cond delay="0"/>
+                                          </p:stCondLst>
+                                        </p:cTn>
+                                        <p:tgtEl>
+                                          <p:spTgt spid="7"/>
+                                        </p:tgtEl>
+                                        <p:attrNameLst>
+                                          <p:attrName>ppt_x</p:attrName>
+                                        </p:attrNameLst>
+                                      </p:cBhvr>
+                                      <p:tavLst>
+                                        <p:tav tm="0">
+                                          <p:val>
+                                            <p:strVal val="#ppt_x-0.25"/>
+                                          </p:val>
+                                        </p:tav>
+                                        <p:tav tm="100000">
+                                          <p:val>
+                                            <p:strVal val="#ppt_x"/>
+                                          </p:val>
+                                        </p:tav>
+                                      </p:tavLst>
+                                    </p:anim>
+                                    <p:anim calcmode="lin" valueType="num">
+                                      <p:cBhvr>
+                                        <p:cTn id="41" dur="664" tmFilter="0.0,0.0; 0.25,0.07; 0.50,0.2; 0.75,0.467; 1.0,1.0">
+                                          <p:stCondLst>
+                                            <p:cond delay="0"/>
+                                          </p:stCondLst>
+                                        </p:cTn>
+                                        <p:tgtEl>
+                                          <p:spTgt spid="7"/>
+                                        </p:tgtEl>
+                                        <p:attrNameLst>
+                                          <p:attrName>ppt_y</p:attrName>
+                                        </p:attrNameLst>
+                                      </p:cBhvr>
+                                      <p:tavLst>
+                                        <p:tav tm="0" fmla="#ppt_y-sin(pi*$)/3">
+                                          <p:val>
+                                            <p:fltVal val="0.5"/>
+                                          </p:val>
+                                        </p:tav>
+                                        <p:tav tm="100000">
+                                          <p:val>
+                                            <p:fltVal val="1"/>
+                                          </p:val>
+                                        </p:tav>
+                                      </p:tavLst>
+                                    </p:anim>
+                                    <p:anim calcmode="lin" valueType="num">
+                                      <p:cBhvr>
+                                        <p:cTn id="42" dur="664" tmFilter="0, 0; 0.125,0.2665; 0.25,0.4; 0.375,0.465; 0.5,0.5;  0.625,0.535; 0.75,0.6; 0.875,0.7335; 1,1">
+                                          <p:stCondLst>
+                                            <p:cond delay="664"/>
+                                          </p:stCondLst>
+                                        </p:cTn>
+                                        <p:tgtEl>
+                                          <p:spTgt spid="7"/>
+                                        </p:tgtEl>
+                                        <p:attrNameLst>
+                                          <p:attrName>ppt_y</p:attrName>
+                                        </p:attrNameLst>
+                                      </p:cBhvr>
+                                      <p:tavLst>
+                                        <p:tav tm="0" fmla="#ppt_y-sin(pi*$)/9">
+                                          <p:val>
+                                            <p:fltVal val="0"/>
+                                          </p:val>
+                                        </p:tav>
+                                        <p:tav tm="100000">
+                                          <p:val>
+                                            <p:fltVal val="1"/>
+                                          </p:val>
+                                        </p:tav>
+                                      </p:tavLst>
+                                    </p:anim>
+                                    <p:anim calcmode="lin" valueType="num">
+                                      <p:cBhvr>
+                                        <p:cTn id="43" dur="332" tmFilter="0, 0; 0.125,0.2665; 0.25,0.4; 0.375,0.465; 0.5,0.5;  0.625,0.535; 0.75,0.6; 0.875,0.7335; 1,1">
+                                          <p:stCondLst>
+                                            <p:cond delay="1324"/>
+                                          </p:stCondLst>
+                                        </p:cTn>
+                                        <p:tgtEl>
+                                          <p:spTgt spid="7"/>
+                                        </p:tgtEl>
+                                        <p:attrNameLst>
+                                          <p:attrName>ppt_y</p:attrName>
+                                        </p:attrNameLst>
+                                      </p:cBhvr>
+                                      <p:tavLst>
+                                        <p:tav tm="0" fmla="#ppt_y-sin(pi*$)/27">
+                                          <p:val>
+                                            <p:fltVal val="0"/>
+                                          </p:val>
+                                        </p:tav>
+                                        <p:tav tm="100000">
+                                          <p:val>
+                                            <p:fltVal val="1"/>
+                                          </p:val>
+                                        </p:tav>
+                                      </p:tavLst>
+                                    </p:anim>
+                                    <p:anim calcmode="lin" valueType="num">
+                                      <p:cBhvr>
+                                        <p:cTn id="44" dur="164" tmFilter="0, 0; 0.125,0.2665; 0.25,0.4; 0.375,0.465; 0.5,0.5;  0.625,0.535; 0.75,0.6; 0.875,0.7335; 1,1">
+                                          <p:stCondLst>
+                                            <p:cond delay="1656"/>
+                                          </p:stCondLst>
+                                        </p:cTn>
+                                        <p:tgtEl>
+                                          <p:spTgt spid="7"/>
+                                        </p:tgtEl>
+                                        <p:attrNameLst>
+                                          <p:attrName>ppt_y</p:attrName>
+                                        </p:attrNameLst>
+                                      </p:cBhvr>
+                                      <p:tavLst>
+                                        <p:tav tm="0" fmla="#ppt_y-sin(pi*$)/81">
+                                          <p:val>
+                                            <p:fltVal val="0"/>
+                                          </p:val>
+                                        </p:tav>
+                                        <p:tav tm="100000">
+                                          <p:val>
+                                            <p:fltVal val="1"/>
+                                          </p:val>
+                                        </p:tav>
+                                      </p:tavLst>
+                                    </p:anim>
+                                    <p:animScale>
+                                      <p:cBhvr>
+                                        <p:cTn id="45" dur="26">
+                                          <p:stCondLst>
+                                            <p:cond delay="650"/>
+                                          </p:stCondLst>
+                                        </p:cTn>
+                                        <p:tgtEl>
+                                          <p:spTgt spid="7"/>
+                                        </p:tgtEl>
+                                      </p:cBhvr>
+                                      <p:to x="100000" y="60000"/>
+                                    </p:animScale>
+                                    <p:animScale>
+                                      <p:cBhvr>
+                                        <p:cTn id="46" dur="166" decel="50000">
+                                          <p:stCondLst>
+                                            <p:cond delay="676"/>
+                                          </p:stCondLst>
+                                        </p:cTn>
+                                        <p:tgtEl>
+                                          <p:spTgt spid="7"/>
+                                        </p:tgtEl>
+                                      </p:cBhvr>
+                                      <p:to x="100000" y="100000"/>
+                                    </p:animScale>
+                                    <p:animScale>
+                                      <p:cBhvr>
+                                        <p:cTn id="47" dur="26">
+                                          <p:stCondLst>
+                                            <p:cond delay="1312"/>
+                                          </p:stCondLst>
+                                        </p:cTn>
+                                        <p:tgtEl>
+                                          <p:spTgt spid="7"/>
+                                        </p:tgtEl>
+                                      </p:cBhvr>
+                                      <p:to x="100000" y="80000"/>
+                                    </p:animScale>
+                                    <p:animScale>
+                                      <p:cBhvr>
+                                        <p:cTn id="48" dur="166" decel="50000">
+                                          <p:stCondLst>
+                                            <p:cond delay="1338"/>
+                                          </p:stCondLst>
+                                        </p:cTn>
+                                        <p:tgtEl>
+                                          <p:spTgt spid="7"/>
+                                        </p:tgtEl>
+                                      </p:cBhvr>
+                                      <p:to x="100000" y="100000"/>
+                                    </p:animScale>
+                                    <p:animScale>
+                                      <p:cBhvr>
+                                        <p:cTn id="49" dur="26">
+                                          <p:stCondLst>
+                                            <p:cond delay="1642"/>
+                                          </p:stCondLst>
+                                        </p:cTn>
+                                        <p:tgtEl>
+                                          <p:spTgt spid="7"/>
+                                        </p:tgtEl>
+                                      </p:cBhvr>
+                                      <p:to x="100000" y="90000"/>
+                                    </p:animScale>
+                                    <p:animScale>
+                                      <p:cBhvr>
+                                        <p:cTn id="50" dur="166" decel="50000">
+                                          <p:stCondLst>
+                                            <p:cond delay="1668"/>
+                                          </p:stCondLst>
+                                        </p:cTn>
+                                        <p:tgtEl>
+                                          <p:spTgt spid="7"/>
+                                        </p:tgtEl>
+                                      </p:cBhvr>
+                                      <p:to x="100000" y="100000"/>
+                                    </p:animScale>
+                                    <p:animScale>
+                                      <p:cBhvr>
+                                        <p:cTn id="51" dur="26">
+                                          <p:stCondLst>
+                                            <p:cond delay="1808"/>
+                                          </p:stCondLst>
+                                        </p:cTn>
+                                        <p:tgtEl>
+                                          <p:spTgt spid="7"/>
+                                        </p:tgtEl>
+                                      </p:cBhvr>
+                                      <p:to x="100000" y="95000"/>
+                                    </p:animScale>
+                                    <p:animScale>
+                                      <p:cBhvr>
+                                        <p:cTn id="52" dur="166" decel="50000">
+                                          <p:stCondLst>
+                                            <p:cond delay="1834"/>
+                                          </p:stCondLst>
+                                        </p:cTn>
+                                        <p:tgtEl>
+                                          <p:spTgt spid="7"/>
+                                        </p:tgtEl>
+                                      </p:cBhvr>
+                                      <p:to x="100000" y="100000"/>
+                                    </p:animScale>
+                                  </p:childTnLst>
+                                </p:cTn>
+                              </p:par>
+                              <p:par>
+                                <p:cTn id="53" presetID="26" presetClass="entr" presetSubtype="0" fill="hold" grpId="0" nodeType="withEffect">
+                                  <p:stCondLst>
+                                    <p:cond delay="1500"/>
+                                  </p:stCondLst>
+                                  <p:childTnLst>
+                                    <p:set>
+                                      <p:cBhvr>
+                                        <p:cTn id="54" dur="1" fill="hold">
+                                          <p:stCondLst>
+                                            <p:cond delay="0"/>
+                                          </p:stCondLst>
+                                        </p:cTn>
+                                        <p:tgtEl>
+                                          <p:spTgt spid="8"/>
+                                        </p:tgtEl>
+                                        <p:attrNameLst>
+                                          <p:attrName>style.visibility</p:attrName>
+                                        </p:attrNameLst>
+                                      </p:cBhvr>
+                                      <p:to>
+                                        <p:strVal val="visible"/>
+                                      </p:to>
+                                    </p:set>
+                                    <p:animEffect transition="in" filter="wipe(down)">
+                                      <p:cBhvr>
+                                        <p:cTn id="55" dur="580">
+                                          <p:stCondLst>
+                                            <p:cond delay="0"/>
+                                          </p:stCondLst>
+                                        </p:cTn>
+                                        <p:tgtEl>
+                                          <p:spTgt spid="8"/>
+                                        </p:tgtEl>
+                                      </p:cBhvr>
+                                    </p:animEffect>
+                                    <p:anim calcmode="lin" valueType="num">
+                                      <p:cBhvr>
+                                        <p:cTn id="56" dur="1822" tmFilter="0,0; 0.14,0.36; 0.43,0.73; 0.71,0.91; 1.0,1.0">
+                                          <p:stCondLst>
+                                            <p:cond delay="0"/>
+                                          </p:stCondLst>
+                                        </p:cTn>
+                                        <p:tgtEl>
+                                          <p:spTgt spid="8"/>
+                                        </p:tgtEl>
+                                        <p:attrNameLst>
+                                          <p:attrName>ppt_x</p:attrName>
+                                        </p:attrNameLst>
+                                      </p:cBhvr>
+                                      <p:tavLst>
+                                        <p:tav tm="0">
+                                          <p:val>
+                                            <p:strVal val="#ppt_x-0.25"/>
+                                          </p:val>
+                                        </p:tav>
+                                        <p:tav tm="100000">
+                                          <p:val>
+                                            <p:strVal val="#ppt_x"/>
+                                          </p:val>
+                                        </p:tav>
+                                      </p:tavLst>
+                                    </p:anim>
+                                    <p:anim calcmode="lin" valueType="num">
+                                      <p:cBhvr>
+                                        <p:cTn id="57" dur="664" tmFilter="0.0,0.0; 0.25,0.07; 0.50,0.2; 0.75,0.467; 1.0,1.0">
+                                          <p:stCondLst>
+                                            <p:cond delay="0"/>
+                                          </p:stCondLst>
+                                        </p:cTn>
+                                        <p:tgtEl>
+                                          <p:spTgt spid="8"/>
+                                        </p:tgtEl>
+                                        <p:attrNameLst>
+                                          <p:attrName>ppt_y</p:attrName>
+                                        </p:attrNameLst>
+                                      </p:cBhvr>
+                                      <p:tavLst>
+                                        <p:tav tm="0" fmla="#ppt_y-sin(pi*$)/3">
+                                          <p:val>
+                                            <p:fltVal val="0.5"/>
+                                          </p:val>
+                                        </p:tav>
+                                        <p:tav tm="100000">
+                                          <p:val>
+                                            <p:fltVal val="1"/>
+                                          </p:val>
+                                        </p:tav>
+                                      </p:tavLst>
+                                    </p:anim>
+                                    <p:anim calcmode="lin" valueType="num">
+                                      <p:cBhvr>
+                                        <p:cTn id="58" dur="664" tmFilter="0, 0; 0.125,0.2665; 0.25,0.4; 0.375,0.465; 0.5,0.5;  0.625,0.535; 0.75,0.6; 0.875,0.7335; 1,1">
+                                          <p:stCondLst>
+                                            <p:cond delay="664"/>
+                                          </p:stCondLst>
+                                        </p:cTn>
+                                        <p:tgtEl>
+                                          <p:spTgt spid="8"/>
+                                        </p:tgtEl>
+                                        <p:attrNameLst>
+                                          <p:attrName>ppt_y</p:attrName>
+                                        </p:attrNameLst>
+                                      </p:cBhvr>
+                                      <p:tavLst>
+                                        <p:tav tm="0" fmla="#ppt_y-sin(pi*$)/9">
+                                          <p:val>
+                                            <p:fltVal val="0"/>
+                                          </p:val>
+                                        </p:tav>
+                                        <p:tav tm="100000">
+                                          <p:val>
+                                            <p:fltVal val="1"/>
+                                          </p:val>
+                                        </p:tav>
+                                      </p:tavLst>
+                                    </p:anim>
+                                    <p:anim calcmode="lin" valueType="num">
+                                      <p:cBhvr>
+                                        <p:cTn id="59" dur="332" tmFilter="0, 0; 0.125,0.2665; 0.25,0.4; 0.375,0.465; 0.5,0.5;  0.625,0.535; 0.75,0.6; 0.875,0.7335; 1,1">
+                                          <p:stCondLst>
+                                            <p:cond delay="1324"/>
+                                          </p:stCondLst>
+                                        </p:cTn>
+                                        <p:tgtEl>
+                                          <p:spTgt spid="8"/>
+                                        </p:tgtEl>
+                                        <p:attrNameLst>
+                                          <p:attrName>ppt_y</p:attrName>
+                                        </p:attrNameLst>
+                                      </p:cBhvr>
+                                      <p:tavLst>
+                                        <p:tav tm="0" fmla="#ppt_y-sin(pi*$)/27">
+                                          <p:val>
+                                            <p:fltVal val="0"/>
+                                          </p:val>
+                                        </p:tav>
+                                        <p:tav tm="100000">
+                                          <p:val>
+                                            <p:fltVal val="1"/>
+                                          </p:val>
+                                        </p:tav>
+                                      </p:tavLst>
+                                    </p:anim>
+                                    <p:anim calcmode="lin" valueType="num">
+                                      <p:cBhvr>
+                                        <p:cTn id="60" dur="164" tmFilter="0, 0; 0.125,0.2665; 0.25,0.4; 0.375,0.465; 0.5,0.5;  0.625,0.535; 0.75,0.6; 0.875,0.7335; 1,1">
+                                          <p:stCondLst>
+                                            <p:cond delay="1656"/>
+                                          </p:stCondLst>
+                                        </p:cTn>
+                                        <p:tgtEl>
+                                          <p:spTgt spid="8"/>
+                                        </p:tgtEl>
+                                        <p:attrNameLst>
+                                          <p:attrName>ppt_y</p:attrName>
+                                        </p:attrNameLst>
+                                      </p:cBhvr>
+                                      <p:tavLst>
+                                        <p:tav tm="0" fmla="#ppt_y-sin(pi*$)/81">
+                                          <p:val>
+                                            <p:fltVal val="0"/>
+                                          </p:val>
+                                        </p:tav>
+                                        <p:tav tm="100000">
+                                          <p:val>
+                                            <p:fltVal val="1"/>
+                                          </p:val>
+                                        </p:tav>
+                                      </p:tavLst>
+                                    </p:anim>
+                                    <p:animScale>
+                                      <p:cBhvr>
+                                        <p:cTn id="61" dur="26">
+                                          <p:stCondLst>
+                                            <p:cond delay="650"/>
+                                          </p:stCondLst>
+                                        </p:cTn>
+                                        <p:tgtEl>
+                                          <p:spTgt spid="8"/>
+                                        </p:tgtEl>
+                                      </p:cBhvr>
+                                      <p:to x="100000" y="60000"/>
+                                    </p:animScale>
+                                    <p:animScale>
+                                      <p:cBhvr>
+                                        <p:cTn id="62" dur="166" decel="50000">
+                                          <p:stCondLst>
+                                            <p:cond delay="676"/>
+                                          </p:stCondLst>
+                                        </p:cTn>
+                                        <p:tgtEl>
+                                          <p:spTgt spid="8"/>
+                                        </p:tgtEl>
+                                      </p:cBhvr>
+                                      <p:to x="100000" y="100000"/>
+                                    </p:animScale>
+                                    <p:animScale>
+                                      <p:cBhvr>
+                                        <p:cTn id="63" dur="26">
+                                          <p:stCondLst>
+                                            <p:cond delay="1312"/>
+                                          </p:stCondLst>
+                                        </p:cTn>
+                                        <p:tgtEl>
+                                          <p:spTgt spid="8"/>
+                                        </p:tgtEl>
+                                      </p:cBhvr>
+                                      <p:to x="100000" y="80000"/>
+                                    </p:animScale>
+                                    <p:animScale>
+                                      <p:cBhvr>
+                                        <p:cTn id="64" dur="166" decel="50000">
+                                          <p:stCondLst>
+                                            <p:cond delay="1338"/>
+                                          </p:stCondLst>
+                                        </p:cTn>
+                                        <p:tgtEl>
+                                          <p:spTgt spid="8"/>
+                                        </p:tgtEl>
+                                      </p:cBhvr>
+                                      <p:to x="100000" y="100000"/>
+                                    </p:animScale>
+                                    <p:animScale>
+                                      <p:cBhvr>
+                                        <p:cTn id="65" dur="26">
+                                          <p:stCondLst>
+                                            <p:cond delay="1642"/>
+                                          </p:stCondLst>
+                                        </p:cTn>
+                                        <p:tgtEl>
+                                          <p:spTgt spid="8"/>
+                                        </p:tgtEl>
+                                      </p:cBhvr>
+                                      <p:to x="100000" y="90000"/>
+                                    </p:animScale>
+                                    <p:animScale>
+                                      <p:cBhvr>
+                                        <p:cTn id="66" dur="166" decel="50000">
+                                          <p:stCondLst>
+                                            <p:cond delay="1668"/>
+                                          </p:stCondLst>
+                                        </p:cTn>
+                                        <p:tgtEl>
+                                          <p:spTgt spid="8"/>
+                                        </p:tgtEl>
+                                      </p:cBhvr>
+                                      <p:to x="100000" y="100000"/>
+                                    </p:animScale>
+                                    <p:animScale>
+                                      <p:cBhvr>
+                                        <p:cTn id="67" dur="26">
+                                          <p:stCondLst>
+                                            <p:cond delay="1808"/>
+                                          </p:stCondLst>
+                                        </p:cTn>
+                                        <p:tgtEl>
+                                          <p:spTgt spid="8"/>
+                                        </p:tgtEl>
+                                      </p:cBhvr>
+                                      <p:to x="100000" y="95000"/>
+                                    </p:animScale>
+                                    <p:animScale>
+                                      <p:cBhvr>
+                                        <p:cTn id="68" dur="166" decel="50000">
+                                          <p:stCondLst>
+                                            <p:cond delay="1834"/>
+                                          </p:stCondLst>
+                                        </p:cTn>
+                                        <p:tgtEl>
+                                          <p:spTgt spid="8"/>
+                                        </p:tgtEl>
+                                      </p:cBhvr>
+                                      <p:to x="100000" y="100000"/>
+                                    </p:animScale>
+                                  </p:childTnLst>
+                                </p:cTn>
+                              </p:par>
+                              <p:par>
+                                <p:cTn id="69" presetID="26" presetClass="entr" presetSubtype="0" fill="hold" grpId="0" nodeType="withEffect">
+                                  <p:stCondLst>
+                                    <p:cond delay="2000"/>
+                                  </p:stCondLst>
+                                  <p:childTnLst>
+                                    <p:set>
+                                      <p:cBhvr>
+                                        <p:cTn id="70" dur="1" fill="hold">
+                                          <p:stCondLst>
+                                            <p:cond delay="0"/>
+                                          </p:stCondLst>
+                                        </p:cTn>
+                                        <p:tgtEl>
+                                          <p:spTgt spid="9"/>
+                                        </p:tgtEl>
+                                        <p:attrNameLst>
+                                          <p:attrName>style.visibility</p:attrName>
+                                        </p:attrNameLst>
+                                      </p:cBhvr>
+                                      <p:to>
+                                        <p:strVal val="visible"/>
+                                      </p:to>
+                                    </p:set>
+                                    <p:animEffect transition="in" filter="wipe(down)">
+                                      <p:cBhvr>
+                                        <p:cTn id="71" dur="580">
+                                          <p:stCondLst>
+                                            <p:cond delay="0"/>
+                                          </p:stCondLst>
+                                        </p:cTn>
+                                        <p:tgtEl>
+                                          <p:spTgt spid="9"/>
+                                        </p:tgtEl>
+                                      </p:cBhvr>
+                                    </p:animEffect>
+                                    <p:anim calcmode="lin" valueType="num">
+                                      <p:cBhvr>
+                                        <p:cTn id="72" dur="1822" tmFilter="0,0; 0.14,0.36; 0.43,0.73; 0.71,0.91; 1.0,1.0">
+                                          <p:stCondLst>
+                                            <p:cond delay="0"/>
+                                          </p:stCondLst>
+                                        </p:cTn>
+                                        <p:tgtEl>
+                                          <p:spTgt spid="9"/>
+                                        </p:tgtEl>
+                                        <p:attrNameLst>
+                                          <p:attrName>ppt_x</p:attrName>
+                                        </p:attrNameLst>
+                                      </p:cBhvr>
+                                      <p:tavLst>
+                                        <p:tav tm="0">
+                                          <p:val>
+                                            <p:strVal val="#ppt_x-0.25"/>
+                                          </p:val>
+                                        </p:tav>
+                                        <p:tav tm="100000">
+                                          <p:val>
+                                            <p:strVal val="#ppt_x"/>
+                                          </p:val>
+                                        </p:tav>
+                                      </p:tavLst>
+                                    </p:anim>
+                                    <p:anim calcmode="lin" valueType="num">
+                                      <p:cBhvr>
+                                        <p:cTn id="73" dur="664" tmFilter="0.0,0.0; 0.25,0.07; 0.50,0.2; 0.75,0.467; 1.0,1.0">
+                                          <p:stCondLst>
+                                            <p:cond delay="0"/>
+                                          </p:stCondLst>
+                                        </p:cTn>
+                                        <p:tgtEl>
+                                          <p:spTgt spid="9"/>
+                                        </p:tgtEl>
+                                        <p:attrNameLst>
+                                          <p:attrName>ppt_y</p:attrName>
+                                        </p:attrNameLst>
+                                      </p:cBhvr>
+                                      <p:tavLst>
+                                        <p:tav tm="0" fmla="#ppt_y-sin(pi*$)/3">
+                                          <p:val>
+                                            <p:fltVal val="0.5"/>
+                                          </p:val>
+                                        </p:tav>
+                                        <p:tav tm="100000">
+                                          <p:val>
+                                            <p:fltVal val="1"/>
+                                          </p:val>
+                                        </p:tav>
+                                      </p:tavLst>
+                                    </p:anim>
+                                    <p:anim calcmode="lin" valueType="num">
+                                      <p:cBhvr>
+                                        <p:cTn id="74" dur="664" tmFilter="0, 0; 0.125,0.2665; 0.25,0.4; 0.375,0.465; 0.5,0.5;  0.625,0.535; 0.75,0.6; 0.875,0.7335; 1,1">
+                                          <p:stCondLst>
+                                            <p:cond delay="664"/>
+                                          </p:stCondLst>
+                                        </p:cTn>
+                                        <p:tgtEl>
+                                          <p:spTgt spid="9"/>
+                                        </p:tgtEl>
+                                        <p:attrNameLst>
+                                          <p:attrName>ppt_y</p:attrName>
+                                        </p:attrNameLst>
+                                      </p:cBhvr>
+                                      <p:tavLst>
+                                        <p:tav tm="0" fmla="#ppt_y-sin(pi*$)/9">
+                                          <p:val>
+                                            <p:fltVal val="0"/>
+                                          </p:val>
+                                        </p:tav>
+                                        <p:tav tm="100000">
+                                          <p:val>
+                                            <p:fltVal val="1"/>
+                                          </p:val>
+                                        </p:tav>
+                                      </p:tavLst>
+                                    </p:anim>
+                                    <p:anim calcmode="lin" valueType="num">
+                                      <p:cBhvr>
+                                        <p:cTn id="75" dur="332" tmFilter="0, 0; 0.125,0.2665; 0.25,0.4; 0.375,0.465; 0.5,0.5;  0.625,0.535; 0.75,0.6; 0.875,0.7335; 1,1">
+                                          <p:stCondLst>
+                                            <p:cond delay="1324"/>
+                                          </p:stCondLst>
+                                        </p:cTn>
+                                        <p:tgtEl>
+                                          <p:spTgt spid="9"/>
+                                        </p:tgtEl>
+                                        <p:attrNameLst>
+                                          <p:attrName>ppt_y</p:attrName>
+                                        </p:attrNameLst>
+                                      </p:cBhvr>
+                                      <p:tavLst>
+                                        <p:tav tm="0" fmla="#ppt_y-sin(pi*$)/27">
+                                          <p:val>
+                                            <p:fltVal val="0"/>
+                                          </p:val>
+                                        </p:tav>
+                                        <p:tav tm="100000">
+                                          <p:val>
+                                            <p:fltVal val="1"/>
+                                          </p:val>
+                                        </p:tav>
+                                      </p:tavLst>
+                                    </p:anim>
+                                    <p:anim calcmode="lin" valueType="num">
+                                      <p:cBhvr>
+                                        <p:cTn id="76" dur="164" tmFilter="0, 0; 0.125,0.2665; 0.25,0.4; 0.375,0.465; 0.5,0.5;  0.625,0.535; 0.75,0.6; 0.875,0.7335; 1,1">
+                                          <p:stCondLst>
+                                            <p:cond delay="1656"/>
+                                          </p:stCondLst>
+                                        </p:cTn>
+                                        <p:tgtEl>
+                                          <p:spTgt spid="9"/>
+                                        </p:tgtEl>
+                                        <p:attrNameLst>
+                                          <p:attrName>ppt_y</p:attrName>
+                                        </p:attrNameLst>
+                                      </p:cBhvr>
+                                      <p:tavLst>
+                                        <p:tav tm="0" fmla="#ppt_y-sin(pi*$)/81">
+                                          <p:val>
+                                            <p:fltVal val="0"/>
+                                          </p:val>
+                                        </p:tav>
+                                        <p:tav tm="100000">
+                                          <p:val>
+                                            <p:fltVal val="1"/>
+                                          </p:val>
+                                        </p:tav>
+                                      </p:tavLst>
+                                    </p:anim>
+                                    <p:animScale>
+                                      <p:cBhvr>
+                                        <p:cTn id="77" dur="26">
+                                          <p:stCondLst>
+                                            <p:cond delay="650"/>
+                                          </p:stCondLst>
+                                        </p:cTn>
+                                        <p:tgtEl>
+                                          <p:spTgt spid="9"/>
+                                        </p:tgtEl>
+                                      </p:cBhvr>
+                                      <p:to x="100000" y="60000"/>
+                                    </p:animScale>
+                                    <p:animScale>
+                                      <p:cBhvr>
+                                        <p:cTn id="78" dur="166" decel="50000">
+                                          <p:stCondLst>
+                                            <p:cond delay="676"/>
+                                          </p:stCondLst>
+                                        </p:cTn>
+                                        <p:tgtEl>
+                                          <p:spTgt spid="9"/>
+                                        </p:tgtEl>
+                                      </p:cBhvr>
+                                      <p:to x="100000" y="100000"/>
+                                    </p:animScale>
+                                    <p:animScale>
+                                      <p:cBhvr>
+                                        <p:cTn id="79" dur="26">
+                                          <p:stCondLst>
+                                            <p:cond delay="1312"/>
+                                          </p:stCondLst>
+                                        </p:cTn>
+                                        <p:tgtEl>
+                                          <p:spTgt spid="9"/>
+                                        </p:tgtEl>
+                                      </p:cBhvr>
+                                      <p:to x="100000" y="80000"/>
+                                    </p:animScale>
+                                    <p:animScale>
+                                      <p:cBhvr>
+                                        <p:cTn id="80" dur="166" decel="50000">
+                                          <p:stCondLst>
+                                            <p:cond delay="1338"/>
+                                          </p:stCondLst>
+                                        </p:cTn>
+                                        <p:tgtEl>
+                                          <p:spTgt spid="9"/>
+                                        </p:tgtEl>
+                                      </p:cBhvr>
+                                      <p:to x="100000" y="100000"/>
+                                    </p:animScale>
+                                    <p:animScale>
+                                      <p:cBhvr>
+                                        <p:cTn id="81" dur="26">
+                                          <p:stCondLst>
+                                            <p:cond delay="1642"/>
+                                          </p:stCondLst>
+                                        </p:cTn>
+                                        <p:tgtEl>
+                                          <p:spTgt spid="9"/>
+                                        </p:tgtEl>
+                                      </p:cBhvr>
+                                      <p:to x="100000" y="90000"/>
+                                    </p:animScale>
+                                    <p:animScale>
+                                      <p:cBhvr>
+                                        <p:cTn id="82" dur="166" decel="50000">
+                                          <p:stCondLst>
+                                            <p:cond delay="1668"/>
+                                          </p:stCondLst>
+                                        </p:cTn>
+                                        <p:tgtEl>
+                                          <p:spTgt spid="9"/>
+                                        </p:tgtEl>
+                                      </p:cBhvr>
+                                      <p:to x="100000" y="100000"/>
+                                    </p:animScale>
+                                    <p:animScale>
+                                      <p:cBhvr>
+                                        <p:cTn id="83" dur="26">
+                                          <p:stCondLst>
+                                            <p:cond delay="1808"/>
+                                          </p:stCondLst>
+                                        </p:cTn>
+                                        <p:tgtEl>
+                                          <p:spTgt spid="9"/>
+                                        </p:tgtEl>
+                                      </p:cBhvr>
+                                      <p:to x="100000" y="95000"/>
+                                    </p:animScale>
+                                    <p:animScale>
+                                      <p:cBhvr>
+                                        <p:cTn id="84" dur="166" decel="50000">
+                                          <p:stCondLst>
+                                            <p:cond delay="1834"/>
+                                          </p:stCondLst>
+                                        </p:cTn>
+                                        <p:tgtEl>
+                                          <p:spTgt spid="9"/>
+                                        </p:tgtEl>
+                                      </p:cBhvr>
+                                      <p:to x="100000" y="100000"/>
+                                    </p:animScale>
+                                  </p:childTnLst>
+                                </p:cTn>
+                              </p:par>
+                              <p:par>
+                                <p:cTn id="85" presetID="26" presetClass="entr" presetSubtype="0" fill="hold" grpId="0" nodeType="withEffect">
+                                  <p:stCondLst>
+                                    <p:cond delay="2500"/>
+                                  </p:stCondLst>
+                                  <p:childTnLst>
+                                    <p:set>
+                                      <p:cBhvr>
+                                        <p:cTn id="86" dur="1" fill="hold">
+                                          <p:stCondLst>
+                                            <p:cond delay="0"/>
+                                          </p:stCondLst>
+                                        </p:cTn>
+                                        <p:tgtEl>
+                                          <p:spTgt spid="10"/>
+                                        </p:tgtEl>
+                                        <p:attrNameLst>
+                                          <p:attrName>style.visibility</p:attrName>
+                                        </p:attrNameLst>
+                                      </p:cBhvr>
+                                      <p:to>
+                                        <p:strVal val="visible"/>
+                                      </p:to>
+                                    </p:set>
+                                    <p:animEffect transition="in" filter="wipe(down)">
+                                      <p:cBhvr>
+                                        <p:cTn id="87" dur="580">
+                                          <p:stCondLst>
+                                            <p:cond delay="0"/>
+                                          </p:stCondLst>
+                                        </p:cTn>
+                                        <p:tgtEl>
+                                          <p:spTgt spid="10"/>
+                                        </p:tgtEl>
+                                      </p:cBhvr>
+                                    </p:animEffect>
+                                    <p:anim calcmode="lin" valueType="num">
+                                      <p:cBhvr>
+                                        <p:cTn id="88" dur="1822" tmFilter="0,0; 0.14,0.36; 0.43,0.73; 0.71,0.91; 1.0,1.0">
+                                          <p:stCondLst>
+                                            <p:cond delay="0"/>
+                                          </p:stCondLst>
+                                        </p:cTn>
+                                        <p:tgtEl>
+                                          <p:spTgt spid="10"/>
+                                        </p:tgtEl>
+                                        <p:attrNameLst>
+                                          <p:attrName>ppt_x</p:attrName>
+                                        </p:attrNameLst>
+                                      </p:cBhvr>
+                                      <p:tavLst>
+                                        <p:tav tm="0">
+                                          <p:val>
+                                            <p:strVal val="#ppt_x-0.25"/>
+                                          </p:val>
+                                        </p:tav>
+                                        <p:tav tm="100000">
+                                          <p:val>
+                                            <p:strVal val="#ppt_x"/>
+                                          </p:val>
+                                        </p:tav>
+                                      </p:tavLst>
+                                    </p:anim>
+                                    <p:anim calcmode="lin" valueType="num">
+                                      <p:cBhvr>
+                                        <p:cTn id="89" dur="664" tmFilter="0.0,0.0; 0.25,0.07; 0.50,0.2; 0.75,0.467; 1.0,1.0">
+                                          <p:stCondLst>
+                                            <p:cond delay="0"/>
+                                          </p:stCondLst>
+                                        </p:cTn>
+                                        <p:tgtEl>
+                                          <p:spTgt spid="10"/>
+                                        </p:tgtEl>
+                                        <p:attrNameLst>
+                                          <p:attrName>ppt_y</p:attrName>
+                                        </p:attrNameLst>
+                                      </p:cBhvr>
+                                      <p:tavLst>
+                                        <p:tav tm="0" fmla="#ppt_y-sin(pi*$)/3">
+                                          <p:val>
+                                            <p:fltVal val="0.5"/>
+                                          </p:val>
+                                        </p:tav>
+                                        <p:tav tm="100000">
+                                          <p:val>
+                                            <p:fltVal val="1"/>
+                                          </p:val>
+                                        </p:tav>
+                                      </p:tavLst>
+                                    </p:anim>
+                                    <p:anim calcmode="lin" valueType="num">
+                                      <p:cBhvr>
+                                        <p:cTn id="90" dur="664" tmFilter="0, 0; 0.125,0.2665; 0.25,0.4; 0.375,0.465; 0.5,0.5;  0.625,0.535; 0.75,0.6; 0.875,0.7335; 1,1">
+                                          <p:stCondLst>
+                                            <p:cond delay="664"/>
+                                          </p:stCondLst>
+                                        </p:cTn>
+                                        <p:tgtEl>
+                                          <p:spTgt spid="10"/>
+                                        </p:tgtEl>
+                                        <p:attrNameLst>
+                                          <p:attrName>ppt_y</p:attrName>
+                                        </p:attrNameLst>
+                                      </p:cBhvr>
+                                      <p:tavLst>
+                                        <p:tav tm="0" fmla="#ppt_y-sin(pi*$)/9">
+                                          <p:val>
+                                            <p:fltVal val="0"/>
+                                          </p:val>
+                                        </p:tav>
+                                        <p:tav tm="100000">
+                                          <p:val>
+                                            <p:fltVal val="1"/>
+                                          </p:val>
+                                        </p:tav>
+                                      </p:tavLst>
+                                    </p:anim>
+                                    <p:anim calcmode="lin" valueType="num">
+                                      <p:cBhvr>
+                                        <p:cTn id="91" dur="332" tmFilter="0, 0; 0.125,0.2665; 0.25,0.4; 0.375,0.465; 0.5,0.5;  0.625,0.535; 0.75,0.6; 0.875,0.7335; 1,1">
+                                          <p:stCondLst>
+                                            <p:cond delay="1324"/>
+                                          </p:stCondLst>
+                                        </p:cTn>
+                                        <p:tgtEl>
+                                          <p:spTgt spid="10"/>
+                                        </p:tgtEl>
+                                        <p:attrNameLst>
+                                          <p:attrName>ppt_y</p:attrName>
+                                        </p:attrNameLst>
+                                      </p:cBhvr>
+                                      <p:tavLst>
+                                        <p:tav tm="0" fmla="#ppt_y-sin(pi*$)/27">
+                                          <p:val>
+                                            <p:fltVal val="0"/>
+                                          </p:val>
+                                        </p:tav>
+                                        <p:tav tm="100000">
+                                          <p:val>
+                                            <p:fltVal val="1"/>
+                                          </p:val>
+                                        </p:tav>
+                                      </p:tavLst>
+                                    </p:anim>
+                                    <p:anim calcmode="lin" valueType="num">
+                                      <p:cBhvr>
+                                        <p:cTn id="92" dur="164" tmFilter="0, 0; 0.125,0.2665; 0.25,0.4; 0.375,0.465; 0.5,0.5;  0.625,0.535; 0.75,0.6; 0.875,0.7335; 1,1">
+                                          <p:stCondLst>
+                                            <p:cond delay="1656"/>
+                                          </p:stCondLst>
+                                        </p:cTn>
+                                        <p:tgtEl>
+                                          <p:spTgt spid="10"/>
+                                        </p:tgtEl>
+                                        <p:attrNameLst>
+                                          <p:attrName>ppt_y</p:attrName>
+                                        </p:attrNameLst>
+                                      </p:cBhvr>
+                                      <p:tavLst>
+                                        <p:tav tm="0" fmla="#ppt_y-sin(pi*$)/81">
+                                          <p:val>
+                                            <p:fltVal val="0"/>
+                                          </p:val>
+                                        </p:tav>
+                                        <p:tav tm="100000">
+                                          <p:val>
+                                            <p:fltVal val="1"/>
+                                          </p:val>
+                                        </p:tav>
+                                      </p:tavLst>
+                                    </p:anim>
+                                    <p:animScale>
+                                      <p:cBhvr>
+                                        <p:cTn id="93" dur="26">
+                                          <p:stCondLst>
+                                            <p:cond delay="650"/>
+                                          </p:stCondLst>
+                                        </p:cTn>
+                                        <p:tgtEl>
+                                          <p:spTgt spid="10"/>
+                                        </p:tgtEl>
+                                      </p:cBhvr>
+                                      <p:to x="100000" y="60000"/>
+                                    </p:animScale>
+                                    <p:animScale>
+                                      <p:cBhvr>
+                                        <p:cTn id="94" dur="166" decel="50000">
+                                          <p:stCondLst>
+                                            <p:cond delay="676"/>
+                                          </p:stCondLst>
+                                        </p:cTn>
+                                        <p:tgtEl>
+                                          <p:spTgt spid="10"/>
+                                        </p:tgtEl>
+                                      </p:cBhvr>
+                                      <p:to x="100000" y="100000"/>
+                                    </p:animScale>
+                                    <p:animScale>
+                                      <p:cBhvr>
+                                        <p:cTn id="95" dur="26">
+                                          <p:stCondLst>
+                                            <p:cond delay="1312"/>
+                                          </p:stCondLst>
+                                        </p:cTn>
+                                        <p:tgtEl>
+                                          <p:spTgt spid="10"/>
+                                        </p:tgtEl>
+                                      </p:cBhvr>
+                                      <p:to x="100000" y="80000"/>
+                                    </p:animScale>
+                                    <p:animScale>
+                                      <p:cBhvr>
+                                        <p:cTn id="96" dur="166" decel="50000">
+                                          <p:stCondLst>
+                                            <p:cond delay="1338"/>
+                                          </p:stCondLst>
+                                        </p:cTn>
+                                        <p:tgtEl>
+                                          <p:spTgt spid="10"/>
+                                        </p:tgtEl>
+                                      </p:cBhvr>
+                                      <p:to x="100000" y="100000"/>
+                                    </p:animScale>
+                                    <p:animScale>
+                                      <p:cBhvr>
+                                        <p:cTn id="97" dur="26">
+                                          <p:stCondLst>
+                                            <p:cond delay="1642"/>
+                                          </p:stCondLst>
+                                        </p:cTn>
+                                        <p:tgtEl>
+                                          <p:spTgt spid="10"/>
+                                        </p:tgtEl>
+                                      </p:cBhvr>
+                                      <p:to x="100000" y="90000"/>
+                                    </p:animScale>
+                                    <p:animScale>
+                                      <p:cBhvr>
+                                        <p:cTn id="98" dur="166" decel="50000">
+                                          <p:stCondLst>
+                                            <p:cond delay="1668"/>
+                                          </p:stCondLst>
+                                        </p:cTn>
+                                        <p:tgtEl>
+                                          <p:spTgt spid="10"/>
+                                        </p:tgtEl>
+                                      </p:cBhvr>
+                                      <p:to x="100000" y="100000"/>
+                                    </p:animScale>
+                                    <p:animScale>
+                                      <p:cBhvr>
+                                        <p:cTn id="99" dur="26">
+                                          <p:stCondLst>
+                                            <p:cond delay="1808"/>
+                                          </p:stCondLst>
+                                        </p:cTn>
+                                        <p:tgtEl>
+                                          <p:spTgt spid="10"/>
+                                        </p:tgtEl>
+                                      </p:cBhvr>
+                                      <p:to x="100000" y="95000"/>
+                                    </p:animScale>
+                                    <p:animScale>
+                                      <p:cBhvr>
+                                        <p:cTn id="100" dur="166" decel="50000">
+                                          <p:stCondLst>
+                                            <p:cond delay="1834"/>
+                                          </p:stCondLst>
+                                        </p:cTn>
+                                        <p:tgtEl>
+                                          <p:spTgt spid="10"/>
+                                        </p:tgtEl>
+                                      </p:cBhvr>
+                                      <p:to x="100000" y="100000"/>
+                                    </p:animScale>
+                                  </p:childTnLst>
+                                </p:cTn>
+                              </p:par>
+                              <p:par>
+                                <p:cTn id="101" presetID="26" presetClass="entr" presetSubtype="0" fill="hold" grpId="0" nodeType="withEffect">
+                                  <p:stCondLst>
+                                    <p:cond delay="3000"/>
+                                  </p:stCondLst>
+                                  <p:childTnLst>
+                                    <p:set>
+                                      <p:cBhvr>
+                                        <p:cTn id="102" dur="1" fill="hold">
+                                          <p:stCondLst>
+                                            <p:cond delay="0"/>
+                                          </p:stCondLst>
+                                        </p:cTn>
+                                        <p:tgtEl>
+                                          <p:spTgt spid="11"/>
+                                        </p:tgtEl>
+                                        <p:attrNameLst>
+                                          <p:attrName>style.visibility</p:attrName>
+                                        </p:attrNameLst>
+                                      </p:cBhvr>
+                                      <p:to>
+                                        <p:strVal val="visible"/>
+                                      </p:to>
+                                    </p:set>
+                                    <p:animEffect transition="in" filter="wipe(down)">
+                                      <p:cBhvr>
+                                        <p:cTn id="103" dur="580">
+                                          <p:stCondLst>
+                                            <p:cond delay="0"/>
+                                          </p:stCondLst>
+                                        </p:cTn>
+                                        <p:tgtEl>
+                                          <p:spTgt spid="11"/>
+                                        </p:tgtEl>
+                                      </p:cBhvr>
+                                    </p:animEffect>
+                                    <p:anim calcmode="lin" valueType="num">
+                                      <p:cBhvr>
+                                        <p:cTn id="104" dur="1822" tmFilter="0,0; 0.14,0.36; 0.43,0.73; 0.71,0.91; 1.0,1.0">
+                                          <p:stCondLst>
+                                            <p:cond delay="0"/>
+                                          </p:stCondLst>
+                                        </p:cTn>
+                                        <p:tgtEl>
+                                          <p:spTgt spid="11"/>
+                                        </p:tgtEl>
+                                        <p:attrNameLst>
+                                          <p:attrName>ppt_x</p:attrName>
+                                        </p:attrNameLst>
+                                      </p:cBhvr>
+                                      <p:tavLst>
+                                        <p:tav tm="0">
+                                          <p:val>
+                                            <p:strVal val="#ppt_x-0.25"/>
+                                          </p:val>
+                                        </p:tav>
+                                        <p:tav tm="100000">
+                                          <p:val>
+                                            <p:strVal val="#ppt_x"/>
+                                          </p:val>
+                                        </p:tav>
+                                      </p:tavLst>
+                                    </p:anim>
+                                    <p:anim calcmode="lin" valueType="num">
+                                      <p:cBhvr>
+                                        <p:cTn id="105" dur="664" tmFilter="0.0,0.0; 0.25,0.07; 0.50,0.2; 0.75,0.467; 1.0,1.0">
+                                          <p:stCondLst>
+                                            <p:cond delay="0"/>
+                                          </p:stCondLst>
+                                        </p:cTn>
+                                        <p:tgtEl>
+                                          <p:spTgt spid="11"/>
+                                        </p:tgtEl>
+                                        <p:attrNameLst>
+                                          <p:attrName>ppt_y</p:attrName>
+                                        </p:attrNameLst>
+                                      </p:cBhvr>
+                                      <p:tavLst>
+                                        <p:tav tm="0" fmla="#ppt_y-sin(pi*$)/3">
+                                          <p:val>
+                                            <p:fltVal val="0.5"/>
+                                          </p:val>
+                                        </p:tav>
+                                        <p:tav tm="100000">
+                                          <p:val>
+                                            <p:fltVal val="1"/>
+                                          </p:val>
+                                        </p:tav>
+                                      </p:tavLst>
+                                    </p:anim>
+                                    <p:anim calcmode="lin" valueType="num">
+                                      <p:cBhvr>
+                                        <p:cTn id="106" dur="664" tmFilter="0, 0; 0.125,0.2665; 0.25,0.4; 0.375,0.465; 0.5,0.5;  0.625,0.535; 0.75,0.6; 0.875,0.7335; 1,1">
+                                          <p:stCondLst>
+                                            <p:cond delay="664"/>
+                                          </p:stCondLst>
+                                        </p:cTn>
+                                        <p:tgtEl>
+                                          <p:spTgt spid="11"/>
+                                        </p:tgtEl>
+                                        <p:attrNameLst>
+                                          <p:attrName>ppt_y</p:attrName>
+                                        </p:attrNameLst>
+                                      </p:cBhvr>
+                                      <p:tavLst>
+                                        <p:tav tm="0" fmla="#ppt_y-sin(pi*$)/9">
+                                          <p:val>
+                                            <p:fltVal val="0"/>
+                                          </p:val>
+                                        </p:tav>
+                                        <p:tav tm="100000">
+                                          <p:val>
+                                            <p:fltVal val="1"/>
+                                          </p:val>
+                                        </p:tav>
+                                      </p:tavLst>
+                                    </p:anim>
+                                    <p:anim calcmode="lin" valueType="num">
+                                      <p:cBhvr>
+                                        <p:cTn id="107" dur="332" tmFilter="0, 0; 0.125,0.2665; 0.25,0.4; 0.375,0.465; 0.5,0.5;  0.625,0.535; 0.75,0.6; 0.875,0.7335; 1,1">
+                                          <p:stCondLst>
+                                            <p:cond delay="1324"/>
+                                          </p:stCondLst>
+                                        </p:cTn>
+                                        <p:tgtEl>
+                                          <p:spTgt spid="11"/>
+                                        </p:tgtEl>
+                                        <p:attrNameLst>
+                                          <p:attrName>ppt_y</p:attrName>
+                                        </p:attrNameLst>
+                                      </p:cBhvr>
+                                      <p:tavLst>
+                                        <p:tav tm="0" fmla="#ppt_y-sin(pi*$)/27">
+                                          <p:val>
+                                            <p:fltVal val="0"/>
+                                          </p:val>
+                                        </p:tav>
+                                        <p:tav tm="100000">
+                                          <p:val>
+                                            <p:fltVal val="1"/>
+                                          </p:val>
+                                        </p:tav>
+                                      </p:tavLst>
+                                    </p:anim>
+                                    <p:anim calcmode="lin" valueType="num">
+                                      <p:cBhvr>
+                                        <p:cTn id="108" dur="164" tmFilter="0, 0; 0.125,0.2665; 0.25,0.4; 0.375,0.465; 0.5,0.5;  0.625,0.535; 0.75,0.6; 0.875,0.7335; 1,1">
+                                          <p:stCondLst>
+                                            <p:cond delay="1656"/>
+                                          </p:stCondLst>
+                                        </p:cTn>
+                                        <p:tgtEl>
+                                          <p:spTgt spid="11"/>
+                                        </p:tgtEl>
+                                        <p:attrNameLst>
+                                          <p:attrName>ppt_y</p:attrName>
+                                        </p:attrNameLst>
+                                      </p:cBhvr>
+                                      <p:tavLst>
+                                        <p:tav tm="0" fmla="#ppt_y-sin(pi*$)/81">
+                                          <p:val>
+                                            <p:fltVal val="0"/>
+                                          </p:val>
+                                        </p:tav>
+                                        <p:tav tm="100000">
+                                          <p:val>
+                                            <p:fltVal val="1"/>
+                                          </p:val>
+                                        </p:tav>
+                                      </p:tavLst>
+                                    </p:anim>
+                                    <p:animScale>
+                                      <p:cBhvr>
+                                        <p:cTn id="109" dur="26">
+                                          <p:stCondLst>
+                                            <p:cond delay="650"/>
+                                          </p:stCondLst>
+                                        </p:cTn>
+                                        <p:tgtEl>
+                                          <p:spTgt spid="11"/>
+                                        </p:tgtEl>
+                                      </p:cBhvr>
+                                      <p:to x="100000" y="60000"/>
+                                    </p:animScale>
+                                    <p:animScale>
+                                      <p:cBhvr>
+                                        <p:cTn id="110" dur="166" decel="50000">
+                                          <p:stCondLst>
+                                            <p:cond delay="676"/>
+                                          </p:stCondLst>
+                                        </p:cTn>
+                                        <p:tgtEl>
+                                          <p:spTgt spid="11"/>
+                                        </p:tgtEl>
+                                      </p:cBhvr>
+                                      <p:to x="100000" y="100000"/>
+                                    </p:animScale>
+                                    <p:animScale>
+                                      <p:cBhvr>
+                                        <p:cTn id="111" dur="26">
+                                          <p:stCondLst>
+                                            <p:cond delay="1312"/>
+                                          </p:stCondLst>
+                                        </p:cTn>
+                                        <p:tgtEl>
+                                          <p:spTgt spid="11"/>
+                                        </p:tgtEl>
+                                      </p:cBhvr>
+                                      <p:to x="100000" y="80000"/>
+                                    </p:animScale>
+                                    <p:animScale>
+                                      <p:cBhvr>
+                                        <p:cTn id="112" dur="166" decel="50000">
+                                          <p:stCondLst>
+                                            <p:cond delay="1338"/>
+                                          </p:stCondLst>
+                                        </p:cTn>
+                                        <p:tgtEl>
+                                          <p:spTgt spid="11"/>
+                                        </p:tgtEl>
+                                      </p:cBhvr>
+                                      <p:to x="100000" y="100000"/>
+                                    </p:animScale>
+                                    <p:animScale>
+                                      <p:cBhvr>
+                                        <p:cTn id="113" dur="26">
+                                          <p:stCondLst>
+                                            <p:cond delay="1642"/>
+                                          </p:stCondLst>
+                                        </p:cTn>
+                                        <p:tgtEl>
+                                          <p:spTgt spid="11"/>
+                                        </p:tgtEl>
+                                      </p:cBhvr>
+                                      <p:to x="100000" y="90000"/>
+                                    </p:animScale>
+                                    <p:animScale>
+                                      <p:cBhvr>
+                                        <p:cTn id="114" dur="166" decel="50000">
+                                          <p:stCondLst>
+                                            <p:cond delay="1668"/>
+                                          </p:stCondLst>
+                                        </p:cTn>
+                                        <p:tgtEl>
+                                          <p:spTgt spid="11"/>
+                                        </p:tgtEl>
+                                      </p:cBhvr>
+                                      <p:to x="100000" y="100000"/>
+                                    </p:animScale>
+                                    <p:animScale>
+                                      <p:cBhvr>
+                                        <p:cTn id="115" dur="26">
+                                          <p:stCondLst>
+                                            <p:cond delay="1808"/>
+                                          </p:stCondLst>
+                                        </p:cTn>
+                                        <p:tgtEl>
+                                          <p:spTgt spid="11"/>
+                                        </p:tgtEl>
+                                      </p:cBhvr>
+                                      <p:to x="100000" y="95000"/>
+                                    </p:animScale>
+                                    <p:animScale>
+                                      <p:cBhvr>
+                                        <p:cTn id="116" dur="166" decel="50000">
+                                          <p:stCondLst>
+                                            <p:cond delay="1834"/>
+                                          </p:stCondLst>
+                                        </p:cTn>
+                                        <p:tgtEl>
+                                          <p:spTgt spid="11"/>
+                                        </p:tgtEl>
+                                      </p:cBhvr>
+                                      <p:to x="100000" y="100000"/>
+                                    </p:animScale>
+                                  </p:childTnLst>
+                                </p:cTn>
+                              </p:par>
+                              <p:par>
+                                <p:cTn id="117" presetID="26" presetClass="entr" presetSubtype="0" fill="hold" grpId="0" nodeType="withEffect">
+                                  <p:stCondLst>
+                                    <p:cond delay="3500"/>
+                                  </p:stCondLst>
+                                  <p:childTnLst>
+                                    <p:set>
+                                      <p:cBhvr>
+                                        <p:cTn id="118" dur="1" fill="hold">
+                                          <p:stCondLst>
+                                            <p:cond delay="0"/>
+                                          </p:stCondLst>
+                                        </p:cTn>
+                                        <p:tgtEl>
+                                          <p:spTgt spid="12"/>
+                                        </p:tgtEl>
+                                        <p:attrNameLst>
+                                          <p:attrName>style.visibility</p:attrName>
+                                        </p:attrNameLst>
+                                      </p:cBhvr>
+                                      <p:to>
+                                        <p:strVal val="visible"/>
+                                      </p:to>
+                                    </p:set>
+                                    <p:animEffect transition="in" filter="wipe(down)">
+                                      <p:cBhvr>
+                                        <p:cTn id="119" dur="580">
+                                          <p:stCondLst>
+                                            <p:cond delay="0"/>
+                                          </p:stCondLst>
+                                        </p:cTn>
+                                        <p:tgtEl>
+                                          <p:spTgt spid="12"/>
+                                        </p:tgtEl>
+                                      </p:cBhvr>
+                                    </p:animEffect>
+                                    <p:anim calcmode="lin" valueType="num">
+                                      <p:cBhvr>
+                                        <p:cTn id="120" dur="1822" tmFilter="0,0; 0.14,0.36; 0.43,0.73; 0.71,0.91; 1.0,1.0">
+                                          <p:stCondLst>
+                                            <p:cond delay="0"/>
+                                          </p:stCondLst>
+                                        </p:cTn>
+                                        <p:tgtEl>
+                                          <p:spTgt spid="12"/>
+                                        </p:tgtEl>
+                                        <p:attrNameLst>
+                                          <p:attrName>ppt_x</p:attrName>
+                                        </p:attrNameLst>
+                                      </p:cBhvr>
+                                      <p:tavLst>
+                                        <p:tav tm="0">
+                                          <p:val>
+                                            <p:strVal val="#ppt_x-0.25"/>
+                                          </p:val>
+                                        </p:tav>
+                                        <p:tav tm="100000">
+                                          <p:val>
+                                            <p:strVal val="#ppt_x"/>
+                                          </p:val>
+                                        </p:tav>
+                                      </p:tavLst>
+                                    </p:anim>
+                                    <p:anim calcmode="lin" valueType="num">
+                                      <p:cBhvr>
+                                        <p:cTn id="121" dur="664" tmFilter="0.0,0.0; 0.25,0.07; 0.50,0.2; 0.75,0.467; 1.0,1.0">
+                                          <p:stCondLst>
+                                            <p:cond delay="0"/>
+                                          </p:stCondLst>
+                                        </p:cTn>
+                                        <p:tgtEl>
+                                          <p:spTgt spid="12"/>
+                                        </p:tgtEl>
+                                        <p:attrNameLst>
+                                          <p:attrName>ppt_y</p:attrName>
+                                        </p:attrNameLst>
+                                      </p:cBhvr>
+                                      <p:tavLst>
+                                        <p:tav tm="0" fmla="#ppt_y-sin(pi*$)/3">
+                                          <p:val>
+                                            <p:fltVal val="0.5"/>
+                                          </p:val>
+                                        </p:tav>
+                                        <p:tav tm="100000">
+                                          <p:val>
+                                            <p:fltVal val="1"/>
+                                          </p:val>
+                                        </p:tav>
+                                      </p:tavLst>
+                                    </p:anim>
+                                    <p:anim calcmode="lin" valueType="num">
+                                      <p:cBhvr>
+                                        <p:cTn id="122" dur="664" tmFilter="0, 0; 0.125,0.2665; 0.25,0.4; 0.375,0.465; 0.5,0.5;  0.625,0.535; 0.75,0.6; 0.875,0.7335; 1,1">
+                                          <p:stCondLst>
+                                            <p:cond delay="664"/>
+                                          </p:stCondLst>
+                                        </p:cTn>
+                                        <p:tgtEl>
+                                          <p:spTgt spid="12"/>
+                                        </p:tgtEl>
+                                        <p:attrNameLst>
+                                          <p:attrName>ppt_y</p:attrName>
+                                        </p:attrNameLst>
+                                      </p:cBhvr>
+                                      <p:tavLst>
+                                        <p:tav tm="0" fmla="#ppt_y-sin(pi*$)/9">
+                                          <p:val>
+                                            <p:fltVal val="0"/>
+                                          </p:val>
+                                        </p:tav>
+                                        <p:tav tm="100000">
+                                          <p:val>
+                                            <p:fltVal val="1"/>
+                                          </p:val>
+                                        </p:tav>
+                                      </p:tavLst>
+                                    </p:anim>
+                                    <p:anim calcmode="lin" valueType="num">
+                                      <p:cBhvr>
+                                        <p:cTn id="123" dur="332" tmFilter="0, 0; 0.125,0.2665; 0.25,0.4; 0.375,0.465; 0.5,0.5;  0.625,0.535; 0.75,0.6; 0.875,0.7335; 1,1">
+                                          <p:stCondLst>
+                                            <p:cond delay="1324"/>
+                                          </p:stCondLst>
+                                        </p:cTn>
+                                        <p:tgtEl>
+                                          <p:spTgt spid="12"/>
+                                        </p:tgtEl>
+                                        <p:attrNameLst>
+                                          <p:attrName>ppt_y</p:attrName>
+                                        </p:attrNameLst>
+                                      </p:cBhvr>
+                                      <p:tavLst>
+                                        <p:tav tm="0" fmla="#ppt_y-sin(pi*$)/27">
+                                          <p:val>
+                                            <p:fltVal val="0"/>
+                                          </p:val>
+                                        </p:tav>
+                                        <p:tav tm="100000">
+                                          <p:val>
+                                            <p:fltVal val="1"/>
+                                          </p:val>
+                                        </p:tav>
+                                      </p:tavLst>
+                                    </p:anim>
+                                    <p:anim calcmode="lin" valueType="num">
+                                      <p:cBhvr>
+                                        <p:cTn id="124" dur="164" tmFilter="0, 0; 0.125,0.2665; 0.25,0.4; 0.375,0.465; 0.5,0.5;  0.625,0.535; 0.75,0.6; 0.875,0.7335; 1,1">
+                                          <p:stCondLst>
+                                            <p:cond delay="1656"/>
+                                          </p:stCondLst>
+                                        </p:cTn>
+                                        <p:tgtEl>
+                                          <p:spTgt spid="12"/>
+                                        </p:tgtEl>
+                                        <p:attrNameLst>
+                                          <p:attrName>ppt_y</p:attrName>
+                                        </p:attrNameLst>
+                                      </p:cBhvr>
+                                      <p:tavLst>
+                                        <p:tav tm="0" fmla="#ppt_y-sin(pi*$)/81">
+                                          <p:val>
+                                            <p:fltVal val="0"/>
+                                          </p:val>
+                                        </p:tav>
+                                        <p:tav tm="100000">
+                                          <p:val>
+                                            <p:fltVal val="1"/>
+                                          </p:val>
+                                        </p:tav>
+                                      </p:tavLst>
+                                    </p:anim>
+                                    <p:animScale>
+                                      <p:cBhvr>
+                                        <p:cTn id="125" dur="26">
+                                          <p:stCondLst>
+                                            <p:cond delay="650"/>
+                                          </p:stCondLst>
+                                        </p:cTn>
+                                        <p:tgtEl>
+                                          <p:spTgt spid="12"/>
+                                        </p:tgtEl>
+                                      </p:cBhvr>
+                                      <p:to x="100000" y="60000"/>
+                                    </p:animScale>
+                                    <p:animScale>
+                                      <p:cBhvr>
+                                        <p:cTn id="126" dur="166" decel="50000">
+                                          <p:stCondLst>
+                                            <p:cond delay="676"/>
+                                          </p:stCondLst>
+                                        </p:cTn>
+                                        <p:tgtEl>
+                                          <p:spTgt spid="12"/>
+                                        </p:tgtEl>
+                                      </p:cBhvr>
+                                      <p:to x="100000" y="100000"/>
+                                    </p:animScale>
+                                    <p:animScale>
+                                      <p:cBhvr>
+                                        <p:cTn id="127" dur="26">
+                                          <p:stCondLst>
+                                            <p:cond delay="1312"/>
+                                          </p:stCondLst>
+                                        </p:cTn>
+                                        <p:tgtEl>
+                                          <p:spTgt spid="12"/>
+                                        </p:tgtEl>
+                                      </p:cBhvr>
+                                      <p:to x="100000" y="80000"/>
+                                    </p:animScale>
+                                    <p:animScale>
+                                      <p:cBhvr>
+                                        <p:cTn id="128" dur="166" decel="50000">
+                                          <p:stCondLst>
+                                            <p:cond delay="1338"/>
+                                          </p:stCondLst>
+                                        </p:cTn>
+                                        <p:tgtEl>
+                                          <p:spTgt spid="12"/>
+                                        </p:tgtEl>
+                                      </p:cBhvr>
+                                      <p:to x="100000" y="100000"/>
+                                    </p:animScale>
+                                    <p:animScale>
+                                      <p:cBhvr>
+                                        <p:cTn id="129" dur="26">
+                                          <p:stCondLst>
+                                            <p:cond delay="1642"/>
+                                          </p:stCondLst>
+                                        </p:cTn>
+                                        <p:tgtEl>
+                                          <p:spTgt spid="12"/>
+                                        </p:tgtEl>
+                                      </p:cBhvr>
+                                      <p:to x="100000" y="90000"/>
+                                    </p:animScale>
+                                    <p:animScale>
+                                      <p:cBhvr>
+                                        <p:cTn id="130" dur="166" decel="50000">
+                                          <p:stCondLst>
+                                            <p:cond delay="1668"/>
+                                          </p:stCondLst>
+                                        </p:cTn>
+                                        <p:tgtEl>
+                                          <p:spTgt spid="12"/>
+                                        </p:tgtEl>
+                                      </p:cBhvr>
+                                      <p:to x="100000" y="100000"/>
+                                    </p:animScale>
+                                    <p:animScale>
+                                      <p:cBhvr>
+                                        <p:cTn id="131" dur="26">
+                                          <p:stCondLst>
+                                            <p:cond delay="1808"/>
+                                          </p:stCondLst>
+                                        </p:cTn>
+                                        <p:tgtEl>
+                                          <p:spTgt spid="12"/>
+                                        </p:tgtEl>
+                                      </p:cBhvr>
+                                      <p:to x="100000" y="95000"/>
+                                    </p:animScale>
+                                    <p:animScale>
+                                      <p:cBhvr>
+                                        <p:cTn id="132" dur="166" decel="50000">
+                                          <p:stCondLst>
+                                            <p:cond delay="1834"/>
+                                          </p:stCondLst>
+                                        </p:cTn>
+                                        <p:tgtEl>
+                                          <p:spTgt spid="12"/>
+                                        </p:tgtEl>
+                                      </p:cBhvr>
+                                      <p:to x="100000" y="100000"/>
+                                    </p:animScale>
+                                  </p:childTnLst>
+                                </p:cTn>
+                              </p:par>
+                            </p:childTnLst>
+                          </p:cTn>
+                        </p:par>
+                      </p:childTnLst>
+                    </p:cTn>
+                  </p:par>
+                </p:childTnLst>
+              </p:cTn>
+              <p:prevCondLst>
+                <p:cond evt="onPrev" delay="0">
+                  <p:tgtEl>
+                    <p:sldTgt/>
+                  </p:tgtEl>
+                </p:cond>
+              </p:prevCondLst>
+              <p:nextCondLst>
+                <p:cond evt="onNext" delay="0">
+                  <p:tgtEl>
+                    <p:sldTgt/>
+                  </p:tgtEl>
+                </p:cond>
+              </p:nextCondLst>
+            </p:seq>
+          </p:childTnLst>
+        </p:cTn>
       </p:par>
     </p:tnLst>
+    <p:bldLst>
+      <p:bldP spid="2" grpId="0"/>
+      <p:bldP spid="6" grpId="0"/>
+      <p:bldP spid="7" grpId="0"/>
+      <p:bldP spid="8" grpId="0"/>
+      <p:bldP spid="9" grpId="0"/>
+      <p:bldP spid="10" grpId="0"/>
+      <p:bldP spid="11" grpId="0"/>
+      <p:bldP spid="12" grpId="0"/>
+    </p:bldLst>
   </p:timing>
 </p:sld>
 </file>
@@ -6990,47 +11375,1006 @@
           </a:prstGeom>
         </p:spPr>
       </p:pic>
-      <p:pic>
-        <p:nvPicPr>
-          <p:cNvPr id="6154" name="Picture 10" descr="33.png"/>
-          <p:cNvPicPr>
-            <a:picLocks noChangeAspect="1" noChangeArrowheads="1"/>
-          </p:cNvPicPr>
+      <p:grpSp>
+        <p:nvGrpSpPr>
+          <p:cNvPr id="4" name="그룹 3"/>
+          <p:cNvGrpSpPr/>
           <p:nvPr/>
-        </p:nvPicPr>
-        <p:blipFill>
-          <a:blip r:embed="rId3">
+        </p:nvGrpSpPr>
+        <p:grpSpPr>
+          <a:xfrm>
+            <a:off x="-9136812" y="2602334"/>
+            <a:ext cx="7549630" cy="1529666"/>
+            <a:chOff x="8686800" y="3086100"/>
+            <a:chExt cx="7549630" cy="1529666"/>
+          </a:xfrm>
+        </p:grpSpPr>
+        <p:pic>
+          <p:nvPicPr>
+            <p:cNvPr id="1030" name="Picture 6" descr="https://o.remove.bg/downloads/3e69cf86-0988-49e0-9f4f-51138a3bf96b/image-removebg-preview.png"/>
+            <p:cNvPicPr>
+              <a:picLocks noChangeAspect="1" noChangeArrowheads="1"/>
+            </p:cNvPicPr>
+            <p:nvPr/>
+          </p:nvPicPr>
+          <p:blipFill>
+            <a:blip r:embed="rId3">
+              <a:extLst>
+                <a:ext uri="{28A0092B-C50C-407E-A947-70E740481C1C}">
+                  <a14:useLocalDpi xmlns:a14="http://schemas.microsoft.com/office/drawing/2010/main" val="0"/>
+                </a:ext>
+              </a:extLst>
+            </a:blip>
+            <a:srcRect/>
+            <a:stretch>
+              <a:fillRect/>
+            </a:stretch>
+          </p:blipFill>
+          <p:spPr bwMode="auto">
+            <a:xfrm>
+              <a:off x="8686800" y="3086100"/>
+              <a:ext cx="7549630" cy="1529666"/>
+            </a:xfrm>
+            <a:prstGeom prst="rect">
+              <a:avLst/>
+            </a:prstGeom>
+            <a:noFill/>
             <a:extLst>
-              <a:ext uri="{28A0092B-C50C-407E-A947-70E740481C1C}">
-                <a14:useLocalDpi xmlns:a14="http://schemas.microsoft.com/office/drawing/2010/main" val="0"/>
+              <a:ext uri="{909E8E84-426E-40DD-AFC4-6F175D3DCCD1}">
+                <a14:hiddenFill xmlns:a14="http://schemas.microsoft.com/office/drawing/2010/main">
+                  <a:solidFill>
+                    <a:srgbClr val="FFFFFF"/>
+                  </a:solidFill>
+                </a14:hiddenFill>
               </a:ext>
             </a:extLst>
-          </a:blip>
-          <a:srcRect/>
-          <a:stretch>
-            <a:fillRect/>
-          </a:stretch>
-        </p:blipFill>
-        <p:spPr bwMode="auto">
+          </p:spPr>
+        </p:pic>
+        <p:sp>
+          <p:nvSpPr>
+            <p:cNvPr id="2" name="이등변 삼각형 1"/>
+            <p:cNvSpPr/>
+            <p:nvPr/>
+          </p:nvSpPr>
+          <p:spPr>
+            <a:xfrm rot="5400000">
+              <a:off x="12839700" y="3566491"/>
+              <a:ext cx="838200" cy="457200"/>
+            </a:xfrm>
+            <a:prstGeom prst="triangle">
+              <a:avLst/>
+            </a:prstGeom>
+            <a:solidFill>
+              <a:srgbClr val="EFEFEF"/>
+            </a:solidFill>
+            <a:ln>
+              <a:noFill/>
+            </a:ln>
+          </p:spPr>
+          <p:style>
+            <a:lnRef idx="2">
+              <a:schemeClr val="accent1">
+                <a:shade val="50000"/>
+              </a:schemeClr>
+            </a:lnRef>
+            <a:fillRef idx="1">
+              <a:schemeClr val="accent1"/>
+            </a:fillRef>
+            <a:effectRef idx="0">
+              <a:schemeClr val="accent1"/>
+            </a:effectRef>
+            <a:fontRef idx="minor">
+              <a:schemeClr val="lt1"/>
+            </a:fontRef>
+          </p:style>
+          <p:txBody>
+            <a:bodyPr rtlCol="0" anchor="ctr"/>
+            <a:lstStyle/>
+            <a:p>
+              <a:pPr algn="ctr"/>
+              <a:endParaRPr lang="ko-KR" altLang="en-US"/>
+            </a:p>
+          </p:txBody>
+        </p:sp>
+        <p:sp>
+          <p:nvSpPr>
+            <p:cNvPr id="3" name="TextBox 2"/>
+            <p:cNvSpPr txBox="1"/>
+            <p:nvPr/>
+          </p:nvSpPr>
+          <p:spPr>
+            <a:xfrm>
+              <a:off x="8915400" y="3272413"/>
+              <a:ext cx="4114800" cy="769441"/>
+            </a:xfrm>
+            <a:prstGeom prst="rect">
+              <a:avLst/>
+            </a:prstGeom>
+            <a:noFill/>
+          </p:spPr>
+          <p:txBody>
+            <a:bodyPr wrap="square" rtlCol="0">
+              <a:spAutoFit/>
+            </a:bodyPr>
+            <a:lstStyle/>
+            <a:p>
+              <a:r>
+                <a:rPr lang="en-US" altLang="ko-KR" sz="4400" smtClean="0">
+                  <a:latin typeface="Arcade Normal" panose="00000400000000000000" pitchFamily="1" charset="0"/>
+                </a:rPr>
+                <a:t>COTENTS</a:t>
+              </a:r>
+              <a:endParaRPr lang="ko-KR" altLang="en-US" sz="4400">
+                <a:latin typeface="Arcade Normal" panose="00000400000000000000" pitchFamily="1" charset="0"/>
+              </a:endParaRPr>
+            </a:p>
+          </p:txBody>
+        </p:sp>
+      </p:grpSp>
+      <p:grpSp>
+        <p:nvGrpSpPr>
+          <p:cNvPr id="9" name="그룹 8"/>
+          <p:cNvGrpSpPr/>
+          <p:nvPr/>
+        </p:nvGrpSpPr>
+        <p:grpSpPr>
+          <a:xfrm>
+            <a:off x="2144688" y="1495349"/>
+            <a:ext cx="3820962" cy="3405640"/>
+            <a:chOff x="2144688" y="1495349"/>
+            <a:chExt cx="3820962" cy="3405640"/>
+          </a:xfrm>
+        </p:grpSpPr>
+        <p:pic>
+          <p:nvPicPr>
+            <p:cNvPr id="1026" name="Picture 2" descr="https://o.remove.bg/downloads/75981d8f-f08d-4385-9ac9-b897fe538761/image-removebg-preview.png"/>
+            <p:cNvPicPr>
+              <a:picLocks noChangeAspect="1" noChangeArrowheads="1"/>
+            </p:cNvPicPr>
+            <p:nvPr/>
+          </p:nvPicPr>
+          <p:blipFill rotWithShape="1">
+            <a:blip r:embed="rId4">
+              <a:extLst>
+                <a:ext uri="{28A0092B-C50C-407E-A947-70E740481C1C}">
+                  <a14:useLocalDpi xmlns:a14="http://schemas.microsoft.com/office/drawing/2010/main" val="0"/>
+                </a:ext>
+              </a:extLst>
+            </a:blip>
+            <a:srcRect l="5883" t="9244" r="55462" b="56302"/>
+            <a:stretch/>
+          </p:blipFill>
+          <p:spPr bwMode="auto">
+            <a:xfrm>
+              <a:off x="2144688" y="1495349"/>
+              <a:ext cx="3820962" cy="3405640"/>
+            </a:xfrm>
+            <a:prstGeom prst="rect">
+              <a:avLst/>
+            </a:prstGeom>
+            <a:noFill/>
+            <a:extLst>
+              <a:ext uri="{909E8E84-426E-40DD-AFC4-6F175D3DCCD1}">
+                <a14:hiddenFill xmlns:a14="http://schemas.microsoft.com/office/drawing/2010/main">
+                  <a:solidFill>
+                    <a:srgbClr val="FFFFFF"/>
+                  </a:solidFill>
+                </a14:hiddenFill>
+              </a:ext>
+            </a:extLst>
+          </p:spPr>
+        </p:pic>
+        <p:sp>
+          <p:nvSpPr>
+            <p:cNvPr id="8" name="TextBox 7"/>
+            <p:cNvSpPr txBox="1"/>
+            <p:nvPr/>
+          </p:nvSpPr>
+          <p:spPr>
+            <a:xfrm>
+              <a:off x="2758429" y="3030258"/>
+              <a:ext cx="2790009" cy="707886"/>
+            </a:xfrm>
+            <a:prstGeom prst="rect">
+              <a:avLst/>
+            </a:prstGeom>
+            <a:noFill/>
+          </p:spPr>
+          <p:txBody>
+            <a:bodyPr wrap="square" rtlCol="0">
+              <a:spAutoFit/>
+            </a:bodyPr>
+            <a:lstStyle/>
+            <a:p>
+              <a:r>
+                <a:rPr lang="ko-KR" altLang="en-US" sz="4000" smtClean="0">
+                  <a:latin typeface="210 8비트 R" panose="020B0600000101010101" charset="-127"/>
+                  <a:ea typeface="210 8비트 R" panose="020B0600000101010101" charset="-127"/>
+                </a:rPr>
+                <a:t>팀원 소개</a:t>
+              </a:r>
+              <a:endParaRPr lang="ko-KR" altLang="en-US" sz="4000">
+                <a:latin typeface="210 8비트 R" panose="020B0600000101010101" charset="-127"/>
+                <a:ea typeface="210 8비트 R" panose="020B0600000101010101" charset="-127"/>
+              </a:endParaRPr>
+            </a:p>
+          </p:txBody>
+        </p:sp>
+      </p:grpSp>
+      <p:grpSp>
+        <p:nvGrpSpPr>
+          <p:cNvPr id="21" name="그룹 20"/>
+          <p:cNvGrpSpPr/>
+          <p:nvPr/>
+        </p:nvGrpSpPr>
+        <p:grpSpPr>
+          <a:xfrm>
+            <a:off x="7162096" y="1675689"/>
+            <a:ext cx="4215025" cy="3448657"/>
+            <a:chOff x="7553458" y="1672097"/>
+            <a:chExt cx="4215025" cy="3448657"/>
+          </a:xfrm>
+        </p:grpSpPr>
+        <p:pic>
+          <p:nvPicPr>
+            <p:cNvPr id="5" name="Picture 2" descr="https://o.remove.bg/downloads/75981d8f-f08d-4385-9ac9-b897fe538761/image-removebg-preview.png"/>
+            <p:cNvPicPr>
+              <a:picLocks noChangeAspect="1" noChangeArrowheads="1"/>
+            </p:cNvPicPr>
+            <p:nvPr/>
+          </p:nvPicPr>
+          <p:blipFill rotWithShape="1">
+            <a:blip r:embed="rId4">
+              <a:extLst>
+                <a:ext uri="{28A0092B-C50C-407E-A947-70E740481C1C}">
+                  <a14:useLocalDpi xmlns:a14="http://schemas.microsoft.com/office/drawing/2010/main" val="0"/>
+                </a:ext>
+              </a:extLst>
+            </a:blip>
+            <a:srcRect l="52941" t="12605" r="10084" b="57143"/>
+            <a:stretch/>
+          </p:blipFill>
+          <p:spPr bwMode="auto">
+            <a:xfrm>
+              <a:off x="7553458" y="1672097"/>
+              <a:ext cx="4215025" cy="3448657"/>
+            </a:xfrm>
+            <a:prstGeom prst="rect">
+              <a:avLst/>
+            </a:prstGeom>
+            <a:noFill/>
+            <a:extLst>
+              <a:ext uri="{909E8E84-426E-40DD-AFC4-6F175D3DCCD1}">
+                <a14:hiddenFill xmlns:a14="http://schemas.microsoft.com/office/drawing/2010/main">
+                  <a:solidFill>
+                    <a:srgbClr val="FFFFFF"/>
+                  </a:solidFill>
+                </a14:hiddenFill>
+              </a:ext>
+            </a:extLst>
+          </p:spPr>
+        </p:pic>
+        <p:sp>
+          <p:nvSpPr>
+            <p:cNvPr id="16" name="TextBox 15"/>
+            <p:cNvSpPr txBox="1"/>
+            <p:nvPr/>
+          </p:nvSpPr>
+          <p:spPr>
+            <a:xfrm>
+              <a:off x="8443399" y="2602334"/>
+              <a:ext cx="2790009" cy="1938992"/>
+            </a:xfrm>
+            <a:prstGeom prst="rect">
+              <a:avLst/>
+            </a:prstGeom>
+            <a:noFill/>
+          </p:spPr>
+          <p:txBody>
+            <a:bodyPr wrap="square" rtlCol="0">
+              <a:spAutoFit/>
+            </a:bodyPr>
+            <a:lstStyle/>
+            <a:p>
+              <a:pPr algn="ctr"/>
+              <a:r>
+                <a:rPr lang="ko-KR" altLang="en-US" sz="4000" smtClean="0">
+                  <a:latin typeface="210 8비트 R" panose="020B0600000101010101" charset="-127"/>
+                  <a:ea typeface="210 8비트 R" panose="020B0600000101010101" charset="-127"/>
+                </a:rPr>
+                <a:t>기획 의도</a:t>
+              </a:r>
+              <a:endParaRPr lang="en-US" altLang="ko-KR" sz="4000" smtClean="0">
+                <a:latin typeface="210 8비트 R" panose="020B0600000101010101" charset="-127"/>
+                <a:ea typeface="210 8비트 R" panose="020B0600000101010101" charset="-127"/>
+              </a:endParaRPr>
+            </a:p>
+            <a:p>
+              <a:pPr algn="ctr"/>
+              <a:r>
+                <a:rPr lang="en-US" altLang="ko-KR" sz="4000" smtClean="0">
+                  <a:latin typeface="210 8비트 R" panose="020B0600000101010101" charset="-127"/>
+                  <a:ea typeface="210 8비트 R" panose="020B0600000101010101" charset="-127"/>
+                </a:rPr>
+                <a:t>&amp;</a:t>
+              </a:r>
+            </a:p>
+            <a:p>
+              <a:pPr algn="ctr"/>
+              <a:r>
+                <a:rPr lang="ko-KR" altLang="en-US" sz="4000" smtClean="0">
+                  <a:latin typeface="210 8비트 R" panose="020B0600000101010101" charset="-127"/>
+                  <a:ea typeface="210 8비트 R" panose="020B0600000101010101" charset="-127"/>
+                </a:rPr>
+                <a:t>플랫폼</a:t>
+              </a:r>
+              <a:endParaRPr lang="ko-KR" altLang="en-US" sz="4000">
+                <a:latin typeface="210 8비트 R" panose="020B0600000101010101" charset="-127"/>
+                <a:ea typeface="210 8비트 R" panose="020B0600000101010101" charset="-127"/>
+              </a:endParaRPr>
+            </a:p>
+          </p:txBody>
+        </p:sp>
+      </p:grpSp>
+      <p:grpSp>
+        <p:nvGrpSpPr>
+          <p:cNvPr id="12" name="그룹 11"/>
+          <p:cNvGrpSpPr/>
+          <p:nvPr/>
+        </p:nvGrpSpPr>
+        <p:grpSpPr>
+          <a:xfrm>
+            <a:off x="12977225" y="1485736"/>
+            <a:ext cx="3505200" cy="3124200"/>
+            <a:chOff x="12977225" y="1485736"/>
+            <a:chExt cx="3505200" cy="3124200"/>
+          </a:xfrm>
+        </p:grpSpPr>
+        <p:pic>
+          <p:nvPicPr>
+            <p:cNvPr id="14" name="Picture 2" descr="https://o.remove.bg/downloads/75981d8f-f08d-4385-9ac9-b897fe538761/image-removebg-preview.png"/>
+            <p:cNvPicPr>
+              <a:picLocks noChangeAspect="1" noChangeArrowheads="1"/>
+            </p:cNvPicPr>
+            <p:nvPr/>
+          </p:nvPicPr>
+          <p:blipFill rotWithShape="1">
+            <a:blip r:embed="rId4">
+              <a:extLst>
+                <a:ext uri="{28A0092B-C50C-407E-A947-70E740481C1C}">
+                  <a14:useLocalDpi xmlns:a14="http://schemas.microsoft.com/office/drawing/2010/main" val="0"/>
+                </a:ext>
+              </a:extLst>
+            </a:blip>
+            <a:srcRect l="5883" t="9244" r="55462" b="56302"/>
+            <a:stretch/>
+          </p:blipFill>
+          <p:spPr bwMode="auto">
+            <a:xfrm>
+              <a:off x="12977225" y="1485736"/>
+              <a:ext cx="3505200" cy="3124200"/>
+            </a:xfrm>
+            <a:prstGeom prst="rect">
+              <a:avLst/>
+            </a:prstGeom>
+            <a:noFill/>
+            <a:extLst>
+              <a:ext uri="{909E8E84-426E-40DD-AFC4-6F175D3DCCD1}">
+                <a14:hiddenFill xmlns:a14="http://schemas.microsoft.com/office/drawing/2010/main">
+                  <a:solidFill>
+                    <a:srgbClr val="FFFFFF"/>
+                  </a:solidFill>
+                </a14:hiddenFill>
+              </a:ext>
+            </a:extLst>
+          </p:spPr>
+        </p:pic>
+        <p:sp>
+          <p:nvSpPr>
+            <p:cNvPr id="17" name="TextBox 16"/>
+            <p:cNvSpPr txBox="1"/>
+            <p:nvPr/>
+          </p:nvSpPr>
+          <p:spPr>
+            <a:xfrm>
+              <a:off x="13292523" y="2862628"/>
+              <a:ext cx="2790009" cy="707886"/>
+            </a:xfrm>
+            <a:prstGeom prst="rect">
+              <a:avLst/>
+            </a:prstGeom>
+            <a:noFill/>
+          </p:spPr>
+          <p:txBody>
+            <a:bodyPr wrap="square" rtlCol="0">
+              <a:spAutoFit/>
+            </a:bodyPr>
+            <a:lstStyle/>
+            <a:p>
+              <a:pPr algn="ctr"/>
+              <a:r>
+                <a:rPr lang="ko-KR" altLang="en-US" sz="4000" smtClean="0">
+                  <a:latin typeface="210 8비트 R" panose="020B0600000101010101" charset="-127"/>
+                  <a:ea typeface="210 8비트 R" panose="020B0600000101010101" charset="-127"/>
+                </a:rPr>
+                <a:t>재미 요소</a:t>
+              </a:r>
+              <a:endParaRPr lang="ko-KR" altLang="en-US" sz="4000">
+                <a:latin typeface="210 8비트 R" panose="020B0600000101010101" charset="-127"/>
+                <a:ea typeface="210 8비트 R" panose="020B0600000101010101" charset="-127"/>
+              </a:endParaRPr>
+            </a:p>
+          </p:txBody>
+        </p:sp>
+      </p:grpSp>
+      <p:grpSp>
+        <p:nvGrpSpPr>
+          <p:cNvPr id="10" name="그룹 9"/>
+          <p:cNvGrpSpPr/>
+          <p:nvPr/>
+        </p:nvGrpSpPr>
+        <p:grpSpPr>
+          <a:xfrm>
+            <a:off x="4444095" y="5326288"/>
+            <a:ext cx="4038600" cy="3599622"/>
+            <a:chOff x="4169564" y="4920039"/>
+            <a:chExt cx="4038600" cy="3599622"/>
+          </a:xfrm>
+        </p:grpSpPr>
+        <p:pic>
+          <p:nvPicPr>
+            <p:cNvPr id="19" name="Picture 2" descr="https://o.remove.bg/downloads/75981d8f-f08d-4385-9ac9-b897fe538761/image-removebg-preview.png"/>
+            <p:cNvPicPr>
+              <a:picLocks noChangeAspect="1" noChangeArrowheads="1"/>
+            </p:cNvPicPr>
+            <p:nvPr/>
+          </p:nvPicPr>
+          <p:blipFill rotWithShape="1">
+            <a:blip r:embed="rId4">
+              <a:extLst>
+                <a:ext uri="{28A0092B-C50C-407E-A947-70E740481C1C}">
+                  <a14:useLocalDpi xmlns:a14="http://schemas.microsoft.com/office/drawing/2010/main" val="0"/>
+                </a:ext>
+              </a:extLst>
+            </a:blip>
+            <a:srcRect l="5883" t="9244" r="55462" b="56302"/>
+            <a:stretch/>
+          </p:blipFill>
+          <p:spPr bwMode="auto">
+            <a:xfrm>
+              <a:off x="4169564" y="4920039"/>
+              <a:ext cx="4038600" cy="3599622"/>
+            </a:xfrm>
+            <a:prstGeom prst="rect">
+              <a:avLst/>
+            </a:prstGeom>
+            <a:noFill/>
+            <a:extLst>
+              <a:ext uri="{909E8E84-426E-40DD-AFC4-6F175D3DCCD1}">
+                <a14:hiddenFill xmlns:a14="http://schemas.microsoft.com/office/drawing/2010/main">
+                  <a:solidFill>
+                    <a:srgbClr val="FFFFFF"/>
+                  </a:solidFill>
+                </a14:hiddenFill>
+              </a:ext>
+            </a:extLst>
+          </p:spPr>
+        </p:pic>
+        <p:sp>
+          <p:nvSpPr>
+            <p:cNvPr id="20" name="TextBox 19"/>
+            <p:cNvSpPr txBox="1"/>
+            <p:nvPr/>
+          </p:nvSpPr>
+          <p:spPr>
+            <a:xfrm>
+              <a:off x="4615062" y="6169809"/>
+              <a:ext cx="3147605" cy="1323439"/>
+            </a:xfrm>
+            <a:prstGeom prst="rect">
+              <a:avLst/>
+            </a:prstGeom>
+            <a:noFill/>
+          </p:spPr>
+          <p:txBody>
+            <a:bodyPr wrap="square" rtlCol="0">
+              <a:spAutoFit/>
+            </a:bodyPr>
+            <a:lstStyle/>
+            <a:p>
+              <a:pPr algn="ctr"/>
+              <a:r>
+                <a:rPr lang="ko-KR" altLang="en-US" sz="4000" smtClean="0">
+                  <a:latin typeface="210 8비트 R" panose="020B0600000101010101" charset="-127"/>
+                  <a:ea typeface="210 8비트 R" panose="020B0600000101010101" charset="-127"/>
+                </a:rPr>
+                <a:t>유사 게임 분석</a:t>
+              </a:r>
+              <a:r>
+                <a:rPr lang="en-US" altLang="ko-KR" sz="4000" smtClean="0">
+                  <a:latin typeface="210 8비트 R" panose="020B0600000101010101" charset="-127"/>
+                  <a:ea typeface="210 8비트 R" panose="020B0600000101010101" charset="-127"/>
+                </a:rPr>
+                <a:t>/</a:t>
+              </a:r>
+              <a:r>
+                <a:rPr lang="ko-KR" altLang="en-US" sz="4000" smtClean="0">
+                  <a:latin typeface="210 8비트 R" panose="020B0600000101010101" charset="-127"/>
+                  <a:ea typeface="210 8비트 R" panose="020B0600000101010101" charset="-127"/>
+                </a:rPr>
+                <a:t>차이점</a:t>
+              </a:r>
+              <a:endParaRPr lang="ko-KR" altLang="en-US" sz="4000">
+                <a:latin typeface="210 8비트 R" panose="020B0600000101010101" charset="-127"/>
+                <a:ea typeface="210 8비트 R" panose="020B0600000101010101" charset="-127"/>
+              </a:endParaRPr>
+            </a:p>
+          </p:txBody>
+        </p:sp>
+      </p:grpSp>
+      <p:grpSp>
+        <p:nvGrpSpPr>
+          <p:cNvPr id="11" name="그룹 10"/>
+          <p:cNvGrpSpPr/>
+          <p:nvPr/>
+        </p:nvGrpSpPr>
+        <p:grpSpPr>
+          <a:xfrm>
+            <a:off x="11053288" y="5770433"/>
+            <a:ext cx="3505200" cy="3124200"/>
+            <a:chOff x="10896600" y="5120754"/>
+            <a:chExt cx="3505200" cy="3124200"/>
+          </a:xfrm>
+        </p:grpSpPr>
+        <p:pic>
+          <p:nvPicPr>
+            <p:cNvPr id="15" name="Picture 2" descr="https://o.remove.bg/downloads/75981d8f-f08d-4385-9ac9-b897fe538761/image-removebg-preview.png"/>
+            <p:cNvPicPr>
+              <a:picLocks noChangeAspect="1" noChangeArrowheads="1"/>
+            </p:cNvPicPr>
+            <p:nvPr/>
+          </p:nvPicPr>
+          <p:blipFill rotWithShape="1">
+            <a:blip r:embed="rId4">
+              <a:extLst>
+                <a:ext uri="{28A0092B-C50C-407E-A947-70E740481C1C}">
+                  <a14:useLocalDpi xmlns:a14="http://schemas.microsoft.com/office/drawing/2010/main" val="0"/>
+                </a:ext>
+              </a:extLst>
+            </a:blip>
+            <a:srcRect l="5883" t="9244" r="55462" b="56302"/>
+            <a:stretch/>
+          </p:blipFill>
+          <p:spPr bwMode="auto">
+            <a:xfrm>
+              <a:off x="10896600" y="5120754"/>
+              <a:ext cx="3505200" cy="3124200"/>
+            </a:xfrm>
+            <a:prstGeom prst="rect">
+              <a:avLst/>
+            </a:prstGeom>
+            <a:noFill/>
+            <a:extLst>
+              <a:ext uri="{909E8E84-426E-40DD-AFC4-6F175D3DCCD1}">
+                <a14:hiddenFill xmlns:a14="http://schemas.microsoft.com/office/drawing/2010/main">
+                  <a:solidFill>
+                    <a:srgbClr val="FFFFFF"/>
+                  </a:solidFill>
+                </a14:hiddenFill>
+              </a:ext>
+            </a:extLst>
+          </p:spPr>
+        </p:pic>
+        <p:sp>
+          <p:nvSpPr>
+            <p:cNvPr id="18" name="TextBox 17"/>
+            <p:cNvSpPr txBox="1"/>
+            <p:nvPr/>
+          </p:nvSpPr>
+          <p:spPr>
+            <a:xfrm>
+              <a:off x="11254195" y="6177819"/>
+              <a:ext cx="2790009" cy="1323439"/>
+            </a:xfrm>
+            <a:prstGeom prst="rect">
+              <a:avLst/>
+            </a:prstGeom>
+            <a:noFill/>
+          </p:spPr>
+          <p:txBody>
+            <a:bodyPr wrap="square" rtlCol="0">
+              <a:spAutoFit/>
+            </a:bodyPr>
+            <a:lstStyle/>
+            <a:p>
+              <a:pPr algn="ctr"/>
+              <a:r>
+                <a:rPr lang="ko-KR" altLang="en-US" sz="4000" smtClean="0">
+                  <a:latin typeface="210 8비트 R" panose="020B0600000101010101" charset="-127"/>
+                  <a:ea typeface="210 8비트 R" panose="020B0600000101010101" charset="-127"/>
+                </a:rPr>
+                <a:t>핵심 게임 플레이 </a:t>
+              </a:r>
+              <a:endParaRPr lang="ko-KR" altLang="en-US" sz="4000">
+                <a:latin typeface="210 8비트 R" panose="020B0600000101010101" charset="-127"/>
+                <a:ea typeface="210 8비트 R" panose="020B0600000101010101" charset="-127"/>
+              </a:endParaRPr>
+            </a:p>
+          </p:txBody>
+        </p:sp>
+      </p:grpSp>
+      <p:grpSp>
+        <p:nvGrpSpPr>
+          <p:cNvPr id="26" name="그룹 25"/>
+          <p:cNvGrpSpPr/>
+          <p:nvPr/>
+        </p:nvGrpSpPr>
+        <p:grpSpPr>
           <a:xfrm flipH="1">
-            <a:off x="762000" y="6667500"/>
-            <a:ext cx="990043" cy="2171700"/>
+            <a:off x="19659600" y="6376779"/>
+            <a:ext cx="8133580" cy="1529666"/>
+            <a:chOff x="8686800" y="3086100"/>
+            <a:chExt cx="7549630" cy="1529666"/>
+          </a:xfrm>
+        </p:grpSpPr>
+        <p:pic>
+          <p:nvPicPr>
+            <p:cNvPr id="27" name="Picture 6" descr="https://o.remove.bg/downloads/3e69cf86-0988-49e0-9f4f-51138a3bf96b/image-removebg-preview.png"/>
+            <p:cNvPicPr>
+              <a:picLocks noChangeAspect="1" noChangeArrowheads="1"/>
+            </p:cNvPicPr>
+            <p:nvPr/>
+          </p:nvPicPr>
+          <p:blipFill>
+            <a:blip r:embed="rId3">
+              <a:extLst>
+                <a:ext uri="{28A0092B-C50C-407E-A947-70E740481C1C}">
+                  <a14:useLocalDpi xmlns:a14="http://schemas.microsoft.com/office/drawing/2010/main" val="0"/>
+                </a:ext>
+              </a:extLst>
+            </a:blip>
+            <a:srcRect/>
+            <a:stretch>
+              <a:fillRect/>
+            </a:stretch>
+          </p:blipFill>
+          <p:spPr bwMode="auto">
+            <a:xfrm>
+              <a:off x="8686800" y="3086100"/>
+              <a:ext cx="7549630" cy="1529666"/>
+            </a:xfrm>
+            <a:prstGeom prst="rect">
+              <a:avLst/>
+            </a:prstGeom>
+            <a:noFill/>
+            <a:extLst>
+              <a:ext uri="{909E8E84-426E-40DD-AFC4-6F175D3DCCD1}">
+                <a14:hiddenFill xmlns:a14="http://schemas.microsoft.com/office/drawing/2010/main">
+                  <a:solidFill>
+                    <a:srgbClr val="FFFFFF"/>
+                  </a:solidFill>
+                </a14:hiddenFill>
+              </a:ext>
+            </a:extLst>
+          </p:spPr>
+        </p:pic>
+        <p:sp>
+          <p:nvSpPr>
+            <p:cNvPr id="28" name="이등변 삼각형 27"/>
+            <p:cNvSpPr/>
+            <p:nvPr/>
+          </p:nvSpPr>
+          <p:spPr>
+            <a:xfrm rot="5400000">
+              <a:off x="12839700" y="3566491"/>
+              <a:ext cx="838200" cy="457200"/>
+            </a:xfrm>
+            <a:prstGeom prst="triangle">
+              <a:avLst/>
+            </a:prstGeom>
+            <a:solidFill>
+              <a:srgbClr val="EFEFEF"/>
+            </a:solidFill>
+            <a:ln>
+              <a:noFill/>
+            </a:ln>
+          </p:spPr>
+          <p:style>
+            <a:lnRef idx="2">
+              <a:schemeClr val="accent1">
+                <a:shade val="50000"/>
+              </a:schemeClr>
+            </a:lnRef>
+            <a:fillRef idx="1">
+              <a:schemeClr val="accent1"/>
+            </a:fillRef>
+            <a:effectRef idx="0">
+              <a:schemeClr val="accent1"/>
+            </a:effectRef>
+            <a:fontRef idx="minor">
+              <a:schemeClr val="lt1"/>
+            </a:fontRef>
+          </p:style>
+          <p:txBody>
+            <a:bodyPr rtlCol="0" anchor="ctr"/>
+            <a:lstStyle/>
+            <a:p>
+              <a:pPr algn="ctr"/>
+              <a:endParaRPr lang="ko-KR" altLang="en-US"/>
+            </a:p>
+          </p:txBody>
+        </p:sp>
+        <p:sp>
+          <p:nvSpPr>
+            <p:cNvPr id="29" name="TextBox 28"/>
+            <p:cNvSpPr txBox="1"/>
+            <p:nvPr/>
+          </p:nvSpPr>
+          <p:spPr>
+            <a:xfrm>
+              <a:off x="8915400" y="3272413"/>
+              <a:ext cx="4114800" cy="769441"/>
+            </a:xfrm>
+            <a:prstGeom prst="rect">
+              <a:avLst/>
+            </a:prstGeom>
+            <a:noFill/>
+          </p:spPr>
+          <p:txBody>
+            <a:bodyPr wrap="square" rtlCol="0">
+              <a:spAutoFit/>
+            </a:bodyPr>
+            <a:lstStyle/>
+            <a:p>
+              <a:r>
+                <a:rPr lang="en-US" altLang="ko-KR" sz="4400" smtClean="0">
+                  <a:latin typeface="Arcade Normal" panose="00000400000000000000" pitchFamily="1" charset="0"/>
+                </a:rPr>
+                <a:t>COTENTS</a:t>
+              </a:r>
+              <a:endParaRPr lang="ko-KR" altLang="en-US" sz="4400">
+                <a:latin typeface="Arcade Normal" panose="00000400000000000000" pitchFamily="1" charset="0"/>
+              </a:endParaRPr>
+            </a:p>
+          </p:txBody>
+        </p:sp>
+      </p:grpSp>
+      <p:sp>
+        <p:nvSpPr>
+          <p:cNvPr id="22" name="TextBox 21"/>
+          <p:cNvSpPr txBox="1"/>
+          <p:nvPr/>
+        </p:nvSpPr>
+        <p:spPr>
+          <a:xfrm>
+            <a:off x="6218903" y="35569"/>
+            <a:ext cx="7239000" cy="1107996"/>
           </a:xfrm>
           <a:prstGeom prst="rect">
             <a:avLst/>
           </a:prstGeom>
           <a:noFill/>
-          <a:extLst>
-            <a:ext uri="{909E8E84-426E-40DD-AFC4-6F175D3DCCD1}">
-              <a14:hiddenFill xmlns:a14="http://schemas.microsoft.com/office/drawing/2010/main">
-                <a:solidFill>
-                  <a:srgbClr val="FFFFFF"/>
-                </a:solidFill>
-              </a14:hiddenFill>
-            </a:ext>
-          </a:extLst>
         </p:spPr>
-      </p:pic>
+        <p:txBody>
+          <a:bodyPr wrap="square" rtlCol="0">
+            <a:spAutoFit/>
+          </a:bodyPr>
+          <a:lstStyle/>
+          <a:p>
+            <a:r>
+              <a:rPr lang="en-US" altLang="ko-KR" sz="6600" smtClean="0">
+                <a:solidFill>
+                  <a:schemeClr val="bg1"/>
+                </a:solidFill>
+                <a:latin typeface="Arcade Normal" panose="00000400000000000000" pitchFamily="1" charset="0"/>
+              </a:rPr>
+              <a:t>CONTENTS</a:t>
+            </a:r>
+            <a:endParaRPr lang="ko-KR" altLang="en-US" sz="6600">
+              <a:solidFill>
+                <a:schemeClr val="bg1"/>
+              </a:solidFill>
+              <a:latin typeface="Arcade Normal" panose="00000400000000000000" pitchFamily="1" charset="0"/>
+            </a:endParaRPr>
+          </a:p>
+        </p:txBody>
+      </p:sp>
+      <p:sp>
+        <p:nvSpPr>
+          <p:cNvPr id="23" name="오른쪽 화살표 22"/>
+          <p:cNvSpPr/>
+          <p:nvPr/>
+        </p:nvSpPr>
+        <p:spPr>
+          <a:xfrm>
+            <a:off x="6032630" y="2979248"/>
+            <a:ext cx="1160958" cy="1182531"/>
+          </a:xfrm>
+          <a:prstGeom prst="rightArrow">
+            <a:avLst/>
+          </a:prstGeom>
+          <a:solidFill>
+            <a:schemeClr val="accent2">
+              <a:lumMod val="60000"/>
+              <a:lumOff val="40000"/>
+            </a:schemeClr>
+          </a:solidFill>
+          <a:ln>
+            <a:noFill/>
+          </a:ln>
+        </p:spPr>
+        <p:style>
+          <a:lnRef idx="2">
+            <a:schemeClr val="accent1">
+              <a:shade val="50000"/>
+            </a:schemeClr>
+          </a:lnRef>
+          <a:fillRef idx="1">
+            <a:schemeClr val="accent1"/>
+          </a:fillRef>
+          <a:effectRef idx="0">
+            <a:schemeClr val="accent1"/>
+          </a:effectRef>
+          <a:fontRef idx="minor">
+            <a:schemeClr val="lt1"/>
+          </a:fontRef>
+        </p:style>
+        <p:txBody>
+          <a:bodyPr rtlCol="0" anchor="ctr"/>
+          <a:lstStyle/>
+          <a:p>
+            <a:pPr algn="ctr"/>
+            <a:endParaRPr lang="ko-KR" altLang="en-US"/>
+          </a:p>
+        </p:txBody>
+      </p:sp>
+      <p:sp>
+        <p:nvSpPr>
+          <p:cNvPr id="32" name="오른쪽 화살표 31"/>
+          <p:cNvSpPr/>
+          <p:nvPr/>
+        </p:nvSpPr>
+        <p:spPr>
+          <a:xfrm>
+            <a:off x="11465560" y="2899740"/>
+            <a:ext cx="1160958" cy="1182531"/>
+          </a:xfrm>
+          <a:prstGeom prst="rightArrow">
+            <a:avLst/>
+          </a:prstGeom>
+          <a:solidFill>
+            <a:schemeClr val="accent2">
+              <a:lumMod val="60000"/>
+              <a:lumOff val="40000"/>
+            </a:schemeClr>
+          </a:solidFill>
+          <a:ln>
+            <a:noFill/>
+          </a:ln>
+        </p:spPr>
+        <p:style>
+          <a:lnRef idx="2">
+            <a:schemeClr val="accent1">
+              <a:shade val="50000"/>
+            </a:schemeClr>
+          </a:lnRef>
+          <a:fillRef idx="1">
+            <a:schemeClr val="accent1"/>
+          </a:fillRef>
+          <a:effectRef idx="0">
+            <a:schemeClr val="accent1"/>
+          </a:effectRef>
+          <a:fontRef idx="minor">
+            <a:schemeClr val="lt1"/>
+          </a:fontRef>
+        </p:style>
+        <p:txBody>
+          <a:bodyPr rtlCol="0" anchor="ctr"/>
+          <a:lstStyle/>
+          <a:p>
+            <a:pPr algn="ctr"/>
+            <a:endParaRPr lang="ko-KR" altLang="en-US"/>
+          </a:p>
+        </p:txBody>
+      </p:sp>
+      <p:sp>
+        <p:nvSpPr>
+          <p:cNvPr id="33" name="오른쪽 화살표 32"/>
+          <p:cNvSpPr/>
+          <p:nvPr/>
+        </p:nvSpPr>
+        <p:spPr>
+          <a:xfrm rot="6775132">
+            <a:off x="14107047" y="4748000"/>
+            <a:ext cx="1160958" cy="1182531"/>
+          </a:xfrm>
+          <a:prstGeom prst="rightArrow">
+            <a:avLst/>
+          </a:prstGeom>
+          <a:solidFill>
+            <a:schemeClr val="accent2">
+              <a:lumMod val="60000"/>
+              <a:lumOff val="40000"/>
+            </a:schemeClr>
+          </a:solidFill>
+          <a:ln>
+            <a:noFill/>
+          </a:ln>
+        </p:spPr>
+        <p:style>
+          <a:lnRef idx="2">
+            <a:schemeClr val="accent1">
+              <a:shade val="50000"/>
+            </a:schemeClr>
+          </a:lnRef>
+          <a:fillRef idx="1">
+            <a:schemeClr val="accent1"/>
+          </a:fillRef>
+          <a:effectRef idx="0">
+            <a:schemeClr val="accent1"/>
+          </a:effectRef>
+          <a:fontRef idx="minor">
+            <a:schemeClr val="lt1"/>
+          </a:fontRef>
+        </p:style>
+        <p:txBody>
+          <a:bodyPr rtlCol="0" anchor="ctr"/>
+          <a:lstStyle/>
+          <a:p>
+            <a:pPr algn="ctr"/>
+            <a:endParaRPr lang="ko-KR" altLang="en-US"/>
+          </a:p>
+        </p:txBody>
+      </p:sp>
+      <p:sp>
+        <p:nvSpPr>
+          <p:cNvPr id="34" name="오른쪽 화살표 33"/>
+          <p:cNvSpPr/>
+          <p:nvPr/>
+        </p:nvSpPr>
+        <p:spPr>
+          <a:xfrm rot="10800000">
+            <a:off x="8878707" y="6741267"/>
+            <a:ext cx="1160958" cy="1182531"/>
+          </a:xfrm>
+          <a:prstGeom prst="rightArrow">
+            <a:avLst/>
+          </a:prstGeom>
+          <a:solidFill>
+            <a:schemeClr val="accent2">
+              <a:lumMod val="60000"/>
+              <a:lumOff val="40000"/>
+            </a:schemeClr>
+          </a:solidFill>
+          <a:ln>
+            <a:noFill/>
+          </a:ln>
+        </p:spPr>
+        <p:style>
+          <a:lnRef idx="2">
+            <a:schemeClr val="accent1">
+              <a:shade val="50000"/>
+            </a:schemeClr>
+          </a:lnRef>
+          <a:fillRef idx="1">
+            <a:schemeClr val="accent1"/>
+          </a:fillRef>
+          <a:effectRef idx="0">
+            <a:schemeClr val="accent1"/>
+          </a:effectRef>
+          <a:fontRef idx="minor">
+            <a:schemeClr val="lt1"/>
+          </a:fontRef>
+        </p:style>
+        <p:txBody>
+          <a:bodyPr rtlCol="0" anchor="ctr"/>
+          <a:lstStyle/>
+          <a:p>
+            <a:pPr algn="ctr"/>
+            <a:endParaRPr lang="ko-KR" altLang="en-US"/>
+          </a:p>
+        </p:txBody>
+      </p:sp>
     </p:spTree>
     <p:extLst>
       <p:ext uri="{BB962C8B-B14F-4D97-AF65-F5344CB8AC3E}">
@@ -7041,6 +12385,495 @@
   <p:clrMapOvr>
     <a:masterClrMapping/>
   </p:clrMapOvr>
+  <p:timing>
+    <p:tnLst>
+      <p:par>
+        <p:cTn id="1" dur="indefinite" restart="never" nodeType="tmRoot">
+          <p:childTnLst>
+            <p:seq concurrent="1" nextAc="seek">
+              <p:cTn id="2" dur="indefinite" nodeType="mainSeq">
+                <p:childTnLst>
+                  <p:par>
+                    <p:cTn id="3" fill="hold">
+                      <p:stCondLst>
+                        <p:cond delay="indefinite"/>
+                      </p:stCondLst>
+                      <p:childTnLst>
+                        <p:par>
+                          <p:cTn id="4" fill="hold">
+                            <p:stCondLst>
+                              <p:cond delay="0"/>
+                            </p:stCondLst>
+                            <p:childTnLst>
+                              <p:par>
+                                <p:cTn id="5" presetID="0" presetClass="path" presetSubtype="0" accel="50000" decel="50000" fill="hold" nodeType="clickEffect">
+                                  <p:stCondLst>
+                                    <p:cond delay="500"/>
+                                  </p:stCondLst>
+                                  <p:childTnLst>
+                                    <p:animMotion origin="layout" path="M -1.73472E-17 1.23457E-7 L -1.73472E-17 0.00015 C 0.00443 0.00046 0.00885 0.00062 0.01319 0.00108 C 0.01476 0.00123 0.01623 0.0017 0.01771 0.00201 C 0.0197 0.00278 0.02135 0.00401 0.02361 0.00401 C 0.04401 0.00509 0.06476 0.00478 0.08533 0.00509 L 0.15599 0.00309 C 0.16241 0.00293 0.16866 0.00231 0.17526 0.00201 C 0.20356 0.00154 0.23212 0.00139 0.26059 0.00108 L 0.28116 1.23457E-7 C 0.28611 -0.00015 0.29089 -0.00093 0.29592 -0.00093 C 0.40339 -0.00093 0.3309 0.00062 0.41953 0.00108 L 0.673 0.00201 L 0.92925 0.00108 C 0.93559 0.00108 0.94175 0.00015 0.94844 1.23457E-7 L 1.10599 -0.00093 L 1.12517 -0.00201 C 1.15911 -0.00324 1.22795 -0.00432 1.24887 -0.00494 L 1.28568 -0.00602 C 1.29444 -0.00664 1.30321 -0.00756 1.31224 -0.00787 L 1.36224 -0.00988 L 1.58776 -0.00988 " pathEditMode="relative" rAng="0" ptsTypes="AAAAAAAAAAAAAAAAAAAAAA">
+                                      <p:cBhvr>
+                                        <p:cTn id="6" dur="5000" fill="hold"/>
+                                        <p:tgtEl>
+                                          <p:spTgt spid="4"/>
+                                        </p:tgtEl>
+                                        <p:attrNameLst>
+                                          <p:attrName>ppt_x</p:attrName>
+                                          <p:attrName>ppt_y</p:attrName>
+                                        </p:attrNameLst>
+                                      </p:cBhvr>
+                                      <p:rCtr x="79384" y="-247"/>
+                                    </p:animMotion>
+                                  </p:childTnLst>
+                                </p:cTn>
+                              </p:par>
+                              <p:par>
+                                <p:cTn id="7" presetID="9" presetClass="entr" presetSubtype="0" fill="hold" nodeType="withEffect">
+                                  <p:stCondLst>
+                                    <p:cond delay="1500"/>
+                                  </p:stCondLst>
+                                  <p:childTnLst>
+                                    <p:set>
+                                      <p:cBhvr>
+                                        <p:cTn id="8" dur="1" fill="hold">
+                                          <p:stCondLst>
+                                            <p:cond delay="0"/>
+                                          </p:stCondLst>
+                                        </p:cTn>
+                                        <p:tgtEl>
+                                          <p:spTgt spid="9"/>
+                                        </p:tgtEl>
+                                        <p:attrNameLst>
+                                          <p:attrName>style.visibility</p:attrName>
+                                        </p:attrNameLst>
+                                      </p:cBhvr>
+                                      <p:to>
+                                        <p:strVal val="visible"/>
+                                      </p:to>
+                                    </p:set>
+                                    <p:animEffect transition="in" filter="dissolve">
+                                      <p:cBhvr>
+                                        <p:cTn id="9" dur="3000"/>
+                                        <p:tgtEl>
+                                          <p:spTgt spid="9"/>
+                                        </p:tgtEl>
+                                      </p:cBhvr>
+                                    </p:animEffect>
+                                  </p:childTnLst>
+                                </p:cTn>
+                              </p:par>
+                              <p:par>
+                                <p:cTn id="10" presetID="9" presetClass="entr" presetSubtype="0" fill="hold" nodeType="withEffect">
+                                  <p:stCondLst>
+                                    <p:cond delay="2500"/>
+                                  </p:stCondLst>
+                                  <p:childTnLst>
+                                    <p:set>
+                                      <p:cBhvr>
+                                        <p:cTn id="11" dur="1" fill="hold">
+                                          <p:stCondLst>
+                                            <p:cond delay="0"/>
+                                          </p:stCondLst>
+                                        </p:cTn>
+                                        <p:tgtEl>
+                                          <p:spTgt spid="21"/>
+                                        </p:tgtEl>
+                                        <p:attrNameLst>
+                                          <p:attrName>style.visibility</p:attrName>
+                                        </p:attrNameLst>
+                                      </p:cBhvr>
+                                      <p:to>
+                                        <p:strVal val="visible"/>
+                                      </p:to>
+                                    </p:set>
+                                    <p:animEffect transition="in" filter="dissolve">
+                                      <p:cBhvr>
+                                        <p:cTn id="12" dur="3000"/>
+                                        <p:tgtEl>
+                                          <p:spTgt spid="21"/>
+                                        </p:tgtEl>
+                                      </p:cBhvr>
+                                    </p:animEffect>
+                                  </p:childTnLst>
+                                </p:cTn>
+                              </p:par>
+                              <p:par>
+                                <p:cTn id="13" presetID="9" presetClass="entr" presetSubtype="0" fill="hold" nodeType="withEffect">
+                                  <p:stCondLst>
+                                    <p:cond delay="2500"/>
+                                  </p:stCondLst>
+                                  <p:childTnLst>
+                                    <p:set>
+                                      <p:cBhvr>
+                                        <p:cTn id="14" dur="1" fill="hold">
+                                          <p:stCondLst>
+                                            <p:cond delay="0"/>
+                                          </p:stCondLst>
+                                        </p:cTn>
+                                        <p:tgtEl>
+                                          <p:spTgt spid="12"/>
+                                        </p:tgtEl>
+                                        <p:attrNameLst>
+                                          <p:attrName>style.visibility</p:attrName>
+                                        </p:attrNameLst>
+                                      </p:cBhvr>
+                                      <p:to>
+                                        <p:strVal val="visible"/>
+                                      </p:to>
+                                    </p:set>
+                                    <p:animEffect transition="in" filter="dissolve">
+                                      <p:cBhvr>
+                                        <p:cTn id="15" dur="3000"/>
+                                        <p:tgtEl>
+                                          <p:spTgt spid="12"/>
+                                        </p:tgtEl>
+                                      </p:cBhvr>
+                                    </p:animEffect>
+                                  </p:childTnLst>
+                                </p:cTn>
+                              </p:par>
+                            </p:childTnLst>
+                          </p:cTn>
+                        </p:par>
+                        <p:par>
+                          <p:cTn id="16" fill="hold">
+                            <p:stCondLst>
+                              <p:cond delay="5500"/>
+                            </p:stCondLst>
+                            <p:childTnLst>
+                              <p:par>
+                                <p:cTn id="17" presetID="0" presetClass="path" presetSubtype="0" accel="50000" decel="50000" fill="hold" nodeType="afterEffect">
+                                  <p:stCondLst>
+                                    <p:cond delay="0"/>
+                                  </p:stCondLst>
+                                  <p:childTnLst>
+                                    <p:animMotion origin="layout" path="M -5.27778E-6 7.40741E-7 L -5.27778E-6 7.40741E-7 C -0.00652 0.00092 -0.01303 0.00077 -0.01937 0.00293 C -0.0244 0.00462 -0.03395 0.01157 -0.03395 0.01157 L -0.1178 0.00864 C -0.12319 0.00833 -0.12857 0.00632 -0.13395 0.0057 C -0.19272 -0.00016 -0.20635 -0.00016 -0.26294 -0.00278 L -0.63074 7.40741E-7 C -0.64037 0.00015 -0.65001 0.00277 -0.65973 0.00293 L -0.93881 0.0057 L -1.35001 0.00293 C -1.36286 0.00277 -1.37579 0.00123 -1.38872 7.40741E-7 C -1.39515 -0.00062 -1.40157 -0.00278 -1.40808 -0.00278 L -1.93551 -0.00278 " pathEditMode="relative" ptsTypes="AAAAAAAAAAAAAA">
+                                      <p:cBhvr>
+                                        <p:cTn id="18" dur="5000" fill="hold"/>
+                                        <p:tgtEl>
+                                          <p:spTgt spid="26"/>
+                                        </p:tgtEl>
+                                        <p:attrNameLst>
+                                          <p:attrName>ppt_x</p:attrName>
+                                          <p:attrName>ppt_y</p:attrName>
+                                        </p:attrNameLst>
+                                      </p:cBhvr>
+                                    </p:animMotion>
+                                  </p:childTnLst>
+                                </p:cTn>
+                              </p:par>
+                              <p:par>
+                                <p:cTn id="19" presetID="9" presetClass="entr" presetSubtype="0" fill="hold" nodeType="withEffect">
+                                  <p:stCondLst>
+                                    <p:cond delay="1500"/>
+                                  </p:stCondLst>
+                                  <p:childTnLst>
+                                    <p:set>
+                                      <p:cBhvr>
+                                        <p:cTn id="20" dur="1" fill="hold">
+                                          <p:stCondLst>
+                                            <p:cond delay="0"/>
+                                          </p:stCondLst>
+                                        </p:cTn>
+                                        <p:tgtEl>
+                                          <p:spTgt spid="11"/>
+                                        </p:tgtEl>
+                                        <p:attrNameLst>
+                                          <p:attrName>style.visibility</p:attrName>
+                                        </p:attrNameLst>
+                                      </p:cBhvr>
+                                      <p:to>
+                                        <p:strVal val="visible"/>
+                                      </p:to>
+                                    </p:set>
+                                    <p:animEffect transition="in" filter="dissolve">
+                                      <p:cBhvr>
+                                        <p:cTn id="21" dur="3000"/>
+                                        <p:tgtEl>
+                                          <p:spTgt spid="11"/>
+                                        </p:tgtEl>
+                                      </p:cBhvr>
+                                    </p:animEffect>
+                                  </p:childTnLst>
+                                </p:cTn>
+                              </p:par>
+                              <p:par>
+                                <p:cTn id="22" presetID="9" presetClass="entr" presetSubtype="0" fill="hold" nodeType="withEffect">
+                                  <p:stCondLst>
+                                    <p:cond delay="2500"/>
+                                  </p:stCondLst>
+                                  <p:childTnLst>
+                                    <p:set>
+                                      <p:cBhvr>
+                                        <p:cTn id="23" dur="1" fill="hold">
+                                          <p:stCondLst>
+                                            <p:cond delay="0"/>
+                                          </p:stCondLst>
+                                        </p:cTn>
+                                        <p:tgtEl>
+                                          <p:spTgt spid="10"/>
+                                        </p:tgtEl>
+                                        <p:attrNameLst>
+                                          <p:attrName>style.visibility</p:attrName>
+                                        </p:attrNameLst>
+                                      </p:cBhvr>
+                                      <p:to>
+                                        <p:strVal val="visible"/>
+                                      </p:to>
+                                    </p:set>
+                                    <p:animEffect transition="in" filter="dissolve">
+                                      <p:cBhvr>
+                                        <p:cTn id="24" dur="3000"/>
+                                        <p:tgtEl>
+                                          <p:spTgt spid="10"/>
+                                        </p:tgtEl>
+                                      </p:cBhvr>
+                                    </p:animEffect>
+                                  </p:childTnLst>
+                                </p:cTn>
+                              </p:par>
+                              <p:par>
+                                <p:cTn id="25" presetID="12" presetClass="entr" presetSubtype="4" fill="hold" grpId="0" nodeType="withEffect">
+                                  <p:stCondLst>
+                                    <p:cond delay="1500"/>
+                                  </p:stCondLst>
+                                  <p:childTnLst>
+                                    <p:set>
+                                      <p:cBhvr>
+                                        <p:cTn id="26" dur="1" fill="hold">
+                                          <p:stCondLst>
+                                            <p:cond delay="0"/>
+                                          </p:stCondLst>
+                                        </p:cTn>
+                                        <p:tgtEl>
+                                          <p:spTgt spid="22"/>
+                                        </p:tgtEl>
+                                        <p:attrNameLst>
+                                          <p:attrName>style.visibility</p:attrName>
+                                        </p:attrNameLst>
+                                      </p:cBhvr>
+                                      <p:to>
+                                        <p:strVal val="visible"/>
+                                      </p:to>
+                                    </p:set>
+                                    <p:anim calcmode="lin" valueType="num">
+                                      <p:cBhvr additive="base">
+                                        <p:cTn id="27" dur="500"/>
+                                        <p:tgtEl>
+                                          <p:spTgt spid="22"/>
+                                        </p:tgtEl>
+                                        <p:attrNameLst>
+                                          <p:attrName>ppt_y</p:attrName>
+                                        </p:attrNameLst>
+                                      </p:cBhvr>
+                                      <p:tavLst>
+                                        <p:tav tm="0">
+                                          <p:val>
+                                            <p:strVal val="#ppt_y+#ppt_h*1.125000"/>
+                                          </p:val>
+                                        </p:tav>
+                                        <p:tav tm="100000">
+                                          <p:val>
+                                            <p:strVal val="#ppt_y"/>
+                                          </p:val>
+                                        </p:tav>
+                                      </p:tavLst>
+                                    </p:anim>
+                                    <p:animEffect transition="in" filter="wipe(up)">
+                                      <p:cBhvr>
+                                        <p:cTn id="28" dur="500"/>
+                                        <p:tgtEl>
+                                          <p:spTgt spid="22"/>
+                                        </p:tgtEl>
+                                      </p:cBhvr>
+                                    </p:animEffect>
+                                  </p:childTnLst>
+                                </p:cTn>
+                              </p:par>
+                            </p:childTnLst>
+                          </p:cTn>
+                        </p:par>
+                        <p:par>
+                          <p:cTn id="29" fill="hold">
+                            <p:stCondLst>
+                              <p:cond delay="11000"/>
+                            </p:stCondLst>
+                            <p:childTnLst>
+                              <p:par>
+                                <p:cTn id="30" presetID="9" presetClass="entr" presetSubtype="0" fill="hold" grpId="0" nodeType="afterEffect">
+                                  <p:stCondLst>
+                                    <p:cond delay="0"/>
+                                  </p:stCondLst>
+                                  <p:childTnLst>
+                                    <p:set>
+                                      <p:cBhvr>
+                                        <p:cTn id="31" dur="1" fill="hold">
+                                          <p:stCondLst>
+                                            <p:cond delay="0"/>
+                                          </p:stCondLst>
+                                        </p:cTn>
+                                        <p:tgtEl>
+                                          <p:spTgt spid="23"/>
+                                        </p:tgtEl>
+                                        <p:attrNameLst>
+                                          <p:attrName>style.visibility</p:attrName>
+                                        </p:attrNameLst>
+                                      </p:cBhvr>
+                                      <p:to>
+                                        <p:strVal val="visible"/>
+                                      </p:to>
+                                    </p:set>
+                                    <p:animEffect transition="in" filter="dissolve">
+                                      <p:cBhvr>
+                                        <p:cTn id="32" dur="2000"/>
+                                        <p:tgtEl>
+                                          <p:spTgt spid="23"/>
+                                        </p:tgtEl>
+                                      </p:cBhvr>
+                                    </p:animEffect>
+                                  </p:childTnLst>
+                                </p:cTn>
+                              </p:par>
+                              <p:par>
+                                <p:cTn id="33" presetID="9" presetClass="entr" presetSubtype="0" fill="hold" grpId="0" nodeType="withEffect">
+                                  <p:stCondLst>
+                                    <p:cond delay="0"/>
+                                  </p:stCondLst>
+                                  <p:childTnLst>
+                                    <p:set>
+                                      <p:cBhvr>
+                                        <p:cTn id="34" dur="1" fill="hold">
+                                          <p:stCondLst>
+                                            <p:cond delay="0"/>
+                                          </p:stCondLst>
+                                        </p:cTn>
+                                        <p:tgtEl>
+                                          <p:spTgt spid="32"/>
+                                        </p:tgtEl>
+                                        <p:attrNameLst>
+                                          <p:attrName>style.visibility</p:attrName>
+                                        </p:attrNameLst>
+                                      </p:cBhvr>
+                                      <p:to>
+                                        <p:strVal val="visible"/>
+                                      </p:to>
+                                    </p:set>
+                                    <p:animEffect transition="in" filter="dissolve">
+                                      <p:cBhvr>
+                                        <p:cTn id="35" dur="2000"/>
+                                        <p:tgtEl>
+                                          <p:spTgt spid="32"/>
+                                        </p:tgtEl>
+                                      </p:cBhvr>
+                                    </p:animEffect>
+                                  </p:childTnLst>
+                                </p:cTn>
+                              </p:par>
+                              <p:par>
+                                <p:cTn id="36" presetID="9" presetClass="entr" presetSubtype="0" fill="hold" grpId="0" nodeType="withEffect">
+                                  <p:stCondLst>
+                                    <p:cond delay="0"/>
+                                  </p:stCondLst>
+                                  <p:childTnLst>
+                                    <p:set>
+                                      <p:cBhvr>
+                                        <p:cTn id="37" dur="1" fill="hold">
+                                          <p:stCondLst>
+                                            <p:cond delay="0"/>
+                                          </p:stCondLst>
+                                        </p:cTn>
+                                        <p:tgtEl>
+                                          <p:spTgt spid="33"/>
+                                        </p:tgtEl>
+                                        <p:attrNameLst>
+                                          <p:attrName>style.visibility</p:attrName>
+                                        </p:attrNameLst>
+                                      </p:cBhvr>
+                                      <p:to>
+                                        <p:strVal val="visible"/>
+                                      </p:to>
+                                    </p:set>
+                                    <p:animEffect transition="in" filter="dissolve">
+                                      <p:cBhvr>
+                                        <p:cTn id="38" dur="2000"/>
+                                        <p:tgtEl>
+                                          <p:spTgt spid="33"/>
+                                        </p:tgtEl>
+                                      </p:cBhvr>
+                                    </p:animEffect>
+                                  </p:childTnLst>
+                                </p:cTn>
+                              </p:par>
+                              <p:par>
+                                <p:cTn id="39" presetID="9" presetClass="entr" presetSubtype="0" fill="hold" grpId="0" nodeType="withEffect">
+                                  <p:stCondLst>
+                                    <p:cond delay="0"/>
+                                  </p:stCondLst>
+                                  <p:childTnLst>
+                                    <p:set>
+                                      <p:cBhvr>
+                                        <p:cTn id="40" dur="1" fill="hold">
+                                          <p:stCondLst>
+                                            <p:cond delay="0"/>
+                                          </p:stCondLst>
+                                        </p:cTn>
+                                        <p:tgtEl>
+                                          <p:spTgt spid="34"/>
+                                        </p:tgtEl>
+                                        <p:attrNameLst>
+                                          <p:attrName>style.visibility</p:attrName>
+                                        </p:attrNameLst>
+                                      </p:cBhvr>
+                                      <p:to>
+                                        <p:strVal val="visible"/>
+                                      </p:to>
+                                    </p:set>
+                                    <p:animEffect transition="in" filter="dissolve">
+                                      <p:cBhvr>
+                                        <p:cTn id="41" dur="2000"/>
+                                        <p:tgtEl>
+                                          <p:spTgt spid="34"/>
+                                        </p:tgtEl>
+                                      </p:cBhvr>
+                                    </p:animEffect>
+                                  </p:childTnLst>
+                                </p:cTn>
+                              </p:par>
+                            </p:childTnLst>
+                          </p:cTn>
+                        </p:par>
+                      </p:childTnLst>
+                    </p:cTn>
+                  </p:par>
+                </p:childTnLst>
+              </p:cTn>
+              <p:prevCondLst>
+                <p:cond evt="onPrev" delay="0">
+                  <p:tgtEl>
+                    <p:sldTgt/>
+                  </p:tgtEl>
+                </p:cond>
+              </p:prevCondLst>
+              <p:nextCondLst>
+                <p:cond evt="onNext" delay="0">
+                  <p:tgtEl>
+                    <p:sldTgt/>
+                  </p:tgtEl>
+                </p:cond>
+              </p:nextCondLst>
+            </p:seq>
+          </p:childTnLst>
+        </p:cTn>
+      </p:par>
+    </p:tnLst>
+    <p:bldLst>
+      <p:bldP spid="22" grpId="0"/>
+      <p:bldP spid="23" grpId="0" animBg="1"/>
+      <p:bldP spid="32" grpId="0" animBg="1"/>
+      <p:bldP spid="33" grpId="0" animBg="1"/>
+      <p:bldP spid="34" grpId="0" animBg="1"/>
+    </p:bldLst>
+  </p:timing>
 </p:sld>
 </file>
 
@@ -7849,6 +13682,95 @@
           </a:p>
         </p:txBody>
       </p:sp>
+      <p:sp>
+        <p:nvSpPr>
+          <p:cNvPr id="2" name="직사각형 1"/>
+          <p:cNvSpPr/>
+          <p:nvPr/>
+        </p:nvSpPr>
+        <p:spPr>
+          <a:xfrm>
+            <a:off x="5484335" y="55691"/>
+            <a:ext cx="7758854" cy="2215991"/>
+          </a:xfrm>
+          <a:prstGeom prst="rect">
+            <a:avLst/>
+          </a:prstGeom>
+          <a:noFill/>
+        </p:spPr>
+        <p:txBody>
+          <a:bodyPr wrap="none" lIns="91440" tIns="45720" rIns="91440" bIns="45720">
+            <a:spAutoFit/>
+          </a:bodyPr>
+          <a:lstStyle/>
+          <a:p>
+            <a:pPr algn="ctr"/>
+            <a:r>
+              <a:rPr lang="ko-KR" altLang="en-US" sz="13800" smtClean="0">
+                <a:ln w="12700">
+                  <a:solidFill>
+                    <a:schemeClr val="tx2">
+                      <a:lumMod val="75000"/>
+                    </a:schemeClr>
+                  </a:solidFill>
+                  <a:prstDash val="solid"/>
+                </a:ln>
+                <a:pattFill prst="dkUpDiag">
+                  <a:fgClr>
+                    <a:schemeClr val="tx2"/>
+                  </a:fgClr>
+                  <a:bgClr>
+                    <a:schemeClr val="tx2">
+                      <a:lumMod val="20000"/>
+                      <a:lumOff val="80000"/>
+                    </a:schemeClr>
+                  </a:bgClr>
+                </a:pattFill>
+                <a:effectLst>
+                  <a:outerShdw dist="38100" dir="2640000" algn="bl" rotWithShape="0">
+                    <a:schemeClr val="tx2">
+                      <a:lumMod val="75000"/>
+                    </a:schemeClr>
+                  </a:outerShdw>
+                </a:effectLst>
+                <a:latin typeface="210 8비트 R" panose="020B0600000101010101" charset="-127"/>
+                <a:ea typeface="210 8비트 R" panose="020B0600000101010101" charset="-127"/>
+              </a:rPr>
+              <a:t>팀원 소개</a:t>
+            </a:r>
+            <a:endParaRPr lang="en-US" altLang="ko-KR" sz="4400" cap="none" spc="0">
+              <a:ln w="12700">
+                <a:solidFill>
+                  <a:schemeClr val="tx2">
+                    <a:lumMod val="75000"/>
+                  </a:schemeClr>
+                </a:solidFill>
+                <a:prstDash val="solid"/>
+              </a:ln>
+              <a:pattFill prst="dkUpDiag">
+                <a:fgClr>
+                  <a:schemeClr val="tx2"/>
+                </a:fgClr>
+                <a:bgClr>
+                  <a:schemeClr val="tx2">
+                    <a:lumMod val="20000"/>
+                    <a:lumOff val="80000"/>
+                  </a:schemeClr>
+                </a:bgClr>
+              </a:pattFill>
+              <a:effectLst>
+                <a:outerShdw dist="38100" dir="2640000" algn="bl" rotWithShape="0">
+                  <a:schemeClr val="tx2">
+                    <a:lumMod val="75000"/>
+                  </a:schemeClr>
+                </a:outerShdw>
+              </a:effectLst>
+              <a:latin typeface="210 8비트 R" panose="020B0600000101010101" charset="-127"/>
+              <a:ea typeface="210 8비트 R" panose="020B0600000101010101" charset="-127"/>
+            </a:endParaRPr>
+          </a:p>
+        </p:txBody>
+      </p:sp>
     </p:spTree>
   </p:cSld>
   <p:clrMapOvr>
@@ -8010,7 +13932,7 @@
         </p:nvSpPr>
         <p:spPr>
           <a:xfrm>
-            <a:off x="-3294646" y="1018285"/>
+            <a:off x="-5029200" y="-125549"/>
             <a:ext cx="7194421" cy="1752823"/>
           </a:xfrm>
           <a:custGeom>
@@ -8056,59 +13978,13 @@
       </p:sp>
       <p:sp>
         <p:nvSpPr>
-          <p:cNvPr id="15" name="TextBox 14"/>
-          <p:cNvSpPr txBox="1"/>
-          <p:nvPr/>
-        </p:nvSpPr>
-        <p:spPr>
-          <a:xfrm>
-            <a:off x="7292370" y="396476"/>
-            <a:ext cx="3703260" cy="1015663"/>
-          </a:xfrm>
-          <a:prstGeom prst="rect">
-            <a:avLst/>
-          </a:prstGeom>
-          <a:noFill/>
-        </p:spPr>
-        <p:txBody>
-          <a:bodyPr wrap="square" rtlCol="0">
-            <a:spAutoFit/>
-          </a:bodyPr>
-          <a:lstStyle/>
-          <a:p>
-            <a:r>
-              <a:rPr lang="ko-KR" altLang="en-US" sz="6000" smtClean="0">
-                <a:solidFill>
-                  <a:schemeClr val="bg1">
-                    <a:lumMod val="95000"/>
-                  </a:schemeClr>
-                </a:solidFill>
-                <a:latin typeface="210 8비트 R" panose="020B0600000101010101" charset="-127"/>
-                <a:ea typeface="210 8비트 R" panose="020B0600000101010101" charset="-127"/>
-              </a:rPr>
-              <a:t>기획 의도</a:t>
-            </a:r>
-            <a:endParaRPr lang="ko-KR" altLang="en-US" sz="6000">
-              <a:solidFill>
-                <a:schemeClr val="bg1">
-                  <a:lumMod val="95000"/>
-                </a:schemeClr>
-              </a:solidFill>
-              <a:latin typeface="210 8비트 R" panose="020B0600000101010101" charset="-127"/>
-              <a:ea typeface="210 8비트 R" panose="020B0600000101010101" charset="-127"/>
-            </a:endParaRPr>
-          </a:p>
-        </p:txBody>
-      </p:sp>
-      <p:sp>
-        <p:nvSpPr>
           <p:cNvPr id="16" name="TextBox 15"/>
           <p:cNvSpPr txBox="1"/>
           <p:nvPr/>
         </p:nvSpPr>
         <p:spPr>
           <a:xfrm>
-            <a:off x="7379200" y="3865014"/>
+            <a:off x="7172650" y="2487308"/>
             <a:ext cx="10604000" cy="3477875"/>
           </a:xfrm>
           <a:prstGeom prst="rect">
@@ -8154,22 +14030,12 @@
             </a:r>
             <a:r>
               <a:rPr lang="ko-KR" altLang="en-US" sz="4400" smtClean="0">
-                <a:solidFill>
-                  <a:schemeClr val="bg1">
-                    <a:lumMod val="95000"/>
-                  </a:schemeClr>
-                </a:solidFill>
                 <a:latin typeface="210 8비트 R" panose="020B0600000101010101" charset="-127"/>
                 <a:ea typeface="210 8비트 R" panose="020B0600000101010101" charset="-127"/>
               </a:rPr>
               <a:t>의 게임성을 토대로 협동성이 강조된 게임 제작</a:t>
             </a:r>
             <a:endParaRPr lang="en-US" altLang="ko-KR" sz="4400" smtClean="0">
-              <a:solidFill>
-                <a:schemeClr val="bg1">
-                  <a:lumMod val="95000"/>
-                </a:schemeClr>
-              </a:solidFill>
               <a:latin typeface="210 8비트 R" panose="020B0600000101010101" charset="-127"/>
               <a:ea typeface="210 8비트 R" panose="020B0600000101010101" charset="-127"/>
             </a:endParaRPr>
@@ -8198,22 +14064,12 @@
             </a:r>
             <a:r>
               <a:rPr lang="ko-KR" altLang="en-US" sz="4400" smtClean="0">
-                <a:solidFill>
-                  <a:schemeClr val="bg1">
-                    <a:lumMod val="95000"/>
-                  </a:schemeClr>
-                </a:solidFill>
                 <a:latin typeface="210 8비트 R" panose="020B0600000101010101" charset="-127"/>
                 <a:ea typeface="210 8비트 R" panose="020B0600000101010101" charset="-127"/>
               </a:rPr>
               <a:t>이 즐길 수 있는</a:t>
             </a:r>
             <a:endParaRPr lang="en-US" altLang="ko-KR" sz="4400" smtClean="0">
-              <a:solidFill>
-                <a:schemeClr val="bg1">
-                  <a:lumMod val="95000"/>
-                </a:schemeClr>
-              </a:solidFill>
               <a:latin typeface="210 8비트 R" panose="020B0600000101010101" charset="-127"/>
               <a:ea typeface="210 8비트 R" panose="020B0600000101010101" charset="-127"/>
             </a:endParaRPr>
@@ -8221,93 +14077,263 @@
           <a:p>
             <a:r>
               <a:rPr lang="ko-KR" altLang="en-US" sz="4400" smtClean="0">
-                <a:solidFill>
-                  <a:schemeClr val="bg1">
-                    <a:lumMod val="95000"/>
-                  </a:schemeClr>
-                </a:solidFill>
                 <a:latin typeface="210 8비트 R" panose="020B0600000101010101" charset="-127"/>
                 <a:ea typeface="210 8비트 R" panose="020B0600000101010101" charset="-127"/>
               </a:rPr>
               <a:t>간단한 플랫포머 게임 제작</a:t>
             </a:r>
             <a:endParaRPr lang="ko-KR" altLang="en-US" sz="4400">
-              <a:solidFill>
-                <a:schemeClr val="bg1">
-                  <a:lumMod val="95000"/>
-                </a:schemeClr>
-              </a:solidFill>
               <a:latin typeface="210 8비트 R" panose="020B0600000101010101" charset="-127"/>
               <a:ea typeface="210 8비트 R" panose="020B0600000101010101" charset="-127"/>
             </a:endParaRPr>
           </a:p>
         </p:txBody>
       </p:sp>
-    </p:spTree>
-  </p:cSld>
-  <p:clrMapOvr>
-    <a:masterClrMapping/>
-  </p:clrMapOvr>
-  <p:timing>
-    <p:tnLst>
-      <p:par>
-        <p:cTn id="1" dur="indefinite" restart="never" nodeType="tmRoot"/>
-      </p:par>
-    </p:tnLst>
-  </p:timing>
-</p:sld>
-</file>
-
-<file path=ppt/slides/slide7.xml><?xml version="1.0" encoding="utf-8"?>
-<p:sld xmlns:a="http://schemas.openxmlformats.org/drawingml/2006/main" xmlns:r="http://schemas.openxmlformats.org/officeDocument/2006/relationships" xmlns:p="http://schemas.openxmlformats.org/presentationml/2006/main">
-  <p:cSld>
-    <p:spTree>
-      <p:nvGrpSpPr>
-        <p:cNvPr id="1" name=""/>
-        <p:cNvGrpSpPr/>
-        <p:nvPr/>
-      </p:nvGrpSpPr>
-      <p:grpSpPr>
-        <a:xfrm>
-          <a:off x="0" y="0"/>
-          <a:ext cx="0" cy="0"/>
-          <a:chOff x="0" y="0"/>
-          <a:chExt cx="0" cy="0"/>
-        </a:xfrm>
-      </p:grpSpPr>
       <p:pic>
         <p:nvPicPr>
-          <p:cNvPr id="5" name="그림 4"/>
-          <p:cNvPicPr>
-            <a:picLocks noChangeAspect="1"/>
-          </p:cNvPicPr>
-          <p:nvPr/>
-        </p:nvPicPr>
-        <p:blipFill rotWithShape="1">
-          <a:blip r:embed="rId2"/>
-          <a:srcRect l="527" t="579" b="579"/>
-          <a:stretch/>
-        </p:blipFill>
-        <p:spPr>
-          <a:xfrm>
-            <a:off x="0" y="0"/>
-            <a:ext cx="18321764" cy="10287000"/>
-          </a:xfrm>
-          <a:prstGeom prst="rect">
-            <a:avLst/>
-          </a:prstGeom>
-        </p:spPr>
-      </p:pic>
-      <p:pic>
-        <p:nvPicPr>
-          <p:cNvPr id="2050" name="Picture 2" descr="https://o.remove.bg/downloads/b04613fd-834b-41f0-a5be-3b361c24eeb0/image-removebg-preview.png"/>
+          <p:cNvPr id="2050" name="Picture 2" descr="슈퍼 마리오'까지 정복 시도하는 인공지능...마리오 레벨 무제한 생성 AI 툴 '마리오GPT' 등장 &lt; 경제 &lt; 기사본문 - CWN"/>
           <p:cNvPicPr>
             <a:picLocks noChangeAspect="1" noChangeArrowheads="1"/>
           </p:cNvPicPr>
           <p:nvPr/>
         </p:nvPicPr>
         <p:blipFill>
-          <a:blip r:embed="rId3">
+          <a:blip r:embed="rId13">
+            <a:extLst>
+              <a:ext uri="{28A0092B-C50C-407E-A947-70E740481C1C}">
+                <a14:useLocalDpi xmlns:a14="http://schemas.microsoft.com/office/drawing/2010/main" val="0"/>
+              </a:ext>
+            </a:extLst>
+          </a:blip>
+          <a:srcRect/>
+          <a:stretch>
+            <a:fillRect/>
+          </a:stretch>
+        </p:blipFill>
+        <p:spPr bwMode="auto">
+          <a:xfrm rot="362723">
+            <a:off x="855163" y="2811610"/>
+            <a:ext cx="5267853" cy="2967558"/>
+          </a:xfrm>
+          <a:prstGeom prst="rect">
+            <a:avLst/>
+          </a:prstGeom>
+          <a:ln w="38100" cap="sq">
+            <a:solidFill>
+              <a:srgbClr val="000000"/>
+            </a:solidFill>
+            <a:prstDash val="solid"/>
+            <a:miter lim="800000"/>
+          </a:ln>
+          <a:effectLst>
+            <a:outerShdw blurRad="50800" dist="38100" dir="2700000" algn="tl" rotWithShape="0">
+              <a:srgbClr val="000000">
+                <a:alpha val="43000"/>
+              </a:srgbClr>
+            </a:outerShdw>
+          </a:effectLst>
+          <a:extLst>
+            <a:ext uri="{909E8E84-426E-40DD-AFC4-6F175D3DCCD1}">
+              <a14:hiddenFill xmlns:a14="http://schemas.microsoft.com/office/drawing/2010/main">
+                <a:solidFill>
+                  <a:srgbClr val="FFFFFF"/>
+                </a:solidFill>
+              </a14:hiddenFill>
+            </a:ext>
+          </a:extLst>
+        </p:spPr>
+      </p:pic>
+      <p:pic>
+        <p:nvPicPr>
+          <p:cNvPr id="2052" name="Picture 4" descr="더 포레스트 템플 게임하기"/>
+          <p:cNvPicPr>
+            <a:picLocks noChangeAspect="1" noChangeArrowheads="1"/>
+          </p:cNvPicPr>
+          <p:nvPr/>
+        </p:nvPicPr>
+        <p:blipFill>
+          <a:blip r:embed="rId14">
+            <a:extLst>
+              <a:ext uri="{28A0092B-C50C-407E-A947-70E740481C1C}">
+                <a14:useLocalDpi xmlns:a14="http://schemas.microsoft.com/office/drawing/2010/main" val="0"/>
+              </a:ext>
+            </a:extLst>
+          </a:blip>
+          <a:srcRect/>
+          <a:stretch>
+            <a:fillRect/>
+          </a:stretch>
+        </p:blipFill>
+        <p:spPr bwMode="auto">
+          <a:xfrm rot="21011625">
+            <a:off x="2892003" y="4132011"/>
+            <a:ext cx="4057649" cy="3037632"/>
+          </a:xfrm>
+          <a:prstGeom prst="rect">
+            <a:avLst/>
+          </a:prstGeom>
+          <a:noFill/>
+          <a:extLst>
+            <a:ext uri="{909E8E84-426E-40DD-AFC4-6F175D3DCCD1}">
+              <a14:hiddenFill xmlns:a14="http://schemas.microsoft.com/office/drawing/2010/main">
+                <a:solidFill>
+                  <a:srgbClr val="FFFFFF"/>
+                </a:solidFill>
+              </a14:hiddenFill>
+            </a:ext>
+          </a:extLst>
+        </p:spPr>
+      </p:pic>
+      <p:sp>
+        <p:nvSpPr>
+          <p:cNvPr id="3" name="직사각형 2"/>
+          <p:cNvSpPr/>
+          <p:nvPr/>
+        </p:nvSpPr>
+        <p:spPr>
+          <a:xfrm>
+            <a:off x="6638390" y="197628"/>
+            <a:ext cx="5453736" cy="1569660"/>
+          </a:xfrm>
+          <a:prstGeom prst="rect">
+            <a:avLst/>
+          </a:prstGeom>
+          <a:noFill/>
+        </p:spPr>
+        <p:txBody>
+          <a:bodyPr wrap="none" lIns="91440" tIns="45720" rIns="91440" bIns="45720">
+            <a:spAutoFit/>
+          </a:bodyPr>
+          <a:lstStyle/>
+          <a:p>
+            <a:pPr algn="ctr"/>
+            <a:r>
+              <a:rPr lang="ko-KR" altLang="en-US" sz="9600" b="1" cap="none" spc="0" smtClean="0">
+                <a:ln w="12700">
+                  <a:solidFill>
+                    <a:schemeClr val="tx2">
+                      <a:lumMod val="75000"/>
+                    </a:schemeClr>
+                  </a:solidFill>
+                  <a:prstDash val="solid"/>
+                </a:ln>
+                <a:pattFill prst="dkUpDiag">
+                  <a:fgClr>
+                    <a:schemeClr val="tx2"/>
+                  </a:fgClr>
+                  <a:bgClr>
+                    <a:schemeClr val="tx2">
+                      <a:lumMod val="20000"/>
+                      <a:lumOff val="80000"/>
+                    </a:schemeClr>
+                  </a:bgClr>
+                </a:pattFill>
+                <a:effectLst>
+                  <a:outerShdw dist="38100" dir="2640000" algn="bl" rotWithShape="0">
+                    <a:schemeClr val="tx2">
+                      <a:lumMod val="75000"/>
+                    </a:schemeClr>
+                  </a:outerShdw>
+                </a:effectLst>
+                <a:latin typeface="210 8비트 R" panose="020B0600000101010101" charset="-127"/>
+                <a:ea typeface="210 8비트 R" panose="020B0600000101010101" charset="-127"/>
+              </a:rPr>
+              <a:t>기획 의도</a:t>
+            </a:r>
+            <a:endParaRPr lang="en-US" altLang="ko-KR" sz="9600" b="1" cap="none" spc="0">
+              <a:ln w="12700">
+                <a:solidFill>
+                  <a:schemeClr val="tx2">
+                    <a:lumMod val="75000"/>
+                  </a:schemeClr>
+                </a:solidFill>
+                <a:prstDash val="solid"/>
+              </a:ln>
+              <a:pattFill prst="dkUpDiag">
+                <a:fgClr>
+                  <a:schemeClr val="tx2"/>
+                </a:fgClr>
+                <a:bgClr>
+                  <a:schemeClr val="tx2">
+                    <a:lumMod val="20000"/>
+                    <a:lumOff val="80000"/>
+                  </a:schemeClr>
+                </a:bgClr>
+              </a:pattFill>
+              <a:effectLst>
+                <a:outerShdw dist="38100" dir="2640000" algn="bl" rotWithShape="0">
+                  <a:schemeClr val="tx2">
+                    <a:lumMod val="75000"/>
+                  </a:schemeClr>
+                </a:outerShdw>
+              </a:effectLst>
+              <a:latin typeface="210 8비트 R" panose="020B0600000101010101" charset="-127"/>
+              <a:ea typeface="210 8비트 R" panose="020B0600000101010101" charset="-127"/>
+            </a:endParaRPr>
+          </a:p>
+        </p:txBody>
+      </p:sp>
+      <p:sp>
+        <p:nvSpPr>
+          <p:cNvPr id="4" name="타원형 설명선 3"/>
+          <p:cNvSpPr/>
+          <p:nvPr/>
+        </p:nvSpPr>
+        <p:spPr>
+          <a:xfrm>
+            <a:off x="10279983" y="6118292"/>
+            <a:ext cx="5043923" cy="2489408"/>
+          </a:xfrm>
+          <a:prstGeom prst="wedgeEllipseCallout">
+            <a:avLst>
+              <a:gd name="adj1" fmla="val 65606"/>
+              <a:gd name="adj2" fmla="val 27609"/>
+            </a:avLst>
+          </a:prstGeom>
+          <a:solidFill>
+            <a:schemeClr val="bg1"/>
+          </a:solidFill>
+          <a:ln>
+            <a:solidFill>
+              <a:schemeClr val="tx1"/>
+            </a:solidFill>
+          </a:ln>
+        </p:spPr>
+        <p:style>
+          <a:lnRef idx="2">
+            <a:schemeClr val="accent1">
+              <a:shade val="50000"/>
+            </a:schemeClr>
+          </a:lnRef>
+          <a:fillRef idx="1">
+            <a:schemeClr val="accent1"/>
+          </a:fillRef>
+          <a:effectRef idx="0">
+            <a:schemeClr val="accent1"/>
+          </a:effectRef>
+          <a:fontRef idx="minor">
+            <a:schemeClr val="lt1"/>
+          </a:fontRef>
+        </p:style>
+        <p:txBody>
+          <a:bodyPr rtlCol="0" anchor="ctr"/>
+          <a:lstStyle/>
+          <a:p>
+            <a:pPr algn="ctr"/>
+            <a:endParaRPr lang="ko-KR" altLang="en-US"/>
+          </a:p>
+        </p:txBody>
+      </p:sp>
+      <p:pic>
+        <p:nvPicPr>
+          <p:cNvPr id="12" name="Picture 2" descr="https://o.remove.bg/downloads/b04613fd-834b-41f0-a5be-3b361c24eeb0/image-removebg-preview.png"/>
+          <p:cNvPicPr>
+            <a:picLocks noChangeAspect="1" noChangeArrowheads="1"/>
+          </p:cNvPicPr>
+          <p:nvPr/>
+        </p:nvPicPr>
+        <p:blipFill>
+          <a:blip r:embed="rId15" cstate="print">
             <a:extLst>
               <a:ext uri="{28A0092B-C50C-407E-A947-70E740481C1C}">
                 <a14:useLocalDpi xmlns:a14="http://schemas.microsoft.com/office/drawing/2010/main" val="0"/>
@@ -8321,8 +14347,8 @@
         </p:blipFill>
         <p:spPr bwMode="auto">
           <a:xfrm>
-            <a:off x="1219200" y="1865243"/>
-            <a:ext cx="2893546" cy="2893546"/>
+            <a:off x="10328797" y="7108097"/>
+            <a:ext cx="509798" cy="509798"/>
           </a:xfrm>
           <a:prstGeom prst="rect">
             <a:avLst/>
@@ -8341,14 +14367,14 @@
       </p:pic>
       <p:sp>
         <p:nvSpPr>
-          <p:cNvPr id="4" name="TextBox 3"/>
+          <p:cNvPr id="5" name="TextBox 4"/>
           <p:cNvSpPr txBox="1"/>
           <p:nvPr/>
         </p:nvSpPr>
         <p:spPr>
           <a:xfrm>
-            <a:off x="4191000" y="1866900"/>
-            <a:ext cx="10972800" cy="2708434"/>
+            <a:off x="10876471" y="6416579"/>
+            <a:ext cx="4572000" cy="1569660"/>
           </a:xfrm>
           <a:prstGeom prst="rect">
             <a:avLst/>
@@ -8362,126 +14388,61 @@
           <a:lstStyle/>
           <a:p>
             <a:r>
-              <a:rPr lang="en-US" altLang="ko-KR" sz="5400" smtClean="0">
-                <a:solidFill>
-                  <a:schemeClr val="accent5"/>
-                </a:solidFill>
+              <a:rPr lang="ko-KR" altLang="en-US" sz="2400" smtClean="0">
                 <a:latin typeface="210 8비트 R" panose="020B0600000101010101" charset="-127"/>
                 <a:ea typeface="210 8비트 R" panose="020B0600000101010101" charset="-127"/>
               </a:rPr>
-              <a:t>Windows PC </a:t>
-            </a:r>
-            <a:r>
-              <a:rPr lang="ko-KR" altLang="en-US" sz="5400" smtClean="0">
-                <a:solidFill>
-                  <a:schemeClr val="bg1">
-                    <a:lumMod val="95000"/>
-                  </a:schemeClr>
-                </a:solidFill>
-                <a:latin typeface="210 8비트 R" panose="020B0600000101010101" charset="-127"/>
-                <a:ea typeface="210 8비트 R" panose="020B0600000101010101" charset="-127"/>
-              </a:rPr>
-              <a:t>기반으로 제작</a:t>
-            </a:r>
-            <a:endParaRPr lang="en-US" altLang="ko-KR" sz="5400" smtClean="0">
-              <a:solidFill>
-                <a:schemeClr val="bg1">
-                  <a:lumMod val="95000"/>
-                </a:schemeClr>
-              </a:solidFill>
+              <a:t>저희는 패드를 사용하는 게임이기에</a:t>
+            </a:r>
+            <a:endParaRPr lang="en-US" altLang="ko-KR" sz="2400" smtClean="0">
               <a:latin typeface="210 8비트 R" panose="020B0600000101010101" charset="-127"/>
               <a:ea typeface="210 8비트 R" panose="020B0600000101010101" charset="-127"/>
             </a:endParaRPr>
           </a:p>
           <a:p>
-            <a:endParaRPr lang="en-US" altLang="ko-KR" sz="4400">
-              <a:solidFill>
-                <a:schemeClr val="bg1">
-                  <a:lumMod val="95000"/>
-                </a:schemeClr>
-              </a:solidFill>
-              <a:latin typeface="210 8비트 R" panose="020B0600000101010101" charset="-127"/>
-              <a:ea typeface="210 8비트 R" panose="020B0600000101010101" charset="-127"/>
-            </a:endParaRPr>
-          </a:p>
-          <a:p>
-            <a:r>
-              <a:rPr lang="en-US" altLang="ko-KR" sz="3600" smtClean="0">
-                <a:solidFill>
-                  <a:schemeClr val="bg1">
-                    <a:lumMod val="95000"/>
-                  </a:schemeClr>
-                </a:solidFill>
+            <a:r>
+              <a:rPr lang="ko-KR" altLang="en-US" sz="2400" smtClean="0">
                 <a:latin typeface="210 8비트 R" panose="020B0600000101010101" charset="-127"/>
                 <a:ea typeface="210 8비트 R" panose="020B0600000101010101" charset="-127"/>
               </a:rPr>
-              <a:t>-2</a:t>
-            </a:r>
-            <a:r>
-              <a:rPr lang="ko-KR" altLang="en-US" sz="3600" smtClean="0">
-                <a:solidFill>
-                  <a:schemeClr val="bg1">
-                    <a:lumMod val="95000"/>
-                  </a:schemeClr>
-                </a:solidFill>
+              <a:t>일단 </a:t>
+            </a:r>
+            <a:r>
+              <a:rPr lang="en-US" altLang="ko-KR" sz="2400" smtClean="0">
                 <a:latin typeface="210 8비트 R" panose="020B0600000101010101" charset="-127"/>
                 <a:ea typeface="210 8비트 R" panose="020B0600000101010101" charset="-127"/>
               </a:rPr>
-              <a:t>인으로 진행됨과 동시에 패드를 사용해</a:t>
-            </a:r>
-            <a:endParaRPr lang="en-US" altLang="ko-KR" sz="3600" smtClean="0">
-              <a:solidFill>
-                <a:schemeClr val="bg1">
-                  <a:lumMod val="95000"/>
-                </a:schemeClr>
-              </a:solidFill>
-              <a:latin typeface="210 8비트 R" panose="020B0600000101010101" charset="-127"/>
-              <a:ea typeface="210 8비트 R" panose="020B0600000101010101" charset="-127"/>
-            </a:endParaRPr>
-          </a:p>
-          <a:p>
-            <a:r>
-              <a:rPr lang="en-US" altLang="ko-KR" sz="3600">
-                <a:solidFill>
-                  <a:schemeClr val="bg1">
-                    <a:lumMod val="95000"/>
-                  </a:schemeClr>
-                </a:solidFill>
+              <a:t>Windows PC</a:t>
+            </a:r>
+            <a:r>
+              <a:rPr lang="ko-KR" altLang="en-US" sz="2400" smtClean="0">
                 <a:latin typeface="210 8비트 R" panose="020B0600000101010101" charset="-127"/>
                 <a:ea typeface="210 8비트 R" panose="020B0600000101010101" charset="-127"/>
               </a:rPr>
-              <a:t> </a:t>
-            </a:r>
-            <a:r>
-              <a:rPr lang="en-US" altLang="ko-KR" sz="3600" smtClean="0">
-                <a:solidFill>
-                  <a:schemeClr val="bg1">
-                    <a:lumMod val="95000"/>
-                  </a:schemeClr>
-                </a:solidFill>
+              <a:t>로 게임을 제작했어요</a:t>
+            </a:r>
+            <a:r>
+              <a:rPr lang="en-US" altLang="ko-KR" sz="2400" smtClean="0">
                 <a:latin typeface="210 8비트 R" panose="020B0600000101010101" charset="-127"/>
                 <a:ea typeface="210 8비트 R" panose="020B0600000101010101" charset="-127"/>
               </a:rPr>
-              <a:t> </a:t>
-            </a:r>
-            <a:r>
-              <a:rPr lang="ko-KR" altLang="en-US" sz="3600" smtClean="0">
-                <a:solidFill>
-                  <a:schemeClr val="bg1">
-                    <a:lumMod val="95000"/>
-                  </a:schemeClr>
-                </a:solidFill>
+              <a:t>!</a:t>
+            </a:r>
+            <a:r>
+              <a:rPr lang="en-US" altLang="ko-KR" sz="2400">
                 <a:latin typeface="210 8비트 R" panose="020B0600000101010101" charset="-127"/>
                 <a:ea typeface="210 8비트 R" panose="020B0600000101010101" charset="-127"/>
               </a:rPr>
-              <a:t>플레이하기 때문에 가장 적당하다고 생각</a:t>
-            </a:r>
-            <a:endParaRPr lang="en-US" altLang="ko-KR" sz="3600" smtClean="0">
-              <a:solidFill>
-                <a:schemeClr val="bg1">
-                  <a:lumMod val="95000"/>
-                </a:schemeClr>
-              </a:solidFill>
+              <a:t> </a:t>
+            </a:r>
+            <a:r>
+              <a:rPr lang="en-US" altLang="ko-KR" sz="2400" smtClean="0">
+                <a:latin typeface="210 8비트 R" panose="020B0600000101010101" charset="-127"/>
+                <a:ea typeface="210 8비트 R" panose="020B0600000101010101" charset="-127"/>
+              </a:rPr>
+              <a:t>  (Steam)</a:t>
+            </a:r>
+            <a:endParaRPr lang="en-US" altLang="ko-KR" sz="2400" smtClean="0">
               <a:latin typeface="210 8비트 R" panose="020B0600000101010101" charset="-127"/>
               <a:ea typeface="210 8비트 R" panose="020B0600000101010101" charset="-127"/>
             </a:endParaRPr>
@@ -8496,14 +14457,167 @@
   <p:timing>
     <p:tnLst>
       <p:par>
-        <p:cTn id="1" dur="indefinite" restart="never" nodeType="tmRoot"/>
+        <p:cTn id="1" dur="indefinite" restart="never" nodeType="tmRoot">
+          <p:childTnLst>
+            <p:seq concurrent="1" nextAc="seek">
+              <p:cTn id="2" dur="indefinite" nodeType="mainSeq">
+                <p:childTnLst>
+                  <p:par>
+                    <p:cTn id="3" fill="hold">
+                      <p:stCondLst>
+                        <p:cond delay="indefinite"/>
+                        <p:cond evt="onBegin" delay="0">
+                          <p:tn val="2"/>
+                        </p:cond>
+                      </p:stCondLst>
+                      <p:childTnLst>
+                        <p:par>
+                          <p:cTn id="4" fill="hold">
+                            <p:stCondLst>
+                              <p:cond delay="0"/>
+                            </p:stCondLst>
+                            <p:childTnLst>
+                              <p:par>
+                                <p:cTn id="5" presetID="9" presetClass="entr" presetSubtype="0" fill="hold" grpId="0" nodeType="withEffect">
+                                  <p:stCondLst>
+                                    <p:cond delay="10000"/>
+                                  </p:stCondLst>
+                                  <p:childTnLst>
+                                    <p:set>
+                                      <p:cBhvr>
+                                        <p:cTn id="6" dur="1" fill="hold">
+                                          <p:stCondLst>
+                                            <p:cond delay="0"/>
+                                          </p:stCondLst>
+                                        </p:cTn>
+                                        <p:tgtEl>
+                                          <p:spTgt spid="4"/>
+                                        </p:tgtEl>
+                                        <p:attrNameLst>
+                                          <p:attrName>style.visibility</p:attrName>
+                                        </p:attrNameLst>
+                                      </p:cBhvr>
+                                      <p:to>
+                                        <p:strVal val="visible"/>
+                                      </p:to>
+                                    </p:set>
+                                    <p:animEffect transition="in" filter="dissolve">
+                                      <p:cBhvr>
+                                        <p:cTn id="7" dur="2000"/>
+                                        <p:tgtEl>
+                                          <p:spTgt spid="4"/>
+                                        </p:tgtEl>
+                                      </p:cBhvr>
+                                    </p:animEffect>
+                                  </p:childTnLst>
+                                </p:cTn>
+                              </p:par>
+                              <p:par>
+                                <p:cTn id="8" presetID="9" presetClass="entr" presetSubtype="0" fill="hold" nodeType="withEffect">
+                                  <p:stCondLst>
+                                    <p:cond delay="10000"/>
+                                  </p:stCondLst>
+                                  <p:childTnLst>
+                                    <p:set>
+                                      <p:cBhvr>
+                                        <p:cTn id="9" dur="1" fill="hold">
+                                          <p:stCondLst>
+                                            <p:cond delay="0"/>
+                                          </p:stCondLst>
+                                        </p:cTn>
+                                        <p:tgtEl>
+                                          <p:spTgt spid="12"/>
+                                        </p:tgtEl>
+                                        <p:attrNameLst>
+                                          <p:attrName>style.visibility</p:attrName>
+                                        </p:attrNameLst>
+                                      </p:cBhvr>
+                                      <p:to>
+                                        <p:strVal val="visible"/>
+                                      </p:to>
+                                    </p:set>
+                                    <p:animEffect transition="in" filter="dissolve">
+                                      <p:cBhvr>
+                                        <p:cTn id="10" dur="2000"/>
+                                        <p:tgtEl>
+                                          <p:spTgt spid="12"/>
+                                        </p:tgtEl>
+                                      </p:cBhvr>
+                                    </p:animEffect>
+                                  </p:childTnLst>
+                                </p:cTn>
+                              </p:par>
+                              <p:par>
+                                <p:cTn id="11" presetID="9" presetClass="entr" presetSubtype="0" fill="hold" grpId="0" nodeType="withEffect">
+                                  <p:stCondLst>
+                                    <p:cond delay="10000"/>
+                                  </p:stCondLst>
+                                  <p:childTnLst>
+                                    <p:set>
+                                      <p:cBhvr>
+                                        <p:cTn id="12" dur="1" fill="hold">
+                                          <p:stCondLst>
+                                            <p:cond delay="0"/>
+                                          </p:stCondLst>
+                                        </p:cTn>
+                                        <p:tgtEl>
+                                          <p:spTgt spid="5"/>
+                                        </p:tgtEl>
+                                        <p:attrNameLst>
+                                          <p:attrName>style.visibility</p:attrName>
+                                        </p:attrNameLst>
+                                      </p:cBhvr>
+                                      <p:to>
+                                        <p:strVal val="visible"/>
+                                      </p:to>
+                                    </p:set>
+                                    <p:animEffect transition="in" filter="dissolve">
+                                      <p:cBhvr>
+                                        <p:cTn id="13" dur="2000"/>
+                                        <p:tgtEl>
+                                          <p:spTgt spid="5"/>
+                                        </p:tgtEl>
+                                      </p:cBhvr>
+                                    </p:animEffect>
+                                  </p:childTnLst>
+                                </p:cTn>
+                              </p:par>
+                            </p:childTnLst>
+                          </p:cTn>
+                        </p:par>
+                      </p:childTnLst>
+                    </p:cTn>
+                  </p:par>
+                </p:childTnLst>
+              </p:cTn>
+              <p:prevCondLst>
+                <p:cond evt="onPrev" delay="0">
+                  <p:tgtEl>
+                    <p:sldTgt/>
+                  </p:tgtEl>
+                </p:cond>
+              </p:prevCondLst>
+              <p:nextCondLst>
+                <p:cond evt="onNext" delay="0">
+                  <p:tgtEl>
+                    <p:sldTgt/>
+                  </p:tgtEl>
+                </p:cond>
+              </p:nextCondLst>
+            </p:seq>
+          </p:childTnLst>
+        </p:cTn>
       </p:par>
     </p:tnLst>
+    <p:bldLst>
+      <p:bldP spid="4" grpId="0" animBg="1"/>
+      <p:bldP spid="5" grpId="0"/>
+    </p:bldLst>
   </p:timing>
 </p:sld>
 </file>
 
-<file path=ppt/slides/slide8.xml><?xml version="1.0" encoding="utf-8"?>
+<file path=ppt/slides/slide7.xml><?xml version="1.0" encoding="utf-8"?>
 <p:sld xmlns:a="http://schemas.openxmlformats.org/drawingml/2006/main" xmlns:r="http://schemas.openxmlformats.org/officeDocument/2006/relationships" xmlns:p="http://schemas.openxmlformats.org/presentationml/2006/main">
   <p:cSld>
     <p:spTree>
@@ -8551,7 +14665,7 @@
         </p:nvSpPr>
         <p:spPr>
           <a:xfrm>
-            <a:off x="8458200" y="3290746"/>
+            <a:off x="9372600" y="2705100"/>
             <a:ext cx="3575737" cy="591622"/>
           </a:xfrm>
           <a:custGeom>
@@ -8603,7 +14717,7 @@
         </p:nvSpPr>
         <p:spPr>
           <a:xfrm>
-            <a:off x="7653903" y="6462214"/>
+            <a:off x="7670785" y="6274951"/>
             <a:ext cx="2980194" cy="1273356"/>
           </a:xfrm>
           <a:custGeom>
@@ -8680,8 +14794,8 @@
         </p:nvSpPr>
         <p:spPr>
           <a:xfrm>
-            <a:off x="5562600" y="2678369"/>
-            <a:ext cx="8426686" cy="3077766"/>
+            <a:off x="4267200" y="1681765"/>
+            <a:ext cx="10928114" cy="4401205"/>
           </a:xfrm>
           <a:prstGeom prst="rect">
             <a:avLst/>
@@ -8695,7 +14809,7 @@
           <a:lstStyle/>
           <a:p>
             <a:r>
-              <a:rPr lang="en-US" altLang="ko-KR" sz="7200" smtClean="0">
+              <a:rPr lang="en-US" altLang="ko-KR" sz="11500" smtClean="0">
                 <a:solidFill>
                   <a:schemeClr val="bg1"/>
                 </a:solidFill>
@@ -8706,7 +14820,7 @@
           </a:p>
           <a:p>
             <a:r>
-              <a:rPr lang="en-US" altLang="ko-KR" sz="7200" smtClean="0">
+              <a:rPr lang="en-US" altLang="ko-KR" sz="11500" smtClean="0">
                 <a:solidFill>
                   <a:schemeClr val="bg1"/>
                 </a:solidFill>
@@ -8729,32 +14843,30 @@
                 <a:latin typeface="210 8비트 R" panose="020B0600000101010101" charset="-127"/>
                 <a:ea typeface="210 8비트 R" panose="020B0600000101010101" charset="-127"/>
               </a:rPr>
-              <a:t>                   -</a:t>
-            </a:r>
-            <a:r>
-              <a:rPr lang="ko-KR" altLang="en-US" sz="3200" smtClean="0">
-                <a:solidFill>
-                  <a:schemeClr val="bg1"/>
-                </a:solidFill>
+              <a:t>                   </a:t>
+            </a:r>
+            <a:r>
+              <a:rPr lang="en-US" altLang="ko-KR" sz="3200" smtClean="0">
                 <a:latin typeface="210 8비트 R" panose="020B0600000101010101" charset="-127"/>
                 <a:ea typeface="210 8비트 R" panose="020B0600000101010101" charset="-127"/>
               </a:rPr>
-              <a:t>재미 요소 소개</a:t>
-            </a:r>
-            <a:r>
-              <a:rPr lang="en-US" altLang="ko-KR" sz="3200" smtClean="0">
-                <a:solidFill>
-                  <a:schemeClr val="bg1"/>
-                </a:solidFill>
+              <a:t>-</a:t>
+            </a:r>
+            <a:r>
+              <a:rPr lang="ko-KR" altLang="en-US" sz="3200" smtClean="0">
                 <a:latin typeface="210 8비트 R" panose="020B0600000101010101" charset="-127"/>
                 <a:ea typeface="210 8비트 R" panose="020B0600000101010101" charset="-127"/>
               </a:rPr>
+              <a:t>재미 요소 소개</a:t>
+            </a:r>
+            <a:r>
+              <a:rPr lang="en-US" altLang="ko-KR" sz="3200" smtClean="0">
+                <a:latin typeface="210 8비트 R" panose="020B0600000101010101" charset="-127"/>
+                <a:ea typeface="210 8비트 R" panose="020B0600000101010101" charset="-127"/>
+              </a:rPr>
               <a:t>-</a:t>
             </a:r>
             <a:endParaRPr lang="ko-KR" altLang="en-US" sz="3200">
-              <a:solidFill>
-                <a:schemeClr val="bg1"/>
-              </a:solidFill>
               <a:latin typeface="210 8비트 R" panose="020B0600000101010101" charset="-127"/>
               <a:ea typeface="210 8비트 R" panose="020B0600000101010101" charset="-127"/>
             </a:endParaRPr>
@@ -8781,7 +14893,7 @@
 </p:sld>
 </file>
 
-<file path=ppt/slides/slide9.xml><?xml version="1.0" encoding="utf-8"?>
+<file path=ppt/slides/slide8.xml><?xml version="1.0" encoding="utf-8"?>
 <p:sld xmlns:a="http://schemas.openxmlformats.org/drawingml/2006/main" xmlns:r="http://schemas.openxmlformats.org/officeDocument/2006/relationships" xmlns:p="http://schemas.openxmlformats.org/presentationml/2006/main">
   <p:cSld>
     <p:spTree>
@@ -8837,7 +14949,7 @@
         </p:blipFill>
         <p:spPr>
           <a:xfrm>
-            <a:off x="1022958" y="2731285"/>
+            <a:off x="951240" y="1562100"/>
             <a:ext cx="3272716" cy="3145444"/>
           </a:xfrm>
           <a:prstGeom prst="rect">
@@ -8874,7 +14986,7 @@
         </p:blipFill>
         <p:spPr>
           <a:xfrm>
-            <a:off x="5710518" y="2731285"/>
+            <a:off x="5638800" y="1562100"/>
             <a:ext cx="3535190" cy="3145444"/>
           </a:xfrm>
           <a:prstGeom prst="rect">
@@ -8904,7 +15016,7 @@
         </p:nvSpPr>
         <p:spPr>
           <a:xfrm>
-            <a:off x="914400" y="6747906"/>
+            <a:off x="842682" y="5578721"/>
             <a:ext cx="10972800" cy="2769989"/>
           </a:xfrm>
           <a:prstGeom prst="rect">
@@ -8946,74 +15058,37 @@
                 <a:latin typeface="210 8비트 R" panose="020B0600000101010101" charset="-127"/>
                 <a:ea typeface="210 8비트 R" panose="020B0600000101010101" charset="-127"/>
               </a:rPr>
-              <a:t>&gt;, </a:t>
-            </a:r>
-            <a:r>
-              <a:rPr lang="en-US" altLang="ko-KR" sz="6600" smtClean="0">
-                <a:solidFill>
-                  <a:srgbClr val="FFC000"/>
-                </a:solidFill>
+              <a:t>&gt;</a:t>
+            </a:r>
+          </a:p>
+          <a:p>
+            <a:r>
+              <a:rPr lang="ko-KR" altLang="en-US" sz="3600" smtClean="0">
                 <a:latin typeface="210 8비트 R" panose="020B0600000101010101" charset="-127"/>
                 <a:ea typeface="210 8비트 R" panose="020B0600000101010101" charset="-127"/>
               </a:rPr>
-              <a:t>&lt;</a:t>
-            </a:r>
-            <a:r>
-              <a:rPr lang="ko-KR" altLang="en-US" sz="6600" smtClean="0">
-                <a:solidFill>
-                  <a:srgbClr val="FFC000"/>
+              <a:t>두 플레이어가 서로 </a:t>
+            </a:r>
+            <a:r>
+              <a:rPr lang="ko-KR" altLang="en-US" sz="3600" smtClean="0">
+                <a:solidFill>
+                  <a:schemeClr val="accent5">
+                    <a:lumMod val="50000"/>
+                  </a:schemeClr>
                 </a:solidFill>
                 <a:latin typeface="210 8비트 R" panose="020B0600000101010101" charset="-127"/>
                 <a:ea typeface="210 8비트 R" panose="020B0600000101010101" charset="-127"/>
               </a:rPr>
-              <a:t>창의성</a:t>
-            </a:r>
-            <a:r>
-              <a:rPr lang="en-US" altLang="ko-KR" sz="6600" smtClean="0">
-                <a:solidFill>
-                  <a:srgbClr val="FFC000"/>
-                </a:solidFill>
+              <a:t>협동</a:t>
+            </a:r>
+            <a:r>
+              <a:rPr lang="ko-KR" altLang="en-US" sz="3600" smtClean="0">
                 <a:latin typeface="210 8비트 R" panose="020B0600000101010101" charset="-127"/>
                 <a:ea typeface="210 8비트 R" panose="020B0600000101010101" charset="-127"/>
               </a:rPr>
-              <a:t>&gt;</a:t>
-            </a:r>
-          </a:p>
-          <a:p>
-            <a:r>
-              <a:rPr lang="ko-KR" altLang="en-US" sz="3600" smtClean="0">
-                <a:solidFill>
-                  <a:schemeClr val="bg1"/>
-                </a:solidFill>
-                <a:latin typeface="210 8비트 R" panose="020B0600000101010101" charset="-127"/>
-                <a:ea typeface="210 8비트 R" panose="020B0600000101010101" charset="-127"/>
-              </a:rPr>
-              <a:t>두 플레이어가 서로 </a:t>
-            </a:r>
-            <a:r>
-              <a:rPr lang="ko-KR" altLang="en-US" sz="3600" smtClean="0">
-                <a:solidFill>
-                  <a:schemeClr val="accent5"/>
-                </a:solidFill>
-                <a:latin typeface="210 8비트 R" panose="020B0600000101010101" charset="-127"/>
-                <a:ea typeface="210 8비트 R" panose="020B0600000101010101" charset="-127"/>
-              </a:rPr>
-              <a:t>협동</a:t>
-            </a:r>
-            <a:r>
-              <a:rPr lang="ko-KR" altLang="en-US" sz="3600" smtClean="0">
-                <a:solidFill>
-                  <a:schemeClr val="bg1"/>
-                </a:solidFill>
-                <a:latin typeface="210 8비트 R" panose="020B0600000101010101" charset="-127"/>
-                <a:ea typeface="210 8비트 R" panose="020B0600000101010101" charset="-127"/>
-              </a:rPr>
               <a:t>하며 플레이</a:t>
             </a:r>
             <a:endParaRPr lang="en-US" altLang="ko-KR" sz="3600" smtClean="0">
-              <a:solidFill>
-                <a:schemeClr val="bg1"/>
-              </a:solidFill>
               <a:latin typeface="210 8비트 R" panose="020B0600000101010101" charset="-127"/>
               <a:ea typeface="210 8비트 R" panose="020B0600000101010101" charset="-127"/>
             </a:endParaRPr>
@@ -9021,18 +15096,12 @@
           <a:p>
             <a:r>
               <a:rPr lang="ko-KR" altLang="en-US" sz="3600" smtClean="0">
-                <a:solidFill>
-                  <a:schemeClr val="bg1"/>
-                </a:solidFill>
                 <a:latin typeface="210 8비트 R" panose="020B0600000101010101" charset="-127"/>
                 <a:ea typeface="210 8비트 R" panose="020B0600000101010101" charset="-127"/>
               </a:rPr>
               <a:t>플레이어 위에 플레이어가 올라가</a:t>
             </a:r>
             <a:endParaRPr lang="en-US" altLang="ko-KR" sz="3600" smtClean="0">
-              <a:solidFill>
-                <a:schemeClr val="bg1"/>
-              </a:solidFill>
               <a:latin typeface="210 8비트 R" panose="020B0600000101010101" charset="-127"/>
               <a:ea typeface="210 8비트 R" panose="020B0600000101010101" charset="-127"/>
             </a:endParaRPr>
@@ -9041,7 +15110,7 @@
             <a:r>
               <a:rPr lang="ko-KR" altLang="en-US" sz="3600" smtClean="0">
                 <a:solidFill>
-                  <a:srgbClr val="FFC000"/>
+                  <a:schemeClr val="accent6"/>
                 </a:solidFill>
                 <a:latin typeface="210 8비트 R" panose="020B0600000101010101" charset="-127"/>
                 <a:ea typeface="210 8비트 R" panose="020B0600000101010101" charset="-127"/>
@@ -9050,18 +15119,12 @@
             </a:r>
             <a:r>
               <a:rPr lang="ko-KR" altLang="en-US" sz="3600" smtClean="0">
-                <a:solidFill>
-                  <a:schemeClr val="bg1"/>
-                </a:solidFill>
                 <a:latin typeface="210 8비트 R" panose="020B0600000101010101" charset="-127"/>
                 <a:ea typeface="210 8비트 R" panose="020B0600000101010101" charset="-127"/>
               </a:rPr>
               <a:t>가 가능</a:t>
             </a:r>
             <a:endParaRPr lang="en-US" altLang="ko-KR" sz="3600" smtClean="0">
-              <a:solidFill>
-                <a:schemeClr val="bg1"/>
-              </a:solidFill>
               <a:latin typeface="210 8비트 R" panose="020B0600000101010101" charset="-127"/>
               <a:ea typeface="210 8비트 R" panose="020B0600000101010101" charset="-127"/>
             </a:endParaRPr>
@@ -9076,7 +15139,7 @@
         </p:nvSpPr>
         <p:spPr>
           <a:xfrm>
-            <a:off x="2299316" y="3944007"/>
+            <a:off x="2227598" y="2774822"/>
             <a:ext cx="720000" cy="720000"/>
           </a:xfrm>
           <a:prstGeom prst="ellipse">
@@ -9122,7 +15185,7 @@
         </p:nvSpPr>
         <p:spPr>
           <a:xfrm>
-            <a:off x="6904549" y="4048566"/>
+            <a:off x="6832831" y="2879381"/>
             <a:ext cx="720000" cy="720000"/>
           </a:xfrm>
           <a:prstGeom prst="ellipse">
@@ -9168,7 +15231,7 @@
         </p:nvCxnSpPr>
         <p:spPr>
           <a:xfrm>
-            <a:off x="3009124" y="4271775"/>
+            <a:off x="2937406" y="3102590"/>
             <a:ext cx="3895425" cy="32232"/>
           </a:xfrm>
           <a:prstGeom prst="straightConnector1">
@@ -9204,7 +15267,7 @@
         </p:nvSpPr>
         <p:spPr>
           <a:xfrm>
-            <a:off x="1027440" y="6214976"/>
+            <a:off x="955722" y="5045791"/>
             <a:ext cx="10972800" cy="584775"/>
           </a:xfrm>
           <a:prstGeom prst="rect">
@@ -9447,6 +15510,391 @@
           </a:p>
         </p:txBody>
       </p:sp>
+    </p:spTree>
+  </p:cSld>
+  <p:clrMapOvr>
+    <a:masterClrMapping/>
+  </p:clrMapOvr>
+  <p:timing>
+    <p:tnLst>
+      <p:par>
+        <p:cTn id="1" dur="indefinite" restart="never" nodeType="tmRoot"/>
+      </p:par>
+    </p:tnLst>
+  </p:timing>
+</p:sld>
+</file>
+
+<file path=ppt/slides/slide9.xml><?xml version="1.0" encoding="utf-8"?>
+<p:sld xmlns:a="http://schemas.openxmlformats.org/drawingml/2006/main" xmlns:r="http://schemas.openxmlformats.org/officeDocument/2006/relationships" xmlns:p="http://schemas.openxmlformats.org/presentationml/2006/main">
+  <p:cSld>
+    <p:spTree>
+      <p:nvGrpSpPr>
+        <p:cNvPr id="1" name=""/>
+        <p:cNvGrpSpPr/>
+        <p:nvPr/>
+      </p:nvGrpSpPr>
+      <p:grpSpPr>
+        <a:xfrm>
+          <a:off x="0" y="0"/>
+          <a:ext cx="0" cy="0"/>
+          <a:chOff x="0" y="0"/>
+          <a:chExt cx="0" cy="0"/>
+        </a:xfrm>
+      </p:grpSpPr>
+      <p:pic>
+        <p:nvPicPr>
+          <p:cNvPr id="14" name="그림 13"/>
+          <p:cNvPicPr>
+            <a:picLocks noChangeAspect="1"/>
+          </p:cNvPicPr>
+          <p:nvPr/>
+        </p:nvPicPr>
+        <p:blipFill rotWithShape="1">
+          <a:blip r:embed="rId2"/>
+          <a:srcRect l="527" t="579" b="579"/>
+          <a:stretch/>
+        </p:blipFill>
+        <p:spPr>
+          <a:xfrm>
+            <a:off x="0" y="0"/>
+            <a:ext cx="18321764" cy="10287000"/>
+          </a:xfrm>
+          <a:prstGeom prst="rect">
+            <a:avLst/>
+          </a:prstGeom>
+        </p:spPr>
+      </p:pic>
+      <p:sp>
+        <p:nvSpPr>
+          <p:cNvPr id="3" name="TextBox 2"/>
+          <p:cNvSpPr txBox="1"/>
+          <p:nvPr/>
+        </p:nvSpPr>
+        <p:spPr>
+          <a:xfrm>
+            <a:off x="1064410" y="4381500"/>
+            <a:ext cx="10972800" cy="4093428"/>
+          </a:xfrm>
+          <a:prstGeom prst="rect">
+            <a:avLst/>
+          </a:prstGeom>
+          <a:noFill/>
+        </p:spPr>
+        <p:txBody>
+          <a:bodyPr wrap="square" rtlCol="0">
+            <a:spAutoFit/>
+          </a:bodyPr>
+          <a:lstStyle/>
+          <a:p>
+            <a:r>
+              <a:rPr lang="en-US" altLang="ko-KR" sz="8000" b="1" smtClean="0">
+                <a:solidFill>
+                  <a:srgbClr val="FFFF00"/>
+                </a:solidFill>
+                <a:latin typeface="210 8비트 R" panose="020B0600000101010101" charset="-127"/>
+                <a:ea typeface="210 8비트 R" panose="020B0600000101010101" charset="-127"/>
+              </a:rPr>
+              <a:t>&lt;</a:t>
+            </a:r>
+            <a:r>
+              <a:rPr lang="ko-KR" altLang="en-US" sz="8000" b="1" smtClean="0">
+                <a:solidFill>
+                  <a:srgbClr val="FFFF00"/>
+                </a:solidFill>
+                <a:latin typeface="210 8비트 R" panose="020B0600000101010101" charset="-127"/>
+                <a:ea typeface="210 8비트 R" panose="020B0600000101010101" charset="-127"/>
+              </a:rPr>
+              <a:t>스토리 요소</a:t>
+            </a:r>
+            <a:r>
+              <a:rPr lang="en-US" altLang="ko-KR" sz="8000" b="1" smtClean="0">
+                <a:solidFill>
+                  <a:srgbClr val="FFFF00"/>
+                </a:solidFill>
+                <a:latin typeface="210 8비트 R" panose="020B0600000101010101" charset="-127"/>
+                <a:ea typeface="210 8비트 R" panose="020B0600000101010101" charset="-127"/>
+              </a:rPr>
+              <a:t>&gt;</a:t>
+            </a:r>
+          </a:p>
+          <a:p>
+            <a:endParaRPr lang="en-US" altLang="ko-KR" sz="3600" smtClean="0">
+              <a:solidFill>
+                <a:srgbClr val="FFFF00"/>
+              </a:solidFill>
+              <a:latin typeface="210 8비트 R" panose="020B0600000101010101" charset="-127"/>
+              <a:ea typeface="210 8비트 R" panose="020B0600000101010101" charset="-127"/>
+            </a:endParaRPr>
+          </a:p>
+          <a:p>
+            <a:r>
+              <a:rPr lang="ko-KR" altLang="en-US" sz="3600" smtClean="0">
+                <a:latin typeface="210 8비트 R" panose="020B0600000101010101" charset="-127"/>
+                <a:ea typeface="210 8비트 R" panose="020B0600000101010101" charset="-127"/>
+              </a:rPr>
+              <a:t>게임에</a:t>
+            </a:r>
+            <a:r>
+              <a:rPr lang="ko-KR" altLang="en-US" sz="3600" smtClean="0">
+                <a:solidFill>
+                  <a:schemeClr val="bg1"/>
+                </a:solidFill>
+                <a:latin typeface="210 8비트 R" panose="020B0600000101010101" charset="-127"/>
+                <a:ea typeface="210 8비트 R" panose="020B0600000101010101" charset="-127"/>
+              </a:rPr>
+              <a:t> </a:t>
+            </a:r>
+            <a:r>
+              <a:rPr lang="ko-KR" altLang="en-US" sz="3600" smtClean="0">
+                <a:solidFill>
+                  <a:schemeClr val="accent6"/>
+                </a:solidFill>
+                <a:latin typeface="210 8비트 R" panose="020B0600000101010101" charset="-127"/>
+                <a:ea typeface="210 8비트 R" panose="020B0600000101010101" charset="-127"/>
+              </a:rPr>
+              <a:t>컷씬</a:t>
+            </a:r>
+            <a:r>
+              <a:rPr lang="ko-KR" altLang="en-US" sz="3600" smtClean="0">
+                <a:solidFill>
+                  <a:schemeClr val="bg1"/>
+                </a:solidFill>
+                <a:latin typeface="210 8비트 R" panose="020B0600000101010101" charset="-127"/>
+                <a:ea typeface="210 8비트 R" panose="020B0600000101010101" charset="-127"/>
+              </a:rPr>
+              <a:t> </a:t>
+            </a:r>
+            <a:r>
+              <a:rPr lang="ko-KR" altLang="en-US" sz="3600" smtClean="0">
+                <a:latin typeface="210 8비트 R" panose="020B0600000101010101" charset="-127"/>
+                <a:ea typeface="210 8비트 R" panose="020B0600000101010101" charset="-127"/>
+              </a:rPr>
+              <a:t>요소를 추가해 본 게임의 </a:t>
+            </a:r>
+            <a:r>
+              <a:rPr lang="ko-KR" altLang="en-US" sz="3600" smtClean="0">
+                <a:solidFill>
+                  <a:srgbClr val="FFFF00"/>
+                </a:solidFill>
+                <a:latin typeface="210 8비트 R" panose="020B0600000101010101" charset="-127"/>
+                <a:ea typeface="210 8비트 R" panose="020B0600000101010101" charset="-127"/>
+              </a:rPr>
+              <a:t>스토리</a:t>
+            </a:r>
+            <a:r>
+              <a:rPr lang="ko-KR" altLang="en-US" sz="3600" smtClean="0">
+                <a:latin typeface="210 8비트 R" panose="020B0600000101010101" charset="-127"/>
+                <a:ea typeface="210 8비트 R" panose="020B0600000101010101" charset="-127"/>
+              </a:rPr>
+              <a:t>를</a:t>
+            </a:r>
+            <a:endParaRPr lang="en-US" altLang="ko-KR" sz="3600" smtClean="0">
+              <a:latin typeface="210 8비트 R" panose="020B0600000101010101" charset="-127"/>
+              <a:ea typeface="210 8비트 R" panose="020B0600000101010101" charset="-127"/>
+            </a:endParaRPr>
+          </a:p>
+          <a:p>
+            <a:r>
+              <a:rPr lang="ko-KR" altLang="en-US" sz="3600" smtClean="0">
+                <a:latin typeface="210 8비트 R" panose="020B0600000101010101" charset="-127"/>
+                <a:ea typeface="210 8비트 R" panose="020B0600000101010101" charset="-127"/>
+              </a:rPr>
+              <a:t>조금이나마 보여주고자 했고</a:t>
+            </a:r>
+            <a:r>
+              <a:rPr lang="en-US" altLang="ko-KR" sz="3600" smtClean="0">
+                <a:latin typeface="210 8비트 R" panose="020B0600000101010101" charset="-127"/>
+                <a:ea typeface="210 8비트 R" panose="020B0600000101010101" charset="-127"/>
+              </a:rPr>
+              <a:t>,</a:t>
+            </a:r>
+          </a:p>
+          <a:p>
+            <a:r>
+              <a:rPr lang="ko-KR" altLang="en-US" sz="3600" smtClean="0">
+                <a:solidFill>
+                  <a:schemeClr val="accent6">
+                    <a:lumMod val="75000"/>
+                  </a:schemeClr>
+                </a:solidFill>
+                <a:latin typeface="210 8비트 R" panose="020B0600000101010101" charset="-127"/>
+                <a:ea typeface="210 8비트 R" panose="020B0600000101010101" charset="-127"/>
+              </a:rPr>
+              <a:t>게임의 배경이 변하는</a:t>
+            </a:r>
+            <a:r>
+              <a:rPr lang="ko-KR" altLang="en-US" sz="3600" smtClean="0">
+                <a:solidFill>
+                  <a:schemeClr val="bg1"/>
+                </a:solidFill>
+                <a:latin typeface="210 8비트 R" panose="020B0600000101010101" charset="-127"/>
+                <a:ea typeface="210 8비트 R" panose="020B0600000101010101" charset="-127"/>
+              </a:rPr>
+              <a:t> </a:t>
+            </a:r>
+            <a:r>
+              <a:rPr lang="ko-KR" altLang="en-US" sz="3600" smtClean="0">
+                <a:latin typeface="210 8비트 R" panose="020B0600000101010101" charset="-127"/>
+                <a:ea typeface="210 8비트 R" panose="020B0600000101010101" charset="-127"/>
+              </a:rPr>
+              <a:t>등</a:t>
+            </a:r>
+            <a:r>
+              <a:rPr lang="ko-KR" altLang="en-US" sz="3600" smtClean="0">
+                <a:solidFill>
+                  <a:schemeClr val="bg1"/>
+                </a:solidFill>
+                <a:latin typeface="210 8비트 R" panose="020B0600000101010101" charset="-127"/>
+                <a:ea typeface="210 8비트 R" panose="020B0600000101010101" charset="-127"/>
+              </a:rPr>
+              <a:t> </a:t>
+            </a:r>
+            <a:r>
+              <a:rPr lang="ko-KR" altLang="en-US" sz="3600" smtClean="0">
+                <a:solidFill>
+                  <a:srgbClr val="FFFF00"/>
+                </a:solidFill>
+                <a:latin typeface="210 8비트 R" panose="020B0600000101010101" charset="-127"/>
+                <a:ea typeface="210 8비트 R" panose="020B0600000101010101" charset="-127"/>
+              </a:rPr>
+              <a:t>스토리 요소</a:t>
+            </a:r>
+            <a:r>
+              <a:rPr lang="ko-KR" altLang="en-US" sz="3600" smtClean="0">
+                <a:latin typeface="210 8비트 R" panose="020B0600000101010101" charset="-127"/>
+                <a:ea typeface="210 8비트 R" panose="020B0600000101010101" charset="-127"/>
+              </a:rPr>
+              <a:t>를</a:t>
+            </a:r>
+            <a:endParaRPr lang="en-US" altLang="ko-KR" sz="3600" smtClean="0">
+              <a:latin typeface="210 8비트 R" panose="020B0600000101010101" charset="-127"/>
+              <a:ea typeface="210 8비트 R" panose="020B0600000101010101" charset="-127"/>
+            </a:endParaRPr>
+          </a:p>
+          <a:p>
+            <a:r>
+              <a:rPr lang="ko-KR" altLang="en-US" sz="3600" smtClean="0">
+                <a:latin typeface="210 8비트 R" panose="020B0600000101010101" charset="-127"/>
+                <a:ea typeface="210 8비트 R" panose="020B0600000101010101" charset="-127"/>
+              </a:rPr>
+              <a:t>게임에 조금씩 뭍혀놓았다</a:t>
+            </a:r>
+            <a:endParaRPr lang="en-US" altLang="ko-KR" sz="3600" smtClean="0">
+              <a:latin typeface="210 8비트 R" panose="020B0600000101010101" charset="-127"/>
+              <a:ea typeface="210 8비트 R" panose="020B0600000101010101" charset="-127"/>
+            </a:endParaRPr>
+          </a:p>
+        </p:txBody>
+      </p:sp>
+      <p:pic>
+        <p:nvPicPr>
+          <p:cNvPr id="4098" name="Picture 2" descr="스테이지1-무너진-건물.jpg"/>
+          <p:cNvPicPr>
+            <a:picLocks noChangeAspect="1" noChangeArrowheads="1"/>
+          </p:cNvPicPr>
+          <p:nvPr/>
+        </p:nvPicPr>
+        <p:blipFill>
+          <a:blip r:embed="rId3" cstate="print">
+            <a:extLst>
+              <a:ext uri="{28A0092B-C50C-407E-A947-70E740481C1C}">
+                <a14:useLocalDpi xmlns:a14="http://schemas.microsoft.com/office/drawing/2010/main" val="0"/>
+              </a:ext>
+            </a:extLst>
+          </a:blip>
+          <a:srcRect/>
+          <a:stretch>
+            <a:fillRect/>
+          </a:stretch>
+        </p:blipFill>
+        <p:spPr bwMode="auto">
+          <a:xfrm>
+            <a:off x="7924800" y="1485900"/>
+            <a:ext cx="8000703" cy="4154210"/>
+          </a:xfrm>
+          <a:prstGeom prst="rect">
+            <a:avLst/>
+          </a:prstGeom>
+          <a:ln w="38100" cap="sq">
+            <a:solidFill>
+              <a:srgbClr val="000000"/>
+            </a:solidFill>
+            <a:prstDash val="solid"/>
+            <a:miter lim="800000"/>
+          </a:ln>
+          <a:effectLst>
+            <a:outerShdw blurRad="50800" dist="38100" dir="2700000" algn="tl" rotWithShape="0">
+              <a:srgbClr val="000000">
+                <a:alpha val="43000"/>
+              </a:srgbClr>
+            </a:outerShdw>
+          </a:effectLst>
+          <a:extLst>
+            <a:ext uri="{909E8E84-426E-40DD-AFC4-6F175D3DCCD1}">
+              <a14:hiddenFill xmlns:a14="http://schemas.microsoft.com/office/drawing/2010/main">
+                <a:solidFill>
+                  <a:srgbClr val="FFFFFF"/>
+                </a:solidFill>
+              </a14:hiddenFill>
+            </a:ext>
+          </a:extLst>
+        </p:spPr>
+      </p:pic>
+      <p:pic>
+        <p:nvPicPr>
+          <p:cNvPr id="4100" name="Picture 4" descr="컷씬-스테이지3.jpg"/>
+          <p:cNvPicPr>
+            <a:picLocks noChangeAspect="1" noChangeArrowheads="1"/>
+          </p:cNvPicPr>
+          <p:nvPr/>
+        </p:nvPicPr>
+        <p:blipFill>
+          <a:blip r:embed="rId4" cstate="print">
+            <a:extLst>
+              <a:ext uri="{28A0092B-C50C-407E-A947-70E740481C1C}">
+                <a14:useLocalDpi xmlns:a14="http://schemas.microsoft.com/office/drawing/2010/main" val="0"/>
+              </a:ext>
+            </a:extLst>
+          </a:blip>
+          <a:srcRect/>
+          <a:stretch>
+            <a:fillRect/>
+          </a:stretch>
+        </p:blipFill>
+        <p:spPr bwMode="auto">
+          <a:xfrm>
+            <a:off x="11130207" y="5245953"/>
+            <a:ext cx="5740400" cy="3228975"/>
+          </a:xfrm>
+          <a:prstGeom prst="rect">
+            <a:avLst/>
+          </a:prstGeom>
+          <a:ln w="38100" cap="sq">
+            <a:solidFill>
+              <a:srgbClr val="000000"/>
+            </a:solidFill>
+            <a:prstDash val="solid"/>
+            <a:miter lim="800000"/>
+          </a:ln>
+          <a:effectLst>
+            <a:outerShdw blurRad="50800" dist="38100" dir="2700000" algn="tl" rotWithShape="0">
+              <a:srgbClr val="000000">
+                <a:alpha val="43000"/>
+              </a:srgbClr>
+            </a:outerShdw>
+          </a:effectLst>
+          <a:extLst>
+            <a:ext uri="{909E8E84-426E-40DD-AFC4-6F175D3DCCD1}">
+              <a14:hiddenFill xmlns:a14="http://schemas.microsoft.com/office/drawing/2010/main">
+                <a:solidFill>
+                  <a:srgbClr val="FFFFFF"/>
+                </a:solidFill>
+              </a14:hiddenFill>
+            </a:ext>
+          </a:extLst>
+        </p:spPr>
+      </p:pic>
     </p:spTree>
   </p:cSld>
   <p:clrMapOvr>
